--- a/doc/MTP-DFD.pptx
+++ b/doc/MTP-DFD.pptx
@@ -305,7 +305,7 @@
           <a:p>
             <a:fld id="{3A6CA703-A109-4933-88E3-8D2081F29780}" type="datetimeFigureOut">
               <a:rPr lang="en-US" smtClean="0"/>
-              <a:t>3/2/2015</a:t>
+              <a:t>3/19/2015</a:t>
             </a:fld>
             <a:endParaRPr lang="en-US"/>
           </a:p>
@@ -475,7 +475,7 @@
           <a:p>
             <a:fld id="{3A6CA703-A109-4933-88E3-8D2081F29780}" type="datetimeFigureOut">
               <a:rPr lang="en-US" smtClean="0"/>
-              <a:t>3/2/2015</a:t>
+              <a:t>3/19/2015</a:t>
             </a:fld>
             <a:endParaRPr lang="en-US"/>
           </a:p>
@@ -655,7 +655,7 @@
           <a:p>
             <a:fld id="{3A6CA703-A109-4933-88E3-8D2081F29780}" type="datetimeFigureOut">
               <a:rPr lang="en-US" smtClean="0"/>
-              <a:t>3/2/2015</a:t>
+              <a:t>3/19/2015</a:t>
             </a:fld>
             <a:endParaRPr lang="en-US"/>
           </a:p>
@@ -825,7 +825,7 @@
           <a:p>
             <a:fld id="{3A6CA703-A109-4933-88E3-8D2081F29780}" type="datetimeFigureOut">
               <a:rPr lang="en-US" smtClean="0"/>
-              <a:t>3/2/2015</a:t>
+              <a:t>3/19/2015</a:t>
             </a:fld>
             <a:endParaRPr lang="en-US"/>
           </a:p>
@@ -1071,7 +1071,7 @@
           <a:p>
             <a:fld id="{3A6CA703-A109-4933-88E3-8D2081F29780}" type="datetimeFigureOut">
               <a:rPr lang="en-US" smtClean="0"/>
-              <a:t>3/2/2015</a:t>
+              <a:t>3/19/2015</a:t>
             </a:fld>
             <a:endParaRPr lang="en-US"/>
           </a:p>
@@ -1359,7 +1359,7 @@
           <a:p>
             <a:fld id="{3A6CA703-A109-4933-88E3-8D2081F29780}" type="datetimeFigureOut">
               <a:rPr lang="en-US" smtClean="0"/>
-              <a:t>3/2/2015</a:t>
+              <a:t>3/19/2015</a:t>
             </a:fld>
             <a:endParaRPr lang="en-US"/>
           </a:p>
@@ -1781,7 +1781,7 @@
           <a:p>
             <a:fld id="{3A6CA703-A109-4933-88E3-8D2081F29780}" type="datetimeFigureOut">
               <a:rPr lang="en-US" smtClean="0"/>
-              <a:t>3/2/2015</a:t>
+              <a:t>3/19/2015</a:t>
             </a:fld>
             <a:endParaRPr lang="en-US"/>
           </a:p>
@@ -1899,7 +1899,7 @@
           <a:p>
             <a:fld id="{3A6CA703-A109-4933-88E3-8D2081F29780}" type="datetimeFigureOut">
               <a:rPr lang="en-US" smtClean="0"/>
-              <a:t>3/2/2015</a:t>
+              <a:t>3/19/2015</a:t>
             </a:fld>
             <a:endParaRPr lang="en-US"/>
           </a:p>
@@ -1994,7 +1994,7 @@
           <a:p>
             <a:fld id="{3A6CA703-A109-4933-88E3-8D2081F29780}" type="datetimeFigureOut">
               <a:rPr lang="en-US" smtClean="0"/>
-              <a:t>3/2/2015</a:t>
+              <a:t>3/19/2015</a:t>
             </a:fld>
             <a:endParaRPr lang="en-US"/>
           </a:p>
@@ -2271,7 +2271,7 @@
           <a:p>
             <a:fld id="{3A6CA703-A109-4933-88E3-8D2081F29780}" type="datetimeFigureOut">
               <a:rPr lang="en-US" smtClean="0"/>
-              <a:t>3/2/2015</a:t>
+              <a:t>3/19/2015</a:t>
             </a:fld>
             <a:endParaRPr lang="en-US"/>
           </a:p>
@@ -2524,7 +2524,7 @@
           <a:p>
             <a:fld id="{3A6CA703-A109-4933-88E3-8D2081F29780}" type="datetimeFigureOut">
               <a:rPr lang="en-US" smtClean="0"/>
-              <a:t>3/2/2015</a:t>
+              <a:t>3/19/2015</a:t>
             </a:fld>
             <a:endParaRPr lang="en-US"/>
           </a:p>
@@ -2737,7 +2737,7 @@
           <a:p>
             <a:fld id="{3A6CA703-A109-4933-88E3-8D2081F29780}" type="datetimeFigureOut">
               <a:rPr lang="en-US" smtClean="0"/>
-              <a:t>3/2/2015</a:t>
+              <a:t>3/19/2015</a:t>
             </a:fld>
             <a:endParaRPr lang="en-US"/>
           </a:p>
@@ -5734,6 +5734,836 @@
           <a:chExt cx="0" cy="0"/>
         </a:xfrm>
       </p:grpSpPr>
+      <p:sp>
+        <p:nvSpPr>
+          <p:cNvPr id="2" name="TextBox 1"/>
+          <p:cNvSpPr txBox="1"/>
+          <p:nvPr/>
+        </p:nvSpPr>
+        <p:spPr>
+          <a:xfrm>
+            <a:off x="8725296" y="0"/>
+            <a:ext cx="418704" cy="369332"/>
+          </a:xfrm>
+          <a:prstGeom prst="rect">
+            <a:avLst/>
+          </a:prstGeom>
+          <a:noFill/>
+        </p:spPr>
+        <p:txBody>
+          <a:bodyPr wrap="none" rtlCol="0">
+            <a:spAutoFit/>
+          </a:bodyPr>
+          <a:lstStyle/>
+          <a:p>
+            <a:r>
+              <a:rPr lang="en-US" dirty="0" smtClean="0"/>
+              <a:t>21</a:t>
+            </a:r>
+          </a:p>
+        </p:txBody>
+      </p:sp>
+      <p:sp>
+        <p:nvSpPr>
+          <p:cNvPr id="3" name="Rectangle 2"/>
+          <p:cNvSpPr/>
+          <p:nvPr/>
+        </p:nvSpPr>
+        <p:spPr>
+          <a:xfrm>
+            <a:off x="1676400" y="5097257"/>
+            <a:ext cx="6096000" cy="1754326"/>
+          </a:xfrm>
+          <a:prstGeom prst="rect">
+            <a:avLst/>
+          </a:prstGeom>
+          <a:ln w="6350">
+            <a:solidFill>
+              <a:schemeClr val="tx1"/>
+            </a:solidFill>
+          </a:ln>
+        </p:spPr>
+        <p:txBody>
+          <a:bodyPr wrap="square">
+            <a:spAutoFit/>
+          </a:bodyPr>
+          <a:lstStyle/>
+          <a:p>
+            <a:r>
+              <a:rPr lang="en-US" dirty="0"/>
+              <a:t> </a:t>
+            </a:r>
+            <a:r>
+              <a:rPr lang="en-US" dirty="0" smtClean="0"/>
+              <a:t>from: </a:t>
+            </a:r>
+            <a:r>
+              <a:rPr lang="en-US" dirty="0" err="1" smtClean="0"/>
+              <a:t>MTPbin:fGetNavT</a:t>
+            </a:r>
+            <a:endParaRPr lang="en-US" dirty="0" smtClean="0"/>
+          </a:p>
+          <a:p>
+            <a:r>
+              <a:rPr lang="en-US" dirty="0"/>
+              <a:t> </a:t>
+            </a:r>
+            <a:r>
+              <a:rPr lang="en-US" dirty="0" smtClean="0"/>
+              <a:t> n </a:t>
+            </a:r>
+            <a:r>
+              <a:rPr lang="en-US" dirty="0"/>
+              <a:t>= </a:t>
+            </a:r>
+            <a:r>
+              <a:rPr lang="en-US" dirty="0" err="1"/>
+              <a:t>Int</a:t>
+            </a:r>
+            <a:r>
+              <a:rPr lang="en-US" dirty="0"/>
+              <a:t>(</a:t>
+            </a:r>
+            <a:r>
+              <a:rPr lang="en-US" dirty="0" err="1"/>
+              <a:t>aNAVoffset</a:t>
+            </a:r>
+            <a:r>
+              <a:rPr lang="en-US" dirty="0"/>
+              <a:t>(C))</a:t>
+            </a:r>
+          </a:p>
+          <a:p>
+            <a:r>
+              <a:rPr lang="en-US" dirty="0"/>
+              <a:t>  If </a:t>
+            </a:r>
+            <a:r>
+              <a:rPr lang="en-US" dirty="0" err="1"/>
+              <a:t>aNAVoffset</a:t>
+            </a:r>
+            <a:r>
+              <a:rPr lang="en-US" dirty="0"/>
+              <a:t>(C) - n &lt;&gt; 0 Then  'Interpolate</a:t>
+            </a:r>
+          </a:p>
+          <a:p>
+            <a:r>
+              <a:rPr lang="en-US" dirty="0"/>
+              <a:t>    OAT1 = OATV(1, </a:t>
+            </a:r>
+            <a:r>
+              <a:rPr lang="en-US" dirty="0" err="1"/>
+              <a:t>fRecordCheck</a:t>
+            </a:r>
+            <a:r>
+              <a:rPr lang="en-US" dirty="0"/>
+              <a:t>(Record, n))</a:t>
+            </a:r>
+          </a:p>
+          <a:p>
+            <a:r>
+              <a:rPr lang="en-US" dirty="0"/>
+              <a:t>    OAT2 = OATV(1, </a:t>
+            </a:r>
+            <a:r>
+              <a:rPr lang="en-US" dirty="0" err="1"/>
+              <a:t>fRecordCheck</a:t>
+            </a:r>
+            <a:r>
+              <a:rPr lang="en-US" dirty="0"/>
+              <a:t>(Record, n + 1))</a:t>
+            </a:r>
+          </a:p>
+          <a:p>
+            <a:r>
+              <a:rPr lang="en-US" dirty="0"/>
+              <a:t>    OAT = OAT1 + (OAT2 - OAT1) * (</a:t>
+            </a:r>
+            <a:r>
+              <a:rPr lang="en-US" dirty="0" err="1"/>
+              <a:t>aNAVoffset</a:t>
+            </a:r>
+            <a:r>
+              <a:rPr lang="en-US" dirty="0"/>
+              <a:t>(C) - n)</a:t>
+            </a:r>
+          </a:p>
+        </p:txBody>
+      </p:sp>
+      <p:cxnSp>
+        <p:nvCxnSpPr>
+          <p:cNvPr id="4" name="Straight Arrow Connector 3"/>
+          <p:cNvCxnSpPr/>
+          <p:nvPr/>
+        </p:nvCxnSpPr>
+        <p:spPr>
+          <a:xfrm flipH="1" flipV="1">
+            <a:off x="378315" y="4724400"/>
+            <a:ext cx="2593487" cy="1250020"/>
+          </a:xfrm>
+          <a:prstGeom prst="straightConnector1">
+            <a:avLst/>
+          </a:prstGeom>
+          <a:ln>
+            <a:tailEnd type="arrow"/>
+          </a:ln>
+        </p:spPr>
+        <p:style>
+          <a:lnRef idx="1">
+            <a:schemeClr val="accent1"/>
+          </a:lnRef>
+          <a:fillRef idx="0">
+            <a:schemeClr val="accent1"/>
+          </a:fillRef>
+          <a:effectRef idx="0">
+            <a:schemeClr val="accent1"/>
+          </a:effectRef>
+          <a:fontRef idx="minor">
+            <a:schemeClr val="tx1"/>
+          </a:fontRef>
+        </p:style>
+      </p:cxnSp>
+      <p:sp>
+        <p:nvSpPr>
+          <p:cNvPr id="6" name="Rectangle 5"/>
+          <p:cNvSpPr/>
+          <p:nvPr/>
+        </p:nvSpPr>
+        <p:spPr>
+          <a:xfrm>
+            <a:off x="149713" y="4160980"/>
+            <a:ext cx="2533514" cy="646331"/>
+          </a:xfrm>
+          <a:prstGeom prst="rect">
+            <a:avLst/>
+          </a:prstGeom>
+          <a:ln w="6350">
+            <a:solidFill>
+              <a:schemeClr val="tx1"/>
+            </a:solidFill>
+          </a:ln>
+        </p:spPr>
+        <p:txBody>
+          <a:bodyPr wrap="none">
+            <a:spAutoFit/>
+          </a:bodyPr>
+          <a:lstStyle/>
+          <a:p>
+            <a:r>
+              <a:rPr lang="en-US" dirty="0" smtClean="0"/>
+              <a:t>From </a:t>
+            </a:r>
+            <a:r>
+              <a:rPr lang="en-US" dirty="0" err="1" smtClean="0"/>
+              <a:t>MTPbin:WriteArray</a:t>
+            </a:r>
+            <a:endParaRPr lang="en-US" dirty="0" smtClean="0"/>
+          </a:p>
+          <a:p>
+            <a:r>
+              <a:rPr lang="en-US" dirty="0" smtClean="0"/>
+              <a:t> </a:t>
+            </a:r>
+            <a:r>
+              <a:rPr lang="en-US" dirty="0"/>
+              <a:t>OATV(1, r) = </a:t>
+            </a:r>
+            <a:r>
+              <a:rPr lang="en-US" dirty="0" err="1"/>
+              <a:t>OATnav</a:t>
+            </a:r>
+            <a:endParaRPr lang="en-US" dirty="0"/>
+          </a:p>
+        </p:txBody>
+      </p:sp>
+      <p:sp>
+        <p:nvSpPr>
+          <p:cNvPr id="7" name="Rectangle 6"/>
+          <p:cNvSpPr/>
+          <p:nvPr/>
+        </p:nvSpPr>
+        <p:spPr>
+          <a:xfrm>
+            <a:off x="73513" y="3082164"/>
+            <a:ext cx="2961965" cy="646331"/>
+          </a:xfrm>
+          <a:prstGeom prst="rect">
+            <a:avLst/>
+          </a:prstGeom>
+          <a:ln w="6350">
+            <a:solidFill>
+              <a:schemeClr val="tx1"/>
+            </a:solidFill>
+          </a:ln>
+        </p:spPr>
+        <p:txBody>
+          <a:bodyPr wrap="none">
+            <a:spAutoFit/>
+          </a:bodyPr>
+          <a:lstStyle/>
+          <a:p>
+            <a:r>
+              <a:rPr lang="en-US" dirty="0" smtClean="0"/>
+              <a:t>From </a:t>
+            </a:r>
+            <a:r>
+              <a:rPr lang="en-US" dirty="0" err="1" smtClean="0"/>
+              <a:t>MTPbin:MapGVtoOther</a:t>
+            </a:r>
+            <a:endParaRPr lang="en-US" dirty="0" smtClean="0"/>
+          </a:p>
+          <a:p>
+            <a:r>
+              <a:rPr lang="en-US" dirty="0" smtClean="0"/>
+              <a:t> </a:t>
+            </a:r>
+            <a:r>
+              <a:rPr lang="en-US" dirty="0" err="1"/>
+              <a:t>OATnav</a:t>
+            </a:r>
+            <a:r>
+              <a:rPr lang="en-US" dirty="0"/>
+              <a:t> = </a:t>
+            </a:r>
+            <a:r>
+              <a:rPr lang="en-US" dirty="0" err="1"/>
+              <a:t>OATnavI</a:t>
+            </a:r>
+            <a:endParaRPr lang="en-US" dirty="0"/>
+          </a:p>
+        </p:txBody>
+      </p:sp>
+      <p:cxnSp>
+        <p:nvCxnSpPr>
+          <p:cNvPr id="8" name="Straight Arrow Connector 7"/>
+          <p:cNvCxnSpPr/>
+          <p:nvPr/>
+        </p:nvCxnSpPr>
+        <p:spPr>
+          <a:xfrm flipH="1" flipV="1">
+            <a:off x="378315" y="3728495"/>
+            <a:ext cx="1295400" cy="832289"/>
+          </a:xfrm>
+          <a:prstGeom prst="straightConnector1">
+            <a:avLst/>
+          </a:prstGeom>
+          <a:ln>
+            <a:tailEnd type="arrow"/>
+          </a:ln>
+        </p:spPr>
+        <p:style>
+          <a:lnRef idx="1">
+            <a:schemeClr val="accent1"/>
+          </a:lnRef>
+          <a:fillRef idx="0">
+            <a:schemeClr val="accent1"/>
+          </a:fillRef>
+          <a:effectRef idx="0">
+            <a:schemeClr val="accent1"/>
+          </a:effectRef>
+          <a:fontRef idx="minor">
+            <a:schemeClr val="tx1"/>
+          </a:fontRef>
+        </p:style>
+      </p:cxnSp>
+      <p:sp>
+        <p:nvSpPr>
+          <p:cNvPr id="10" name="Rectangle 9"/>
+          <p:cNvSpPr/>
+          <p:nvPr/>
+        </p:nvSpPr>
+        <p:spPr>
+          <a:xfrm>
+            <a:off x="80732" y="2015364"/>
+            <a:ext cx="3636060" cy="646331"/>
+          </a:xfrm>
+          <a:prstGeom prst="rect">
+            <a:avLst/>
+          </a:prstGeom>
+          <a:ln w="6350">
+            <a:solidFill>
+              <a:schemeClr val="tx1"/>
+            </a:solidFill>
+          </a:ln>
+        </p:spPr>
+        <p:txBody>
+          <a:bodyPr wrap="none">
+            <a:spAutoFit/>
+          </a:bodyPr>
+          <a:lstStyle/>
+          <a:p>
+            <a:r>
+              <a:rPr lang="en-US" dirty="0" smtClean="0"/>
+              <a:t>From </a:t>
+            </a:r>
+            <a:r>
+              <a:rPr lang="en-US" dirty="0" err="1" smtClean="0"/>
+              <a:t>MTPbin:MapDatV</a:t>
+            </a:r>
+            <a:endParaRPr lang="en-US" dirty="0" smtClean="0"/>
+          </a:p>
+          <a:p>
+            <a:r>
+              <a:rPr lang="en-US" dirty="0" smtClean="0"/>
+              <a:t> </a:t>
+            </a:r>
+            <a:r>
+              <a:rPr lang="en-US" dirty="0" err="1"/>
+              <a:t>OATnavI</a:t>
+            </a:r>
+            <a:r>
+              <a:rPr lang="en-US" dirty="0"/>
+              <a:t> = </a:t>
+            </a:r>
+            <a:r>
+              <a:rPr lang="en-US" dirty="0" err="1"/>
+              <a:t>OATnI</a:t>
+            </a:r>
+            <a:r>
+              <a:rPr lang="en-US" dirty="0"/>
+              <a:t> + 273.15                'K</a:t>
+            </a:r>
+          </a:p>
+        </p:txBody>
+      </p:sp>
+      <p:cxnSp>
+        <p:nvCxnSpPr>
+          <p:cNvPr id="11" name="Straight Arrow Connector 10"/>
+          <p:cNvCxnSpPr/>
+          <p:nvPr/>
+        </p:nvCxnSpPr>
+        <p:spPr>
+          <a:xfrm flipH="1" flipV="1">
+            <a:off x="371896" y="2661695"/>
+            <a:ext cx="1295400" cy="832289"/>
+          </a:xfrm>
+          <a:prstGeom prst="straightConnector1">
+            <a:avLst/>
+          </a:prstGeom>
+          <a:ln>
+            <a:tailEnd type="arrow"/>
+          </a:ln>
+        </p:spPr>
+        <p:style>
+          <a:lnRef idx="1">
+            <a:schemeClr val="accent1"/>
+          </a:lnRef>
+          <a:fillRef idx="0">
+            <a:schemeClr val="accent1"/>
+          </a:fillRef>
+          <a:effectRef idx="0">
+            <a:schemeClr val="accent1"/>
+          </a:effectRef>
+          <a:fontRef idx="minor">
+            <a:schemeClr val="tx1"/>
+          </a:fontRef>
+        </p:style>
+      </p:cxnSp>
+      <p:sp>
+        <p:nvSpPr>
+          <p:cNvPr id="12" name="Rectangle 11"/>
+          <p:cNvSpPr/>
+          <p:nvPr/>
+        </p:nvSpPr>
+        <p:spPr>
+          <a:xfrm>
+            <a:off x="80732" y="1088494"/>
+            <a:ext cx="3287951" cy="646331"/>
+          </a:xfrm>
+          <a:prstGeom prst="rect">
+            <a:avLst/>
+          </a:prstGeom>
+          <a:ln w="6350">
+            <a:solidFill>
+              <a:schemeClr val="tx1"/>
+            </a:solidFill>
+          </a:ln>
+        </p:spPr>
+        <p:txBody>
+          <a:bodyPr wrap="none">
+            <a:spAutoFit/>
+          </a:bodyPr>
+          <a:lstStyle/>
+          <a:p>
+            <a:r>
+              <a:rPr lang="en-US" dirty="0" smtClean="0"/>
+              <a:t>From </a:t>
+            </a:r>
+            <a:r>
+              <a:rPr lang="en-US" dirty="0" err="1" smtClean="0"/>
+              <a:t>MTPbin:mapDatV</a:t>
+            </a:r>
+            <a:endParaRPr lang="en-US" dirty="0" smtClean="0"/>
+          </a:p>
+          <a:p>
+            <a:r>
+              <a:rPr lang="en-US" dirty="0" smtClean="0"/>
+              <a:t>Case </a:t>
+            </a:r>
+            <a:r>
+              <a:rPr lang="en-US" dirty="0"/>
+              <a:t>(20): </a:t>
+            </a:r>
+            <a:r>
+              <a:rPr lang="en-US" dirty="0" err="1"/>
+              <a:t>OATnI</a:t>
+            </a:r>
+            <a:r>
+              <a:rPr lang="en-US" dirty="0"/>
+              <a:t> = </a:t>
+            </a:r>
+            <a:r>
+              <a:rPr lang="en-US" dirty="0" err="1"/>
+              <a:t>DatV</a:t>
+            </a:r>
+            <a:r>
+              <a:rPr lang="en-US" dirty="0"/>
+              <a:t>(</a:t>
+            </a:r>
+            <a:r>
+              <a:rPr lang="en-US" dirty="0" err="1"/>
+              <a:t>i</a:t>
+            </a:r>
+            <a:r>
+              <a:rPr lang="en-US" dirty="0"/>
+              <a:t>)          'C</a:t>
+            </a:r>
+          </a:p>
+        </p:txBody>
+      </p:sp>
+      <p:cxnSp>
+        <p:nvCxnSpPr>
+          <p:cNvPr id="13" name="Straight Arrow Connector 12"/>
+          <p:cNvCxnSpPr/>
+          <p:nvPr/>
+        </p:nvCxnSpPr>
+        <p:spPr>
+          <a:xfrm flipH="1" flipV="1">
+            <a:off x="1416470" y="1734825"/>
+            <a:ext cx="28643" cy="696684"/>
+          </a:xfrm>
+          <a:prstGeom prst="straightConnector1">
+            <a:avLst/>
+          </a:prstGeom>
+          <a:ln>
+            <a:tailEnd type="arrow"/>
+          </a:ln>
+        </p:spPr>
+        <p:style>
+          <a:lnRef idx="1">
+            <a:schemeClr val="accent1"/>
+          </a:lnRef>
+          <a:fillRef idx="0">
+            <a:schemeClr val="accent1"/>
+          </a:fillRef>
+          <a:effectRef idx="0">
+            <a:schemeClr val="accent1"/>
+          </a:effectRef>
+          <a:fontRef idx="minor">
+            <a:schemeClr val="tx1"/>
+          </a:fontRef>
+        </p:style>
+      </p:cxnSp>
+      <p:cxnSp>
+        <p:nvCxnSpPr>
+          <p:cNvPr id="16" name="Straight Arrow Connector 15"/>
+          <p:cNvCxnSpPr/>
+          <p:nvPr/>
+        </p:nvCxnSpPr>
+        <p:spPr>
+          <a:xfrm flipH="1" flipV="1">
+            <a:off x="371896" y="398320"/>
+            <a:ext cx="1692274" cy="1106319"/>
+          </a:xfrm>
+          <a:prstGeom prst="straightConnector1">
+            <a:avLst/>
+          </a:prstGeom>
+          <a:ln>
+            <a:tailEnd type="arrow"/>
+          </a:ln>
+        </p:spPr>
+        <p:style>
+          <a:lnRef idx="1">
+            <a:schemeClr val="accent1"/>
+          </a:lnRef>
+          <a:fillRef idx="0">
+            <a:schemeClr val="accent1"/>
+          </a:fillRef>
+          <a:effectRef idx="0">
+            <a:schemeClr val="accent1"/>
+          </a:effectRef>
+          <a:fontRef idx="minor">
+            <a:schemeClr val="tx1"/>
+          </a:fontRef>
+        </p:style>
+      </p:cxnSp>
+      <p:sp>
+        <p:nvSpPr>
+          <p:cNvPr id="17" name="TextBox 16"/>
+          <p:cNvSpPr txBox="1"/>
+          <p:nvPr/>
+        </p:nvSpPr>
+        <p:spPr>
+          <a:xfrm>
+            <a:off x="216245" y="197223"/>
+            <a:ext cx="3566233" cy="646331"/>
+          </a:xfrm>
+          <a:prstGeom prst="rect">
+            <a:avLst/>
+          </a:prstGeom>
+          <a:noFill/>
+          <a:ln w="6350">
+            <a:solidFill>
+              <a:schemeClr val="tx1"/>
+            </a:solidFill>
+          </a:ln>
+        </p:spPr>
+        <p:txBody>
+          <a:bodyPr wrap="none" rtlCol="0">
+            <a:spAutoFit/>
+          </a:bodyPr>
+          <a:lstStyle/>
+          <a:p>
+            <a:r>
+              <a:rPr lang="en-US" dirty="0" smtClean="0"/>
+              <a:t>Ambient Temperature from </a:t>
+            </a:r>
+            <a:r>
+              <a:rPr lang="en-US" dirty="0" smtClean="0"/>
+              <a:t>IWG1 at</a:t>
+            </a:r>
+          </a:p>
+          <a:p>
+            <a:r>
+              <a:rPr lang="en-US" dirty="0"/>
+              <a:t> </a:t>
+            </a:r>
+            <a:r>
+              <a:rPr lang="en-US" dirty="0" smtClean="0"/>
+              <a:t> time of scan</a:t>
+            </a:r>
+            <a:endParaRPr lang="en-US" dirty="0"/>
+          </a:p>
+        </p:txBody>
+      </p:sp>
+      <p:cxnSp>
+        <p:nvCxnSpPr>
+          <p:cNvPr id="18" name="Straight Arrow Connector 17"/>
+          <p:cNvCxnSpPr/>
+          <p:nvPr/>
+        </p:nvCxnSpPr>
+        <p:spPr>
+          <a:xfrm flipH="1" flipV="1">
+            <a:off x="4114800" y="951479"/>
+            <a:ext cx="1385428" cy="5556341"/>
+          </a:xfrm>
+          <a:prstGeom prst="straightConnector1">
+            <a:avLst/>
+          </a:prstGeom>
+          <a:ln>
+            <a:tailEnd type="arrow"/>
+          </a:ln>
+        </p:spPr>
+        <p:style>
+          <a:lnRef idx="1">
+            <a:schemeClr val="accent1"/>
+          </a:lnRef>
+          <a:fillRef idx="0">
+            <a:schemeClr val="accent1"/>
+          </a:fillRef>
+          <a:effectRef idx="0">
+            <a:schemeClr val="accent1"/>
+          </a:effectRef>
+          <a:fontRef idx="minor">
+            <a:schemeClr val="tx1"/>
+          </a:fontRef>
+        </p:style>
+      </p:cxnSp>
+      <p:sp>
+        <p:nvSpPr>
+          <p:cNvPr id="20" name="Rectangle 19"/>
+          <p:cNvSpPr/>
+          <p:nvPr/>
+        </p:nvSpPr>
+        <p:spPr>
+          <a:xfrm>
+            <a:off x="3891746" y="590466"/>
+            <a:ext cx="5110163" cy="3970318"/>
+          </a:xfrm>
+          <a:prstGeom prst="rect">
+            <a:avLst/>
+          </a:prstGeom>
+          <a:noFill/>
+          <a:ln w="6350">
+            <a:solidFill>
+              <a:schemeClr val="tx1"/>
+            </a:solidFill>
+          </a:ln>
+        </p:spPr>
+        <p:txBody>
+          <a:bodyPr wrap="square">
+            <a:spAutoFit/>
+          </a:bodyPr>
+          <a:lstStyle/>
+          <a:p>
+            <a:r>
+              <a:rPr lang="en-US" dirty="0" smtClean="0"/>
+              <a:t>From file: MTP\Data\{</a:t>
+            </a:r>
+            <a:r>
+              <a:rPr lang="en-US" dirty="0" err="1" smtClean="0"/>
+              <a:t>proj</a:t>
+            </a:r>
+            <a:r>
+              <a:rPr lang="en-US" dirty="0" smtClean="0"/>
+              <a:t>}\{</a:t>
+            </a:r>
+            <a:r>
+              <a:rPr lang="en-US" dirty="0" err="1" smtClean="0"/>
+              <a:t>fltdate</a:t>
+            </a:r>
+            <a:r>
+              <a:rPr lang="en-US" dirty="0" smtClean="0"/>
+              <a:t>}\NG{</a:t>
+            </a:r>
+            <a:r>
+              <a:rPr lang="en-US" dirty="0" err="1" smtClean="0"/>
+              <a:t>fltdate</a:t>
+            </a:r>
+            <a:r>
+              <a:rPr lang="en-US" dirty="0" smtClean="0"/>
+              <a:t>}.REF</a:t>
+            </a:r>
+            <a:endParaRPr lang="en-US" dirty="0" smtClean="0"/>
+          </a:p>
+          <a:p>
+            <a:r>
+              <a:rPr lang="en-US" dirty="0" err="1" smtClean="0"/>
+              <a:t>aNAVoffset</a:t>
+            </a:r>
+            <a:r>
+              <a:rPr lang="en-US" dirty="0" smtClean="0"/>
+              <a:t>(0 </a:t>
+            </a:r>
+            <a:r>
+              <a:rPr lang="en-US" dirty="0"/>
+              <a:t>To 3) As Single       'OAT cycle </a:t>
+            </a:r>
+            <a:r>
+              <a:rPr lang="en-US" dirty="0" smtClean="0"/>
+              <a:t>shift</a:t>
+            </a:r>
+          </a:p>
+          <a:p>
+            <a:endParaRPr lang="en-US" dirty="0"/>
+          </a:p>
+          <a:p>
+            <a:r>
+              <a:rPr lang="en-US" dirty="0" smtClean="0"/>
+              <a:t>Always uses the average ~ (-0.14 to -0.18)</a:t>
+            </a:r>
+          </a:p>
+          <a:p>
+            <a:r>
+              <a:rPr lang="en-US" dirty="0"/>
+              <a:t> </a:t>
+            </a:r>
+            <a:r>
+              <a:rPr lang="en-US" dirty="0" smtClean="0"/>
+              <a:t>- gives Temp 13-15 seconds “ahead” of plane</a:t>
+            </a:r>
+          </a:p>
+          <a:p>
+            <a:r>
+              <a:rPr lang="en-US" dirty="0"/>
+              <a:t> </a:t>
+            </a:r>
+            <a:r>
+              <a:rPr lang="en-US" dirty="0" smtClean="0"/>
+              <a:t>  * at 295 m/s = ~4km</a:t>
+            </a:r>
+          </a:p>
+          <a:p>
+            <a:endParaRPr lang="en-US" dirty="0"/>
+          </a:p>
+          <a:p>
+            <a:r>
+              <a:rPr lang="en-US" dirty="0" smtClean="0"/>
+              <a:t>Odd that the individual channels seem to range </a:t>
+            </a:r>
+          </a:p>
+          <a:p>
+            <a:r>
+              <a:rPr lang="en-US" dirty="0" smtClean="0"/>
+              <a:t>From -0.1 to -0.2 meaning that they range in </a:t>
+            </a:r>
+          </a:p>
+          <a:p>
+            <a:r>
+              <a:rPr lang="en-US" dirty="0" smtClean="0"/>
+              <a:t>Distance 4.5km to  4.0km  thought that they were </a:t>
+            </a:r>
+          </a:p>
+          <a:p>
+            <a:r>
+              <a:rPr lang="en-US" dirty="0" smtClean="0"/>
+              <a:t>Larger range than that…</a:t>
+            </a:r>
+          </a:p>
+          <a:p>
+            <a:endParaRPr lang="en-US" dirty="0"/>
+          </a:p>
+          <a:p>
+            <a:r>
+              <a:rPr lang="en-US" dirty="0" smtClean="0"/>
+              <a:t>Seems like we want to pick a second.  And have OAT </a:t>
+            </a:r>
+          </a:p>
+          <a:p>
+            <a:r>
+              <a:rPr lang="en-US" dirty="0" smtClean="0"/>
+              <a:t>On a per channel basis!</a:t>
+            </a:r>
+            <a:endParaRPr lang="en-US" dirty="0"/>
+          </a:p>
+        </p:txBody>
+      </p:sp>
+      <p:cxnSp>
+        <p:nvCxnSpPr>
+          <p:cNvPr id="22" name="Straight Connector 21"/>
+          <p:cNvCxnSpPr/>
+          <p:nvPr/>
+        </p:nvCxnSpPr>
+        <p:spPr>
+          <a:xfrm>
+            <a:off x="3841970" y="105188"/>
+            <a:ext cx="0" cy="4953000"/>
+          </a:xfrm>
+          <a:prstGeom prst="line">
+            <a:avLst/>
+          </a:prstGeom>
+          <a:ln w="25400">
+            <a:solidFill>
+              <a:schemeClr val="tx1"/>
+            </a:solidFill>
+          </a:ln>
+        </p:spPr>
+        <p:style>
+          <a:lnRef idx="1">
+            <a:schemeClr val="accent1"/>
+          </a:lnRef>
+          <a:fillRef idx="0">
+            <a:schemeClr val="accent1"/>
+          </a:fillRef>
+          <a:effectRef idx="0">
+            <a:schemeClr val="accent1"/>
+          </a:effectRef>
+          <a:fontRef idx="minor">
+            <a:schemeClr val="tx1"/>
+          </a:fontRef>
+        </p:style>
+      </p:cxnSp>
     </p:spTree>
     <p:extLst>
       <p:ext uri="{BB962C8B-B14F-4D97-AF65-F5344CB8AC3E}">
@@ -6324,8 +7154,8 @@
         </p:nvCxnSpPr>
         <p:spPr>
           <a:xfrm flipH="1" flipV="1">
-            <a:off x="2743200" y="524608"/>
-            <a:ext cx="1" cy="1143000"/>
+            <a:off x="2590800" y="369332"/>
+            <a:ext cx="152402" cy="1298276"/>
           </a:xfrm>
           <a:prstGeom prst="straightConnector1">
             <a:avLst/>
@@ -6357,8 +7187,8 @@
         </p:nvCxnSpPr>
         <p:spPr>
           <a:xfrm flipV="1">
-            <a:off x="3135925" y="524608"/>
-            <a:ext cx="64475" cy="1532792"/>
+            <a:off x="3135925" y="1018470"/>
+            <a:ext cx="64475" cy="1038930"/>
           </a:xfrm>
           <a:prstGeom prst="straightConnector1">
             <a:avLst/>
@@ -6390,8 +7220,8 @@
         </p:nvCxnSpPr>
         <p:spPr>
           <a:xfrm flipV="1">
-            <a:off x="4601300" y="457200"/>
-            <a:ext cx="32237" cy="1360993"/>
+            <a:off x="4601300" y="1018470"/>
+            <a:ext cx="0" cy="799724"/>
           </a:xfrm>
           <a:prstGeom prst="straightConnector1">
             <a:avLst/>
@@ -6441,7 +7271,78 @@
               <a:rPr lang="en-US" dirty="0" smtClean="0"/>
               <a:t>22</a:t>
             </a:r>
-            <a:endParaRPr lang="en-US" dirty="0" smtClean="0"/>
+          </a:p>
+        </p:txBody>
+      </p:sp>
+      <p:sp>
+        <p:nvSpPr>
+          <p:cNvPr id="17" name="TextBox 16"/>
+          <p:cNvSpPr txBox="1"/>
+          <p:nvPr/>
+        </p:nvSpPr>
+        <p:spPr>
+          <a:xfrm>
+            <a:off x="1803562" y="184666"/>
+            <a:ext cx="418704" cy="369332"/>
+          </a:xfrm>
+          <a:prstGeom prst="rect">
+            <a:avLst/>
+          </a:prstGeom>
+          <a:noFill/>
+        </p:spPr>
+        <p:txBody>
+          <a:bodyPr wrap="none" rtlCol="0">
+            <a:spAutoFit/>
+          </a:bodyPr>
+          <a:lstStyle/>
+          <a:p>
+            <a:r>
+              <a:rPr lang="en-US" dirty="0" smtClean="0"/>
+              <a:t>21</a:t>
+            </a:r>
+          </a:p>
+        </p:txBody>
+      </p:sp>
+      <p:sp>
+        <p:nvSpPr>
+          <p:cNvPr id="12" name="TextBox 11"/>
+          <p:cNvSpPr txBox="1"/>
+          <p:nvPr/>
+        </p:nvSpPr>
+        <p:spPr>
+          <a:xfrm>
+            <a:off x="2484189" y="87868"/>
+            <a:ext cx="2925994" cy="369332"/>
+          </a:xfrm>
+          <a:prstGeom prst="rect">
+            <a:avLst/>
+          </a:prstGeom>
+          <a:noFill/>
+          <a:ln w="6350">
+            <a:solidFill>
+              <a:schemeClr val="tx1"/>
+            </a:solidFill>
+          </a:ln>
+        </p:spPr>
+        <p:txBody>
+          <a:bodyPr wrap="none" rtlCol="0">
+            <a:spAutoFit/>
+          </a:bodyPr>
+          <a:lstStyle/>
+          <a:p>
+            <a:r>
+              <a:rPr lang="en-US" dirty="0" smtClean="0"/>
+              <a:t>Counts in channel (</a:t>
+            </a:r>
+            <a:r>
+              <a:rPr lang="en-US" dirty="0" err="1" smtClean="0"/>
+              <a:t>i</a:t>
+            </a:r>
+            <a:r>
+              <a:rPr lang="en-US" dirty="0" smtClean="0"/>
+              <a:t>) angle (j)</a:t>
+            </a:r>
+            <a:endParaRPr lang="en-US" dirty="0"/>
           </a:p>
         </p:txBody>
       </p:sp>
@@ -6850,7 +7751,15 @@
             </a:r>
             <a:r>
               <a:rPr lang="en-US" dirty="0" err="1" smtClean="0"/>
-              <a:t>SrtAv</a:t>
+              <a:t>sRT</a:t>
+            </a:r>
+            <a:r>
+              <a:rPr lang="en-US" dirty="0" err="1"/>
+              <a:t>a</a:t>
+            </a:r>
+            <a:r>
+              <a:rPr lang="en-US" dirty="0" err="1" smtClean="0"/>
+              <a:t>v</a:t>
             </a:r>
             <a:r>
               <a:rPr lang="en-US" dirty="0" smtClean="0"/>
@@ -7445,8 +8354,8 @@
         </p:nvCxnSpPr>
         <p:spPr>
           <a:xfrm flipH="1" flipV="1">
-            <a:off x="609600" y="4269480"/>
-            <a:ext cx="1676400" cy="1732919"/>
+            <a:off x="228599" y="4390531"/>
+            <a:ext cx="2057402" cy="1611870"/>
           </a:xfrm>
           <a:prstGeom prst="straightConnector1">
             <a:avLst/>
@@ -8157,7 +9066,6 @@
               <a:rPr lang="en-US" dirty="0" smtClean="0"/>
               <a:t>22</a:t>
             </a:r>
-            <a:endParaRPr lang="en-US" dirty="0" smtClean="0"/>
           </a:p>
         </p:txBody>
       </p:sp>
@@ -8467,11 +9375,7 @@
             </a:r>
             <a:r>
               <a:rPr lang="en-US" dirty="0" smtClean="0"/>
-              <a:t>) </a:t>
-            </a:r>
-            <a:r>
-              <a:rPr lang="en-US" dirty="0" smtClean="0"/>
-              <a:t>= </a:t>
+              <a:t>) = </a:t>
             </a:r>
             <a:r>
               <a:rPr lang="en-US" dirty="0" err="1" smtClean="0"/>
@@ -8513,11 +9417,7 @@
             </a:r>
             <a:r>
               <a:rPr lang="en-US" dirty="0" smtClean="0"/>
-              <a:t>) &gt; </a:t>
-            </a:r>
-            <a:r>
-              <a:rPr lang="en-US" dirty="0" smtClean="0"/>
-              <a:t>0 (i.e. </a:t>
+              <a:t>) &gt; 0 (i.e. </a:t>
             </a:r>
             <a:r>
               <a:rPr lang="en-US" dirty="0" err="1" smtClean="0"/>
@@ -8920,15 +9820,7 @@
           <a:p>
             <a:r>
               <a:rPr lang="en-US" dirty="0" smtClean="0"/>
-              <a:t>Whole </a:t>
-            </a:r>
-            <a:r>
-              <a:rPr lang="en-US" dirty="0" smtClean="0"/>
-              <a:t>box: </a:t>
-            </a:r>
-            <a:r>
-              <a:rPr lang="en-US" dirty="0" smtClean="0"/>
-              <a:t>24</a:t>
+              <a:t>Whole box: 24</a:t>
             </a:r>
             <a:endParaRPr lang="en-US" dirty="0"/>
           </a:p>

--- a/doc/MTP-DFD.pptx
+++ b/doc/MTP-DFD.pptx
@@ -17,14 +17,15 @@
     <p:sldId id="283" r:id="rId11"/>
     <p:sldId id="275" r:id="rId12"/>
     <p:sldId id="265" r:id="rId13"/>
-    <p:sldId id="269" r:id="rId14"/>
-    <p:sldId id="272" r:id="rId15"/>
-    <p:sldId id="266" r:id="rId16"/>
-    <p:sldId id="273" r:id="rId17"/>
-    <p:sldId id="270" r:id="rId18"/>
-    <p:sldId id="271" r:id="rId19"/>
-    <p:sldId id="268" r:id="rId20"/>
-    <p:sldId id="267" r:id="rId21"/>
+    <p:sldId id="285" r:id="rId14"/>
+    <p:sldId id="269" r:id="rId15"/>
+    <p:sldId id="272" r:id="rId16"/>
+    <p:sldId id="266" r:id="rId17"/>
+    <p:sldId id="273" r:id="rId18"/>
+    <p:sldId id="270" r:id="rId19"/>
+    <p:sldId id="271" r:id="rId20"/>
+    <p:sldId id="268" r:id="rId21"/>
+    <p:sldId id="267" r:id="rId22"/>
   </p:sldIdLst>
   <p:sldSz cx="9144000" cy="6858000" type="screen4x3"/>
   <p:notesSz cx="6858000" cy="9144000"/>
@@ -307,7 +308,7 @@
           <a:p>
             <a:fld id="{3A6CA703-A109-4933-88E3-8D2081F29780}" type="datetimeFigureOut">
               <a:rPr lang="en-US" smtClean="0"/>
-              <a:t>4/27/2015</a:t>
+              <a:t>10/5/2015</a:t>
             </a:fld>
             <a:endParaRPr lang="en-US"/>
           </a:p>
@@ -477,7 +478,7 @@
           <a:p>
             <a:fld id="{3A6CA703-A109-4933-88E3-8D2081F29780}" type="datetimeFigureOut">
               <a:rPr lang="en-US" smtClean="0"/>
-              <a:t>4/27/2015</a:t>
+              <a:t>10/5/2015</a:t>
             </a:fld>
             <a:endParaRPr lang="en-US"/>
           </a:p>
@@ -657,7 +658,7 @@
           <a:p>
             <a:fld id="{3A6CA703-A109-4933-88E3-8D2081F29780}" type="datetimeFigureOut">
               <a:rPr lang="en-US" smtClean="0"/>
-              <a:t>4/27/2015</a:t>
+              <a:t>10/5/2015</a:t>
             </a:fld>
             <a:endParaRPr lang="en-US"/>
           </a:p>
@@ -827,7 +828,7 @@
           <a:p>
             <a:fld id="{3A6CA703-A109-4933-88E3-8D2081F29780}" type="datetimeFigureOut">
               <a:rPr lang="en-US" smtClean="0"/>
-              <a:t>4/27/2015</a:t>
+              <a:t>10/5/2015</a:t>
             </a:fld>
             <a:endParaRPr lang="en-US"/>
           </a:p>
@@ -1073,7 +1074,7 @@
           <a:p>
             <a:fld id="{3A6CA703-A109-4933-88E3-8D2081F29780}" type="datetimeFigureOut">
               <a:rPr lang="en-US" smtClean="0"/>
-              <a:t>4/27/2015</a:t>
+              <a:t>10/5/2015</a:t>
             </a:fld>
             <a:endParaRPr lang="en-US"/>
           </a:p>
@@ -1361,7 +1362,7 @@
           <a:p>
             <a:fld id="{3A6CA703-A109-4933-88E3-8D2081F29780}" type="datetimeFigureOut">
               <a:rPr lang="en-US" smtClean="0"/>
-              <a:t>4/27/2015</a:t>
+              <a:t>10/5/2015</a:t>
             </a:fld>
             <a:endParaRPr lang="en-US"/>
           </a:p>
@@ -1783,7 +1784,7 @@
           <a:p>
             <a:fld id="{3A6CA703-A109-4933-88E3-8D2081F29780}" type="datetimeFigureOut">
               <a:rPr lang="en-US" smtClean="0"/>
-              <a:t>4/27/2015</a:t>
+              <a:t>10/5/2015</a:t>
             </a:fld>
             <a:endParaRPr lang="en-US"/>
           </a:p>
@@ -1901,7 +1902,7 @@
           <a:p>
             <a:fld id="{3A6CA703-A109-4933-88E3-8D2081F29780}" type="datetimeFigureOut">
               <a:rPr lang="en-US" smtClean="0"/>
-              <a:t>4/27/2015</a:t>
+              <a:t>10/5/2015</a:t>
             </a:fld>
             <a:endParaRPr lang="en-US"/>
           </a:p>
@@ -1996,7 +1997,7 @@
           <a:p>
             <a:fld id="{3A6CA703-A109-4933-88E3-8D2081F29780}" type="datetimeFigureOut">
               <a:rPr lang="en-US" smtClean="0"/>
-              <a:t>4/27/2015</a:t>
+              <a:t>10/5/2015</a:t>
             </a:fld>
             <a:endParaRPr lang="en-US"/>
           </a:p>
@@ -2273,7 +2274,7 @@
           <a:p>
             <a:fld id="{3A6CA703-A109-4933-88E3-8D2081F29780}" type="datetimeFigureOut">
               <a:rPr lang="en-US" smtClean="0"/>
-              <a:t>4/27/2015</a:t>
+              <a:t>10/5/2015</a:t>
             </a:fld>
             <a:endParaRPr lang="en-US"/>
           </a:p>
@@ -2526,7 +2527,7 @@
           <a:p>
             <a:fld id="{3A6CA703-A109-4933-88E3-8D2081F29780}" type="datetimeFigureOut">
               <a:rPr lang="en-US" smtClean="0"/>
-              <a:t>4/27/2015</a:t>
+              <a:t>10/5/2015</a:t>
             </a:fld>
             <a:endParaRPr lang="en-US"/>
           </a:p>
@@ -2739,7 +2740,7 @@
           <a:p>
             <a:fld id="{3A6CA703-A109-4933-88E3-8D2081F29780}" type="datetimeFigureOut">
               <a:rPr lang="en-US" smtClean="0"/>
-              <a:t>4/27/2015</a:t>
+              <a:t>10/5/2015</a:t>
             </a:fld>
             <a:endParaRPr lang="en-US"/>
           </a:p>
@@ -4637,11 +4638,7 @@
           <a:p>
             <a:r>
               <a:rPr lang="en-US" dirty="0" smtClean="0"/>
-              <a:t>From the BIN </a:t>
-            </a:r>
-            <a:r>
-              <a:rPr lang="en-US" dirty="0" smtClean="0"/>
-              <a:t>file</a:t>
+              <a:t>From the BIN file</a:t>
             </a:r>
           </a:p>
           <a:p>
@@ -5570,11 +5567,7 @@
           <a:p>
             <a:r>
               <a:rPr lang="en-US" dirty="0" smtClean="0"/>
-              <a:t>From BIN </a:t>
-            </a:r>
-            <a:r>
-              <a:rPr lang="en-US" dirty="0" smtClean="0"/>
-              <a:t>file 0 changes/flight!</a:t>
+              <a:t>From BIN file 0 changes/flight!</a:t>
             </a:r>
             <a:endParaRPr lang="en-US" dirty="0"/>
           </a:p>
@@ -6538,14 +6531,14 @@
       </p:grpSpPr>
       <p:sp>
         <p:nvSpPr>
-          <p:cNvPr id="2" name="TextBox 1"/>
+          <p:cNvPr id="4" name="TextBox 3"/>
           <p:cNvSpPr txBox="1"/>
           <p:nvPr/>
         </p:nvSpPr>
         <p:spPr>
           <a:xfrm>
-            <a:off x="424528" y="268069"/>
-            <a:ext cx="7823167" cy="646331"/>
+            <a:off x="8532823" y="-12526"/>
+            <a:ext cx="593432" cy="369332"/>
           </a:xfrm>
           <a:prstGeom prst="rect">
             <a:avLst/>
@@ -6560,63 +6553,184 @@
           <a:p>
             <a:r>
               <a:rPr lang="en-US" dirty="0" smtClean="0"/>
-              <a:t>template </a:t>
-            </a:r>
-            <a:r>
-              <a:rPr lang="en-US" dirty="0"/>
-              <a:t>brightness temperatures (and </a:t>
-            </a:r>
-            <a:r>
-              <a:rPr lang="en-US" dirty="0" err="1" smtClean="0"/>
-              <a:t>rms</a:t>
-            </a:r>
-            <a:r>
-              <a:rPr lang="en-US" dirty="0" smtClean="0"/>
-              <a:t> &amp; </a:t>
-            </a:r>
-            <a:r>
-              <a:rPr lang="en-US" dirty="0" err="1" smtClean="0"/>
-              <a:t>coefs</a:t>
-            </a:r>
-            <a:r>
-              <a:rPr lang="en-US" dirty="0" smtClean="0"/>
-              <a:t> ) </a:t>
-            </a:r>
-            <a:r>
-              <a:rPr lang="en-US" dirty="0"/>
-              <a:t>are put into a new matrix </a:t>
-            </a:r>
-          </a:p>
-          <a:p>
-            <a:r>
-              <a:rPr lang="en-US" dirty="0"/>
-              <a:t>      - weighted by nearness of aircraft to </a:t>
-            </a:r>
-            <a:r>
-              <a:rPr lang="en-US" dirty="0" smtClean="0"/>
-              <a:t>the two surrounding template flight levels</a:t>
+              <a:t>17.5</a:t>
+            </a:r>
+            <a:endParaRPr lang="en-US" dirty="0" smtClean="0"/>
+          </a:p>
+        </p:txBody>
+      </p:sp>
+      <p:sp>
+        <p:nvSpPr>
+          <p:cNvPr id="5" name="Rectangle 4"/>
+          <p:cNvSpPr/>
+          <p:nvPr/>
+        </p:nvSpPr>
+        <p:spPr>
+          <a:xfrm>
+            <a:off x="304800" y="533400"/>
+            <a:ext cx="4572000" cy="2031325"/>
+          </a:xfrm>
+          <a:prstGeom prst="rect">
+            <a:avLst/>
+          </a:prstGeom>
+          <a:ln>
+            <a:solidFill>
+              <a:schemeClr val="accent1"/>
+            </a:solidFill>
+          </a:ln>
+        </p:spPr>
+        <p:txBody>
+          <a:bodyPr>
+            <a:spAutoFit/>
+          </a:bodyPr>
+          <a:lstStyle/>
+          <a:p>
+            <a:r>
+              <a:rPr lang="en-US" dirty="0"/>
+              <a:t>Function </a:t>
+            </a:r>
+            <a:r>
+              <a:rPr lang="en-US" dirty="0" err="1"/>
+              <a:t>fLevelBelowFL</a:t>
+            </a:r>
+            <a:r>
+              <a:rPr lang="en-US" dirty="0"/>
+              <a:t>(</a:t>
+            </a:r>
+            <a:r>
+              <a:rPr lang="en-US" dirty="0" err="1"/>
+              <a:t>pALT</a:t>
+            </a:r>
+            <a:r>
+              <a:rPr lang="en-US" dirty="0"/>
+              <a:t>!)</a:t>
+            </a:r>
+          </a:p>
+          <a:p>
+            <a:r>
+              <a:rPr lang="en-US" dirty="0"/>
+              <a:t>Dim </a:t>
+            </a:r>
+            <a:r>
+              <a:rPr lang="en-US" dirty="0" err="1"/>
+              <a:t>ib</a:t>
+            </a:r>
+            <a:r>
+              <a:rPr lang="en-US" dirty="0" smtClean="0"/>
+              <a:t>%</a:t>
             </a:r>
             <a:endParaRPr lang="en-US" dirty="0"/>
           </a:p>
-        </p:txBody>
-      </p:sp>
-      <p:sp>
-        <p:nvSpPr>
-          <p:cNvPr id="3" name="Rectangle 2"/>
+          <a:p>
+            <a:r>
+              <a:rPr lang="en-US" dirty="0"/>
+              <a:t>  </a:t>
+            </a:r>
+            <a:r>
+              <a:rPr lang="en-US" dirty="0" err="1"/>
+              <a:t>ib</a:t>
+            </a:r>
+            <a:r>
+              <a:rPr lang="en-US" dirty="0"/>
+              <a:t> = 0</a:t>
+            </a:r>
+          </a:p>
+          <a:p>
+            <a:r>
+              <a:rPr lang="en-US" dirty="0"/>
+              <a:t>  Do</a:t>
+            </a:r>
+          </a:p>
+          <a:p>
+            <a:r>
+              <a:rPr lang="en-US" dirty="0"/>
+              <a:t>    </a:t>
+            </a:r>
+            <a:r>
+              <a:rPr lang="en-US" dirty="0" err="1"/>
+              <a:t>ib</a:t>
+            </a:r>
+            <a:r>
+              <a:rPr lang="en-US" dirty="0"/>
+              <a:t> = </a:t>
+            </a:r>
+            <a:r>
+              <a:rPr lang="en-US" dirty="0" err="1"/>
+              <a:t>ib</a:t>
+            </a:r>
+            <a:r>
+              <a:rPr lang="en-US" dirty="0"/>
+              <a:t> + 1</a:t>
+            </a:r>
+          </a:p>
+          <a:p>
+            <a:r>
+              <a:rPr lang="en-US" dirty="0"/>
+              <a:t>  Loop Until </a:t>
+            </a:r>
+            <a:r>
+              <a:rPr lang="en-US" dirty="0" err="1"/>
+              <a:t>pALT</a:t>
+            </a:r>
+            <a:r>
+              <a:rPr lang="en-US" dirty="0"/>
+              <a:t> &gt; FLA(</a:t>
+            </a:r>
+            <a:r>
+              <a:rPr lang="en-US" dirty="0" err="1"/>
+              <a:t>ib</a:t>
+            </a:r>
+            <a:r>
+              <a:rPr lang="en-US" dirty="0"/>
+              <a:t>) / 100# Or </a:t>
+            </a:r>
+            <a:r>
+              <a:rPr lang="en-US" dirty="0" err="1"/>
+              <a:t>ib</a:t>
+            </a:r>
+            <a:r>
+              <a:rPr lang="en-US" dirty="0"/>
+              <a:t> &gt;= NFL</a:t>
+            </a:r>
+          </a:p>
+          <a:p>
+            <a:r>
+              <a:rPr lang="en-US" dirty="0"/>
+              <a:t>  </a:t>
+            </a:r>
+            <a:r>
+              <a:rPr lang="en-US" dirty="0" err="1"/>
+              <a:t>fLevelBelowFL</a:t>
+            </a:r>
+            <a:r>
+              <a:rPr lang="en-US" dirty="0"/>
+              <a:t> = </a:t>
+            </a:r>
+            <a:r>
+              <a:rPr lang="en-US" dirty="0" err="1"/>
+              <a:t>ib</a:t>
+            </a:r>
+            <a:endParaRPr lang="en-US" dirty="0"/>
+          </a:p>
+        </p:txBody>
+      </p:sp>
+      <p:sp>
+        <p:nvSpPr>
+          <p:cNvPr id="6" name="Rectangle 5"/>
           <p:cNvSpPr/>
           <p:nvPr/>
         </p:nvSpPr>
         <p:spPr>
           <a:xfrm>
-            <a:off x="838199" y="933450"/>
-            <a:ext cx="6585777" cy="1200329"/>
+            <a:off x="1981200" y="3707725"/>
+            <a:ext cx="6848339" cy="2308324"/>
           </a:xfrm>
           <a:prstGeom prst="rect">
             <a:avLst/>
           </a:prstGeom>
-          <a:ln w="6350">
+          <a:ln>
             <a:solidFill>
-              <a:schemeClr val="tx1"/>
+              <a:schemeClr val="accent1"/>
             </a:solidFill>
           </a:ln>
         </p:spPr>
@@ -6628,19 +6742,11 @@
           <a:p>
             <a:r>
               <a:rPr lang="en-US" dirty="0"/>
-              <a:t> </a:t>
-            </a:r>
-            <a:r>
-              <a:rPr lang="en-US" dirty="0" err="1"/>
-              <a:t>iBot</a:t>
-            </a:r>
-            <a:r>
-              <a:rPr lang="en-US" dirty="0"/>
-              <a:t> = </a:t>
-            </a:r>
-            <a:r>
-              <a:rPr lang="en-US" dirty="0" err="1"/>
-              <a:t>fLevelBelowFL</a:t>
+              <a:t>Function </a:t>
+            </a:r>
+            <a:r>
+              <a:rPr lang="en-US" dirty="0" err="1"/>
+              <a:t>fLevelBelowFLwt</a:t>
             </a:r>
             <a:r>
               <a:rPr lang="en-US" dirty="0"/>
@@ -6652,51 +6758,49 @@
             </a:r>
             <a:r>
               <a:rPr lang="en-US" dirty="0"/>
-              <a:t>)         'Index of level below FL</a:t>
-            </a:r>
-          </a:p>
-          <a:p>
-            <a:r>
-              <a:rPr lang="en-US" dirty="0"/>
-              <a:t>  </a:t>
-            </a:r>
-            <a:r>
-              <a:rPr lang="en-US" dirty="0" err="1"/>
-              <a:t>iTop</a:t>
-            </a:r>
-            <a:r>
-              <a:rPr lang="en-US" dirty="0"/>
-              <a:t> = </a:t>
-            </a:r>
-            <a:r>
-              <a:rPr lang="en-US" dirty="0" err="1"/>
-              <a:t>iBot</a:t>
-            </a:r>
-            <a:r>
-              <a:rPr lang="en-US" dirty="0"/>
-              <a:t> - 1                    </a:t>
-            </a:r>
-            <a:r>
-              <a:rPr lang="en-US" dirty="0" smtClean="0"/>
-              <a:t>           'Index </a:t>
-            </a:r>
-            <a:r>
-              <a:rPr lang="en-US" dirty="0"/>
-              <a:t>of level above FL</a:t>
-            </a:r>
-          </a:p>
-          <a:p>
-            <a:r>
-              <a:rPr lang="en-US" dirty="0"/>
-              <a:t>  </a:t>
-            </a:r>
-            <a:r>
-              <a:rPr lang="en-US" dirty="0" err="1"/>
-              <a:t>WtB</a:t>
-            </a:r>
-            <a:r>
-              <a:rPr lang="en-US" dirty="0"/>
-              <a:t> = </a:t>
+              <a:t>!, </a:t>
+            </a:r>
+            <a:r>
+              <a:rPr lang="en-US" dirty="0" err="1"/>
+              <a:t>ib</a:t>
+            </a:r>
+            <a:r>
+              <a:rPr lang="en-US" dirty="0"/>
+              <a:t>%)</a:t>
+            </a:r>
+          </a:p>
+          <a:p>
+            <a:r>
+              <a:rPr lang="en-US" dirty="0"/>
+              <a:t>' Calculate weights for above and below flight levels</a:t>
+            </a:r>
+          </a:p>
+          <a:p>
+            <a:r>
+              <a:rPr lang="en-US" dirty="0"/>
+              <a:t>  If FLA(</a:t>
+            </a:r>
+            <a:r>
+              <a:rPr lang="en-US" dirty="0" err="1"/>
+              <a:t>ib</a:t>
+            </a:r>
+            <a:r>
+              <a:rPr lang="en-US" dirty="0"/>
+              <a:t> - 1) &lt;&gt; FLA(</a:t>
+            </a:r>
+            <a:r>
+              <a:rPr lang="en-US" dirty="0" err="1"/>
+              <a:t>ib</a:t>
+            </a:r>
+            <a:r>
+              <a:rPr lang="en-US" dirty="0"/>
+              <a:t>) Then</a:t>
+            </a:r>
+          </a:p>
+          <a:p>
+            <a:r>
+              <a:rPr lang="en-US" dirty="0"/>
+              <a:t>    </a:t>
             </a:r>
             <a:r>
               <a:rPr lang="en-US" dirty="0" err="1"/>
@@ -6704,7 +6808,7 @@
             </a:r>
             <a:r>
               <a:rPr lang="en-US" dirty="0"/>
-              <a:t>(</a:t>
+              <a:t> = 1 - (</a:t>
             </a:r>
             <a:r>
               <a:rPr lang="en-US" dirty="0" err="1"/>
@@ -6712,114 +6816,37 @@
             </a:r>
             <a:r>
               <a:rPr lang="en-US" dirty="0"/>
-              <a:t>, </a:t>
-            </a:r>
-            <a:r>
-              <a:rPr lang="en-US" dirty="0" err="1"/>
-              <a:t>iBot</a:t>
-            </a:r>
-            <a:r>
-              <a:rPr lang="en-US" dirty="0"/>
-              <a:t>)  '</a:t>
-            </a:r>
-            <a:r>
-              <a:rPr lang="en-US" dirty="0" err="1"/>
-              <a:t>Wt</a:t>
-            </a:r>
-            <a:r>
-              <a:rPr lang="en-US" dirty="0"/>
-              <a:t> of level below FL</a:t>
-            </a:r>
-          </a:p>
-          <a:p>
-            <a:r>
-              <a:rPr lang="en-US" dirty="0"/>
-              <a:t>  </a:t>
-            </a:r>
-            <a:r>
-              <a:rPr lang="en-US" dirty="0" err="1"/>
-              <a:t>WtT</a:t>
-            </a:r>
-            <a:r>
-              <a:rPr lang="en-US" dirty="0"/>
-              <a:t> = 1 - </a:t>
-            </a:r>
-            <a:r>
-              <a:rPr lang="en-US" dirty="0" err="1"/>
-              <a:t>WtB</a:t>
-            </a:r>
-            <a:r>
-              <a:rPr lang="en-US" dirty="0"/>
-              <a:t>                    </a:t>
-            </a:r>
-            <a:r>
-              <a:rPr lang="en-US" dirty="0" smtClean="0"/>
-              <a:t>                   </a:t>
-            </a:r>
-            <a:r>
-              <a:rPr lang="en-US" dirty="0"/>
-              <a:t>'</a:t>
-            </a:r>
-            <a:r>
-              <a:rPr lang="en-US" dirty="0" err="1"/>
-              <a:t>Wt</a:t>
-            </a:r>
-            <a:r>
-              <a:rPr lang="en-US" dirty="0"/>
-              <a:t> of level above FL</a:t>
-            </a:r>
-          </a:p>
-        </p:txBody>
-      </p:sp>
-      <p:sp>
-        <p:nvSpPr>
-          <p:cNvPr id="5" name="Rectangle 4"/>
-          <p:cNvSpPr/>
-          <p:nvPr/>
-        </p:nvSpPr>
-        <p:spPr>
-          <a:xfrm>
-            <a:off x="228600" y="2326630"/>
-            <a:ext cx="8839200" cy="4524315"/>
-          </a:xfrm>
-          <a:prstGeom prst="rect">
-            <a:avLst/>
-          </a:prstGeom>
-          <a:ln w="6350">
-            <a:solidFill>
-              <a:schemeClr val="tx1"/>
-            </a:solidFill>
-          </a:ln>
-        </p:spPr>
-        <p:txBody>
-          <a:bodyPr wrap="square">
-            <a:spAutoFit/>
-          </a:bodyPr>
-          <a:lstStyle/>
-          <a:p>
-            <a:r>
-              <a:rPr lang="en-US" dirty="0"/>
-              <a:t>' Calculate weighted average values of archive average observables</a:t>
-            </a:r>
-          </a:p>
-          <a:p>
-            <a:r>
-              <a:rPr lang="en-US" dirty="0"/>
-              <a:t>' NRC is number of RC sets</a:t>
-            </a:r>
-          </a:p>
-          <a:p>
-            <a:r>
-              <a:rPr lang="en-US" dirty="0"/>
-              <a:t>  For </a:t>
-            </a:r>
-            <a:r>
-              <a:rPr lang="en-US" dirty="0" err="1"/>
-              <a:t>iNRC</a:t>
-            </a:r>
-            <a:r>
-              <a:rPr lang="en-US" dirty="0"/>
-              <a:t> = 0 To NRC - 1</a:t>
+              <a:t> * 100# - FLA(</a:t>
+            </a:r>
+            <a:r>
+              <a:rPr lang="en-US" dirty="0" err="1"/>
+              <a:t>ib</a:t>
+            </a:r>
+            <a:r>
+              <a:rPr lang="en-US" dirty="0"/>
+              <a:t>)) / (FLA(</a:t>
+            </a:r>
+            <a:r>
+              <a:rPr lang="en-US" dirty="0" err="1"/>
+              <a:t>ib</a:t>
+            </a:r>
+            <a:r>
+              <a:rPr lang="en-US" dirty="0"/>
+              <a:t> - 1) - FLA(</a:t>
+            </a:r>
+            <a:r>
+              <a:rPr lang="en-US" dirty="0" err="1"/>
+              <a:t>ib</a:t>
+            </a:r>
+            <a:r>
+              <a:rPr lang="en-US" dirty="0"/>
+              <a:t>))</a:t>
+            </a:r>
+          </a:p>
+          <a:p>
+            <a:r>
+              <a:rPr lang="en-US" dirty="0"/>
+              <a:t>  Else</a:t>
             </a:r>
           </a:p>
           <a:p>
@@ -6829,121 +6856,7 @@
             </a:r>
             <a:r>
               <a:rPr lang="en-US" dirty="0" err="1"/>
-              <a:t>iRC</a:t>
-            </a:r>
-            <a:r>
-              <a:rPr lang="en-US" dirty="0"/>
-              <a:t> = </a:t>
-            </a:r>
-            <a:r>
-              <a:rPr lang="en-US" dirty="0" err="1"/>
-              <a:t>aRC</a:t>
-            </a:r>
-            <a:r>
-              <a:rPr lang="en-US" dirty="0"/>
-              <a:t>(</a:t>
-            </a:r>
-            <a:r>
-              <a:rPr lang="en-US" dirty="0" err="1"/>
-              <a:t>iNRC</a:t>
-            </a:r>
-            <a:r>
-              <a:rPr lang="en-US" dirty="0"/>
-              <a:t>)</a:t>
-            </a:r>
-          </a:p>
-          <a:p>
-            <a:r>
-              <a:rPr lang="en-US" dirty="0"/>
-              <a:t>    Call </a:t>
-            </a:r>
-            <a:r>
-              <a:rPr lang="en-US" dirty="0" err="1"/>
-              <a:t>Get_iBot_iTop</a:t>
-            </a:r>
-            <a:r>
-              <a:rPr lang="en-US" dirty="0"/>
-              <a:t>(</a:t>
-            </a:r>
-            <a:r>
-              <a:rPr lang="en-US" dirty="0" err="1"/>
-              <a:t>iRC</a:t>
-            </a:r>
-            <a:r>
-              <a:rPr lang="en-US" dirty="0"/>
-              <a:t>, </a:t>
-            </a:r>
-            <a:r>
-              <a:rPr lang="en-US" dirty="0" err="1"/>
-              <a:t>ob</a:t>
-            </a:r>
-            <a:r>
-              <a:rPr lang="en-US" dirty="0"/>
-              <a:t>(0), </a:t>
-            </a:r>
-            <a:r>
-              <a:rPr lang="en-US" dirty="0" err="1"/>
-              <a:t>iBot</a:t>
-            </a:r>
-            <a:r>
-              <a:rPr lang="en-US" dirty="0"/>
-              <a:t>, </a:t>
-            </a:r>
-            <a:r>
-              <a:rPr lang="en-US" dirty="0" err="1"/>
-              <a:t>iTop</a:t>
-            </a:r>
-            <a:r>
-              <a:rPr lang="en-US" dirty="0"/>
-              <a:t>, </a:t>
-            </a:r>
-            <a:r>
-              <a:rPr lang="en-US" dirty="0" err="1"/>
-              <a:t>WtB</a:t>
-            </a:r>
-            <a:r>
-              <a:rPr lang="en-US" dirty="0"/>
-              <a:t>, </a:t>
-            </a:r>
-            <a:r>
-              <a:rPr lang="en-US" dirty="0" err="1"/>
-              <a:t>WtT</a:t>
-            </a:r>
-            <a:r>
-              <a:rPr lang="en-US" dirty="0"/>
-              <a:t>)</a:t>
-            </a:r>
-          </a:p>
-          <a:p>
-            <a:r>
-              <a:rPr lang="en-US" dirty="0"/>
-              <a:t>    If </a:t>
-            </a:r>
-            <a:r>
-              <a:rPr lang="en-US" dirty="0" err="1"/>
-              <a:t>iBot</a:t>
-            </a:r>
-            <a:r>
-              <a:rPr lang="en-US" dirty="0"/>
-              <a:t> = 1 Then</a:t>
-            </a:r>
-          </a:p>
-          <a:p>
-            <a:r>
-              <a:rPr lang="en-US" dirty="0"/>
-              <a:t>      </a:t>
-            </a:r>
-            <a:r>
-              <a:rPr lang="en-US" dirty="0" err="1"/>
-              <a:t>iBot</a:t>
-            </a:r>
-            <a:r>
-              <a:rPr lang="en-US" dirty="0"/>
-              <a:t> = 2: </a:t>
-            </a:r>
-            <a:r>
-              <a:rPr lang="en-US" dirty="0" err="1"/>
-              <a:t>iTop</a:t>
+              <a:t>fLevelBelowFLwt</a:t>
             </a:r>
             <a:r>
               <a:rPr lang="en-US" dirty="0"/>
@@ -6953,467 +6866,26 @@
           <a:p>
             <a:r>
               <a:rPr lang="en-US" dirty="0"/>
-              <a:t>    End If</a:t>
-            </a:r>
-          </a:p>
-          <a:p>
-            <a:r>
-              <a:rPr lang="en-US" dirty="0"/>
-              <a:t>    </a:t>
-            </a:r>
-          </a:p>
-          <a:p>
-            <a:r>
-              <a:rPr lang="en-US" dirty="0"/>
-              <a:t>    For j = 1 To Nobs</a:t>
-            </a:r>
-          </a:p>
-          <a:p>
-            <a:r>
-              <a:rPr lang="en-US" dirty="0"/>
-              <a:t>      </a:t>
-            </a:r>
-            <a:r>
-              <a:rPr lang="en-US" dirty="0" err="1"/>
-              <a:t>OBavgWt</a:t>
-            </a:r>
-            <a:r>
-              <a:rPr lang="en-US" dirty="0"/>
-              <a:t>(</a:t>
-            </a:r>
-            <a:r>
-              <a:rPr lang="en-US" dirty="0" err="1"/>
-              <a:t>iRC</a:t>
-            </a:r>
-            <a:r>
-              <a:rPr lang="en-US" dirty="0"/>
-              <a:t>, j) = </a:t>
-            </a:r>
-            <a:r>
-              <a:rPr lang="en-US" dirty="0" err="1"/>
-              <a:t>OBav</a:t>
-            </a:r>
-            <a:r>
-              <a:rPr lang="en-US" dirty="0"/>
-              <a:t>(</a:t>
-            </a:r>
-            <a:r>
-              <a:rPr lang="en-US" dirty="0" err="1"/>
-              <a:t>iRC</a:t>
-            </a:r>
-            <a:r>
-              <a:rPr lang="en-US" dirty="0"/>
-              <a:t>, </a:t>
-            </a:r>
-            <a:r>
-              <a:rPr lang="en-US" dirty="0" err="1"/>
-              <a:t>iBot</a:t>
-            </a:r>
-            <a:r>
-              <a:rPr lang="en-US" dirty="0"/>
-              <a:t>, j) * </a:t>
-            </a:r>
-            <a:r>
-              <a:rPr lang="en-US" dirty="0" err="1"/>
-              <a:t>WtB</a:t>
-            </a:r>
-            <a:r>
-              <a:rPr lang="en-US" dirty="0"/>
-              <a:t> + </a:t>
-            </a:r>
-            <a:r>
-              <a:rPr lang="en-US" dirty="0" err="1"/>
-              <a:t>OBav</a:t>
-            </a:r>
-            <a:r>
-              <a:rPr lang="en-US" dirty="0"/>
-              <a:t>(</a:t>
-            </a:r>
-            <a:r>
-              <a:rPr lang="en-US" dirty="0" err="1"/>
-              <a:t>iRC</a:t>
-            </a:r>
-            <a:r>
-              <a:rPr lang="en-US" dirty="0"/>
-              <a:t>, </a:t>
-            </a:r>
-            <a:r>
-              <a:rPr lang="en-US" dirty="0" err="1"/>
-              <a:t>iTop</a:t>
-            </a:r>
-            <a:r>
-              <a:rPr lang="en-US" dirty="0"/>
-              <a:t>, j) * </a:t>
-            </a:r>
-            <a:r>
-              <a:rPr lang="en-US" dirty="0" err="1"/>
-              <a:t>WtT</a:t>
+              <a:t>  End If</a:t>
+            </a:r>
+          </a:p>
+          <a:p>
+            <a:r>
+              <a:rPr lang="en-US" dirty="0"/>
+              <a:t>End </a:t>
+            </a:r>
+            <a:r>
+              <a:rPr lang="en-US" dirty="0" smtClean="0"/>
+              <a:t>Function</a:t>
             </a:r>
             <a:endParaRPr lang="en-US" dirty="0"/>
-          </a:p>
-          <a:p>
-            <a:r>
-              <a:rPr lang="en-US" dirty="0"/>
-              <a:t>      </a:t>
-            </a:r>
-            <a:r>
-              <a:rPr lang="en-US" dirty="0" err="1"/>
-              <a:t>OBrmsWt</a:t>
-            </a:r>
-            <a:r>
-              <a:rPr lang="en-US" dirty="0"/>
-              <a:t>(j) = </a:t>
-            </a:r>
-            <a:r>
-              <a:rPr lang="en-US" dirty="0" err="1"/>
-              <a:t>OBrms</a:t>
-            </a:r>
-            <a:r>
-              <a:rPr lang="en-US" dirty="0"/>
-              <a:t>(</a:t>
-            </a:r>
-            <a:r>
-              <a:rPr lang="en-US" dirty="0" err="1"/>
-              <a:t>iBot</a:t>
-            </a:r>
-            <a:r>
-              <a:rPr lang="en-US" dirty="0"/>
-              <a:t>, j) * </a:t>
-            </a:r>
-            <a:r>
-              <a:rPr lang="en-US" dirty="0" err="1"/>
-              <a:t>WtB</a:t>
-            </a:r>
-            <a:r>
-              <a:rPr lang="en-US" dirty="0"/>
-              <a:t> + </a:t>
-            </a:r>
-            <a:r>
-              <a:rPr lang="en-US" dirty="0" err="1"/>
-              <a:t>OBrms</a:t>
-            </a:r>
-            <a:r>
-              <a:rPr lang="en-US" dirty="0"/>
-              <a:t>(</a:t>
-            </a:r>
-            <a:r>
-              <a:rPr lang="en-US" dirty="0" err="1"/>
-              <a:t>iTop</a:t>
-            </a:r>
-            <a:r>
-              <a:rPr lang="en-US" dirty="0"/>
-              <a:t>, j) * </a:t>
-            </a:r>
-            <a:r>
-              <a:rPr lang="en-US" dirty="0" err="1"/>
-              <a:t>WtT</a:t>
-            </a:r>
-            <a:endParaRPr lang="en-US" dirty="0"/>
-          </a:p>
-          <a:p>
-            <a:r>
-              <a:rPr lang="en-US" dirty="0"/>
-              <a:t>      Coeff1(</a:t>
-            </a:r>
-            <a:r>
-              <a:rPr lang="en-US" dirty="0" err="1"/>
-              <a:t>iRC</a:t>
-            </a:r>
-            <a:r>
-              <a:rPr lang="en-US" dirty="0"/>
-              <a:t>, j) = </a:t>
-            </a:r>
-            <a:r>
-              <a:rPr lang="en-US" dirty="0" err="1"/>
-              <a:t>SmatrixOB</a:t>
-            </a:r>
-            <a:r>
-              <a:rPr lang="en-US" dirty="0"/>
-              <a:t>(</a:t>
-            </a:r>
-            <a:r>
-              <a:rPr lang="en-US" dirty="0" err="1"/>
-              <a:t>iRC</a:t>
-            </a:r>
-            <a:r>
-              <a:rPr lang="en-US" dirty="0"/>
-              <a:t>, </a:t>
-            </a:r>
-            <a:r>
-              <a:rPr lang="en-US" dirty="0" err="1"/>
-              <a:t>iBot</a:t>
-            </a:r>
-            <a:r>
-              <a:rPr lang="en-US" dirty="0"/>
-              <a:t>, j, 1) * </a:t>
-            </a:r>
-            <a:r>
-              <a:rPr lang="en-US" dirty="0" err="1"/>
-              <a:t>WtB</a:t>
-            </a:r>
-            <a:r>
-              <a:rPr lang="en-US" dirty="0"/>
-              <a:t> + </a:t>
-            </a:r>
-            <a:r>
-              <a:rPr lang="en-US" dirty="0" err="1"/>
-              <a:t>SmatrixOB</a:t>
-            </a:r>
-            <a:r>
-              <a:rPr lang="en-US" dirty="0"/>
-              <a:t>(</a:t>
-            </a:r>
-            <a:r>
-              <a:rPr lang="en-US" dirty="0" err="1"/>
-              <a:t>iRC</a:t>
-            </a:r>
-            <a:r>
-              <a:rPr lang="en-US" dirty="0"/>
-              <a:t>, </a:t>
-            </a:r>
-            <a:r>
-              <a:rPr lang="en-US" dirty="0" err="1"/>
-              <a:t>iTop</a:t>
-            </a:r>
-            <a:r>
-              <a:rPr lang="en-US" dirty="0"/>
-              <a:t>, j, 1) * </a:t>
-            </a:r>
-            <a:r>
-              <a:rPr lang="en-US" dirty="0" err="1"/>
-              <a:t>WtT</a:t>
-            </a:r>
-            <a:endParaRPr lang="en-US" dirty="0"/>
-          </a:p>
-          <a:p>
-            <a:r>
-              <a:rPr lang="en-US" dirty="0"/>
-              <a:t>      Coeff2(</a:t>
-            </a:r>
-            <a:r>
-              <a:rPr lang="en-US" dirty="0" err="1"/>
-              <a:t>iRC</a:t>
-            </a:r>
-            <a:r>
-              <a:rPr lang="en-US" dirty="0"/>
-              <a:t>, j) = </a:t>
-            </a:r>
-            <a:r>
-              <a:rPr lang="en-US" dirty="0" err="1"/>
-              <a:t>SmatrixOB</a:t>
-            </a:r>
-            <a:r>
-              <a:rPr lang="en-US" dirty="0"/>
-              <a:t>(</a:t>
-            </a:r>
-            <a:r>
-              <a:rPr lang="en-US" dirty="0" err="1"/>
-              <a:t>iRC</a:t>
-            </a:r>
-            <a:r>
-              <a:rPr lang="en-US" dirty="0"/>
-              <a:t>, </a:t>
-            </a:r>
-            <a:r>
-              <a:rPr lang="en-US" dirty="0" err="1"/>
-              <a:t>iBot</a:t>
-            </a:r>
-            <a:r>
-              <a:rPr lang="en-US" dirty="0"/>
-              <a:t>, j, 2) * </a:t>
-            </a:r>
-            <a:r>
-              <a:rPr lang="en-US" dirty="0" err="1"/>
-              <a:t>WtB</a:t>
-            </a:r>
-            <a:r>
-              <a:rPr lang="en-US" dirty="0"/>
-              <a:t> + </a:t>
-            </a:r>
-            <a:r>
-              <a:rPr lang="en-US" dirty="0" err="1"/>
-              <a:t>SmatrixOB</a:t>
-            </a:r>
-            <a:r>
-              <a:rPr lang="en-US" dirty="0"/>
-              <a:t>(</a:t>
-            </a:r>
-            <a:r>
-              <a:rPr lang="en-US" dirty="0" err="1"/>
-              <a:t>iRC</a:t>
-            </a:r>
-            <a:r>
-              <a:rPr lang="en-US" dirty="0"/>
-              <a:t>, </a:t>
-            </a:r>
-            <a:r>
-              <a:rPr lang="en-US" dirty="0" err="1"/>
-              <a:t>iTop</a:t>
-            </a:r>
-            <a:r>
-              <a:rPr lang="en-US" dirty="0"/>
-              <a:t>, j, 2) * </a:t>
-            </a:r>
-            <a:r>
-              <a:rPr lang="en-US" dirty="0" err="1"/>
-              <a:t>WtT</a:t>
-            </a:r>
-            <a:endParaRPr lang="en-US" dirty="0"/>
-          </a:p>
-          <a:p>
-            <a:r>
-              <a:rPr lang="en-US" dirty="0"/>
-              <a:t>    Next j</a:t>
-            </a:r>
-          </a:p>
-          <a:p>
-            <a:r>
-              <a:rPr lang="en-US" dirty="0"/>
-              <a:t>  Next </a:t>
-            </a:r>
-            <a:r>
-              <a:rPr lang="en-US" dirty="0" err="1"/>
-              <a:t>iNRC</a:t>
-            </a:r>
-            <a:endParaRPr lang="en-US" dirty="0"/>
-          </a:p>
-        </p:txBody>
-      </p:sp>
-      <p:cxnSp>
-        <p:nvCxnSpPr>
-          <p:cNvPr id="7" name="Straight Arrow Connector 6"/>
-          <p:cNvCxnSpPr>
-            <a:endCxn id="3" idx="1"/>
-          </p:cNvCxnSpPr>
-          <p:nvPr/>
-        </p:nvCxnSpPr>
-        <p:spPr>
-          <a:xfrm flipH="1" flipV="1">
-            <a:off x="838199" y="1533615"/>
-            <a:ext cx="228601" cy="1971585"/>
-          </a:xfrm>
-          <a:prstGeom prst="straightConnector1">
-            <a:avLst/>
-          </a:prstGeom>
-          <a:ln>
-            <a:tailEnd type="arrow"/>
-          </a:ln>
-        </p:spPr>
-        <p:style>
-          <a:lnRef idx="1">
-            <a:schemeClr val="accent1"/>
-          </a:lnRef>
-          <a:fillRef idx="0">
-            <a:schemeClr val="accent1"/>
-          </a:fillRef>
-          <a:effectRef idx="0">
-            <a:schemeClr val="accent1"/>
-          </a:effectRef>
-          <a:fontRef idx="minor">
-            <a:schemeClr val="tx1"/>
-          </a:fontRef>
-        </p:style>
-      </p:cxnSp>
-      <p:cxnSp>
-        <p:nvCxnSpPr>
-          <p:cNvPr id="8" name="Straight Arrow Connector 7"/>
-          <p:cNvCxnSpPr/>
-          <p:nvPr/>
-        </p:nvCxnSpPr>
-        <p:spPr>
-          <a:xfrm flipV="1">
-            <a:off x="2971802" y="3124200"/>
-            <a:ext cx="3352798" cy="533401"/>
-          </a:xfrm>
-          <a:prstGeom prst="straightConnector1">
-            <a:avLst/>
-          </a:prstGeom>
-          <a:ln>
-            <a:tailEnd type="arrow"/>
-          </a:ln>
-        </p:spPr>
-        <p:style>
-          <a:lnRef idx="1">
-            <a:schemeClr val="accent1"/>
-          </a:lnRef>
-          <a:fillRef idx="0">
-            <a:schemeClr val="accent1"/>
-          </a:fillRef>
-          <a:effectRef idx="0">
-            <a:schemeClr val="accent1"/>
-          </a:effectRef>
-          <a:fontRef idx="minor">
-            <a:schemeClr val="tx1"/>
-          </a:fontRef>
-        </p:style>
-      </p:cxnSp>
-      <p:sp>
-        <p:nvSpPr>
-          <p:cNvPr id="10" name="TextBox 9"/>
-          <p:cNvSpPr txBox="1"/>
-          <p:nvPr/>
-        </p:nvSpPr>
-        <p:spPr>
-          <a:xfrm>
-            <a:off x="6357937" y="2939534"/>
-            <a:ext cx="1580754" cy="369332"/>
-          </a:xfrm>
-          <a:prstGeom prst="rect">
-            <a:avLst/>
-          </a:prstGeom>
-          <a:noFill/>
-          <a:ln w="6350">
-            <a:solidFill>
-              <a:schemeClr val="tx1"/>
-            </a:solidFill>
-          </a:ln>
-        </p:spPr>
-        <p:txBody>
-          <a:bodyPr wrap="none" rtlCol="0">
-            <a:spAutoFit/>
-          </a:bodyPr>
-          <a:lstStyle/>
-          <a:p>
-            <a:r>
-              <a:rPr lang="en-US" dirty="0" smtClean="0"/>
-              <a:t>PALT of aircraft</a:t>
-            </a:r>
-          </a:p>
-        </p:txBody>
-      </p:sp>
-      <p:sp>
-        <p:nvSpPr>
-          <p:cNvPr id="11" name="TextBox 10"/>
-          <p:cNvSpPr txBox="1"/>
-          <p:nvPr/>
-        </p:nvSpPr>
-        <p:spPr>
-          <a:xfrm>
-            <a:off x="8715529" y="0"/>
-            <a:ext cx="418704" cy="369332"/>
-          </a:xfrm>
-          <a:prstGeom prst="rect">
-            <a:avLst/>
-          </a:prstGeom>
-          <a:noFill/>
-        </p:spPr>
-        <p:txBody>
-          <a:bodyPr wrap="none" rtlCol="0">
-            <a:spAutoFit/>
-          </a:bodyPr>
-          <a:lstStyle/>
-          <a:p>
-            <a:r>
-              <a:rPr lang="en-US" dirty="0" smtClean="0"/>
-              <a:t>18</a:t>
-            </a:r>
           </a:p>
         </p:txBody>
       </p:sp>
     </p:spTree>
     <p:extLst>
       <p:ext uri="{BB962C8B-B14F-4D97-AF65-F5344CB8AC3E}">
-        <p14:creationId xmlns:p14="http://schemas.microsoft.com/office/powerpoint/2010/main" val="401866937"/>
+        <p14:creationId xmlns:p14="http://schemas.microsoft.com/office/powerpoint/2010/main" val="3079173365"/>
       </p:ext>
     </p:extLst>
   </p:cSld>
@@ -7449,455 +6921,14 @@
       </p:grpSpPr>
       <p:sp>
         <p:nvSpPr>
-          <p:cNvPr id="4" name="Rectangle 3"/>
-          <p:cNvSpPr/>
+          <p:cNvPr id="2" name="TextBox 1"/>
+          <p:cNvSpPr txBox="1"/>
           <p:nvPr/>
         </p:nvSpPr>
         <p:spPr>
           <a:xfrm>
-            <a:off x="171526" y="20855"/>
-            <a:ext cx="8610600" cy="6740307"/>
-          </a:xfrm>
-          <a:prstGeom prst="rect">
-            <a:avLst/>
-          </a:prstGeom>
-        </p:spPr>
-        <p:txBody>
-          <a:bodyPr wrap="square">
-            <a:spAutoFit/>
-          </a:bodyPr>
-          <a:lstStyle/>
-          <a:p>
-            <a:r>
-              <a:rPr lang="en-US" dirty="0" smtClean="0"/>
-              <a:t> Sum1 = 0</a:t>
-            </a:r>
-            <a:r>
-              <a:rPr lang="en-US" dirty="0"/>
-              <a:t>#  </a:t>
-            </a:r>
-            <a:r>
-              <a:rPr lang="en-US" dirty="0" smtClean="0"/>
-              <a:t>‘(</a:t>
-            </a:r>
-            <a:r>
-              <a:rPr lang="en-US" dirty="0"/>
-              <a:t>From </a:t>
-            </a:r>
-            <a:r>
-              <a:rPr lang="en-US" dirty="0" err="1" smtClean="0"/>
-              <a:t>MTPBin</a:t>
-            </a:r>
-            <a:r>
-              <a:rPr lang="en-US" dirty="0" smtClean="0"/>
-              <a:t>::</a:t>
-            </a:r>
-            <a:r>
-              <a:rPr lang="en-US" dirty="0" err="1" smtClean="0"/>
-              <a:t>CalcBiasRmsWrtAA</a:t>
-            </a:r>
-            <a:r>
-              <a:rPr lang="en-US" dirty="0" smtClean="0"/>
-              <a:t>)</a:t>
-            </a:r>
-          </a:p>
-          <a:p>
-            <a:r>
-              <a:rPr lang="en-US" dirty="0" smtClean="0"/>
-              <a:t>  Sum2 = 0#</a:t>
-            </a:r>
-          </a:p>
-          <a:p>
-            <a:r>
-              <a:rPr lang="en-US" dirty="0" smtClean="0"/>
-              <a:t>  </a:t>
-            </a:r>
-            <a:r>
-              <a:rPr lang="en-US" dirty="0" err="1" smtClean="0"/>
-              <a:t>SWi</a:t>
-            </a:r>
-            <a:r>
-              <a:rPr lang="en-US" dirty="0" smtClean="0"/>
-              <a:t> = 0#</a:t>
-            </a:r>
-          </a:p>
-          <a:p>
-            <a:r>
-              <a:rPr lang="en-US" dirty="0" smtClean="0"/>
-              <a:t>  </a:t>
-            </a:r>
-            <a:r>
-              <a:rPr lang="en-US" dirty="0" err="1" smtClean="0"/>
-              <a:t>NobsP</a:t>
-            </a:r>
-            <a:r>
-              <a:rPr lang="en-US" dirty="0" smtClean="0"/>
-              <a:t> = 0</a:t>
-            </a:r>
-          </a:p>
-          <a:p>
-            <a:r>
-              <a:rPr lang="en-US" dirty="0" smtClean="0"/>
-              <a:t>  For j = 1 To Nobs</a:t>
-            </a:r>
-          </a:p>
-          <a:p>
-            <a:r>
-              <a:rPr lang="en-US" dirty="0" smtClean="0"/>
-              <a:t>    Wi = 1 / </a:t>
-            </a:r>
-            <a:r>
-              <a:rPr lang="en-US" dirty="0" err="1" smtClean="0"/>
-              <a:t>OBrmsWt</a:t>
-            </a:r>
-            <a:r>
-              <a:rPr lang="en-US" dirty="0" smtClean="0"/>
-              <a:t>(j) ^ 2                    'Weight Wi</a:t>
-            </a:r>
-          </a:p>
-          <a:p>
-            <a:r>
-              <a:rPr lang="en-US" dirty="0" smtClean="0"/>
-              <a:t>    </a:t>
-            </a:r>
-            <a:r>
-              <a:rPr lang="en-US" dirty="0" err="1" smtClean="0"/>
-              <a:t>SWi</a:t>
-            </a:r>
-            <a:r>
-              <a:rPr lang="en-US" dirty="0" smtClean="0"/>
-              <a:t> = </a:t>
-            </a:r>
-            <a:r>
-              <a:rPr lang="en-US" dirty="0" err="1" smtClean="0"/>
-              <a:t>SWi</a:t>
-            </a:r>
-            <a:r>
-              <a:rPr lang="en-US" dirty="0" smtClean="0"/>
-              <a:t> + Wi                             'Sum of Weights</a:t>
-            </a:r>
-          </a:p>
-          <a:p>
-            <a:r>
-              <a:rPr lang="en-US" dirty="0" smtClean="0"/>
-              <a:t>    x = (</a:t>
-            </a:r>
-            <a:r>
-              <a:rPr lang="en-US" dirty="0" err="1" smtClean="0"/>
-              <a:t>ob</a:t>
-            </a:r>
-            <a:r>
-              <a:rPr lang="en-US" dirty="0" smtClean="0"/>
-              <a:t>(j) - </a:t>
-            </a:r>
-            <a:r>
-              <a:rPr lang="en-US" dirty="0" err="1" smtClean="0"/>
-              <a:t>OBavgWt</a:t>
-            </a:r>
-            <a:r>
-              <a:rPr lang="en-US" dirty="0" smtClean="0"/>
-              <a:t>(</a:t>
-            </a:r>
-            <a:r>
-              <a:rPr lang="en-US" dirty="0" err="1" smtClean="0"/>
-              <a:t>iRC</a:t>
-            </a:r>
-            <a:r>
-              <a:rPr lang="en-US" dirty="0" smtClean="0"/>
-              <a:t>, j) - </a:t>
-            </a:r>
-            <a:r>
-              <a:rPr lang="en-US" dirty="0" err="1" smtClean="0"/>
-              <a:t>OBbias</a:t>
-            </a:r>
-            <a:r>
-              <a:rPr lang="en-US" dirty="0" smtClean="0"/>
-              <a:t>)     'Compare measured TBs to </a:t>
-            </a:r>
-            <a:r>
-              <a:rPr lang="en-US" dirty="0" err="1" smtClean="0"/>
-              <a:t>OBavgWt</a:t>
-            </a:r>
-            <a:endParaRPr lang="en-US" dirty="0" smtClean="0"/>
-          </a:p>
-          <a:p>
-            <a:r>
-              <a:rPr lang="en-US" dirty="0" smtClean="0"/>
-              <a:t>    If Wi &gt; 0# Then</a:t>
-            </a:r>
-          </a:p>
-          <a:p>
-            <a:r>
-              <a:rPr lang="en-US" dirty="0" smtClean="0"/>
-              <a:t>      </a:t>
-            </a:r>
-            <a:r>
-              <a:rPr lang="en-US" dirty="0" err="1" smtClean="0"/>
-              <a:t>NobsP</a:t>
-            </a:r>
-            <a:r>
-              <a:rPr lang="en-US" dirty="0" smtClean="0"/>
-              <a:t> = </a:t>
-            </a:r>
-            <a:r>
-              <a:rPr lang="en-US" dirty="0" err="1" smtClean="0"/>
-              <a:t>NobsP</a:t>
-            </a:r>
-            <a:r>
-              <a:rPr lang="en-US" dirty="0" smtClean="0"/>
-              <a:t> + 1</a:t>
-            </a:r>
-          </a:p>
-          <a:p>
-            <a:r>
-              <a:rPr lang="en-US" dirty="0" smtClean="0"/>
-              <a:t>      Sum1 = Sum1 + Wi * x                     'Weighted average</a:t>
-            </a:r>
-          </a:p>
-          <a:p>
-            <a:r>
-              <a:rPr lang="en-US" dirty="0" smtClean="0"/>
-              <a:t>      Sum2 = Sum2 + Wi * x ^ 2                 'Sum of squares</a:t>
-            </a:r>
-          </a:p>
-          <a:p>
-            <a:r>
-              <a:rPr lang="en-US" dirty="0" smtClean="0"/>
-              <a:t>    End If</a:t>
-            </a:r>
-          </a:p>
-          <a:p>
-            <a:r>
-              <a:rPr lang="en-US" dirty="0" smtClean="0"/>
-              <a:t>  Next j</a:t>
-            </a:r>
-          </a:p>
-          <a:p>
-            <a:r>
-              <a:rPr lang="en-US" dirty="0" smtClean="0"/>
-              <a:t>  </a:t>
-            </a:r>
-            <a:r>
-              <a:rPr lang="en-US" dirty="0" err="1" smtClean="0"/>
-              <a:t>Xw</a:t>
-            </a:r>
-            <a:r>
-              <a:rPr lang="en-US" dirty="0" smtClean="0"/>
-              <a:t> = Sum1 / </a:t>
-            </a:r>
-            <a:r>
-              <a:rPr lang="en-US" dirty="0" err="1" smtClean="0"/>
-              <a:t>SWi</a:t>
-            </a:r>
-            <a:r>
-              <a:rPr lang="en-US" dirty="0" smtClean="0"/>
-              <a:t>                         'Calculate Weighted Mean</a:t>
-            </a:r>
-          </a:p>
-          <a:p>
-            <a:r>
-              <a:rPr lang="en-US" dirty="0" smtClean="0"/>
-              <a:t>  </a:t>
-            </a:r>
-            <a:r>
-              <a:rPr lang="en-US" dirty="0" err="1" smtClean="0"/>
-              <a:t>TBavg</a:t>
-            </a:r>
-            <a:r>
-              <a:rPr lang="en-US" dirty="0" smtClean="0"/>
-              <a:t>(</a:t>
-            </a:r>
-            <a:r>
-              <a:rPr lang="en-US" dirty="0" err="1" smtClean="0"/>
-              <a:t>iRC</a:t>
-            </a:r>
-            <a:r>
-              <a:rPr lang="en-US" dirty="0" smtClean="0"/>
-              <a:t>) = </a:t>
-            </a:r>
-            <a:r>
-              <a:rPr lang="en-US" dirty="0" err="1" smtClean="0"/>
-              <a:t>Xw</a:t>
-            </a:r>
-            <a:endParaRPr lang="en-US" dirty="0" smtClean="0"/>
-          </a:p>
-          <a:p>
-            <a:endParaRPr lang="en-US" dirty="0" smtClean="0"/>
-          </a:p>
-          <a:p>
-            <a:r>
-              <a:rPr lang="en-US" dirty="0" smtClean="0"/>
-              <a:t>' </a:t>
-            </a:r>
-            <a:r>
-              <a:rPr lang="en-US" dirty="0"/>
-              <a:t>Correct expression for weighted mean</a:t>
-            </a:r>
-          </a:p>
-          <a:p>
-            <a:r>
-              <a:rPr lang="en-US" dirty="0" smtClean="0"/>
-              <a:t>  x </a:t>
-            </a:r>
-            <a:r>
-              <a:rPr lang="en-US" dirty="0"/>
-              <a:t>= (Sum2 - </a:t>
-            </a:r>
-            <a:r>
-              <a:rPr lang="en-US" dirty="0" err="1"/>
-              <a:t>SWi</a:t>
-            </a:r>
-            <a:r>
-              <a:rPr lang="en-US" dirty="0"/>
-              <a:t> * </a:t>
-            </a:r>
-            <a:r>
-              <a:rPr lang="en-US" dirty="0" err="1"/>
-              <a:t>Xw</a:t>
-            </a:r>
-            <a:r>
-              <a:rPr lang="en-US" dirty="0"/>
-              <a:t> ^ 2) / ((</a:t>
-            </a:r>
-            <a:r>
-              <a:rPr lang="en-US" dirty="0" err="1"/>
-              <a:t>NobsP</a:t>
-            </a:r>
-            <a:r>
-              <a:rPr lang="en-US" dirty="0"/>
-              <a:t> - 1) * </a:t>
-            </a:r>
-            <a:r>
-              <a:rPr lang="en-US" dirty="0" err="1"/>
-              <a:t>SWi</a:t>
-            </a:r>
-            <a:r>
-              <a:rPr lang="en-US" dirty="0"/>
-              <a:t> / </a:t>
-            </a:r>
-            <a:r>
-              <a:rPr lang="en-US" dirty="0" err="1"/>
-              <a:t>NobsP</a:t>
-            </a:r>
-            <a:r>
-              <a:rPr lang="en-US" dirty="0"/>
-              <a:t>)</a:t>
-            </a:r>
-          </a:p>
-          <a:p>
-            <a:r>
-              <a:rPr lang="en-US" dirty="0"/>
-              <a:t>  If x &gt;= 0 Then</a:t>
-            </a:r>
-          </a:p>
-          <a:p>
-            <a:r>
-              <a:rPr lang="en-US" dirty="0"/>
-              <a:t>    </a:t>
-            </a:r>
-            <a:r>
-              <a:rPr lang="en-US" dirty="0" err="1"/>
-              <a:t>TBrms</a:t>
-            </a:r>
-            <a:r>
-              <a:rPr lang="en-US" dirty="0"/>
-              <a:t>(</a:t>
-            </a:r>
-            <a:r>
-              <a:rPr lang="en-US" dirty="0" err="1"/>
-              <a:t>iRC</a:t>
-            </a:r>
-            <a:r>
-              <a:rPr lang="en-US" dirty="0"/>
-              <a:t>) = </a:t>
-            </a:r>
-            <a:r>
-              <a:rPr lang="en-US" dirty="0" err="1"/>
-              <a:t>Sqr</a:t>
-            </a:r>
-            <a:r>
-              <a:rPr lang="en-US" dirty="0"/>
-              <a:t>(x)     'Calculate </a:t>
-            </a:r>
-            <a:r>
-              <a:rPr lang="en-US" dirty="0" err="1"/>
-              <a:t>Std</a:t>
-            </a:r>
-            <a:r>
-              <a:rPr lang="en-US" dirty="0"/>
-              <a:t> Dev about the mean</a:t>
-            </a:r>
-          </a:p>
-          <a:p>
-            <a:r>
-              <a:rPr lang="en-US" dirty="0"/>
-              <a:t>  Else</a:t>
-            </a:r>
-          </a:p>
-          <a:p>
-            <a:r>
-              <a:rPr lang="en-US" dirty="0"/>
-              <a:t>    </a:t>
-            </a:r>
-            <a:r>
-              <a:rPr lang="en-US" dirty="0" err="1"/>
-              <a:t>TBrms</a:t>
-            </a:r>
-            <a:r>
-              <a:rPr lang="en-US" dirty="0"/>
-              <a:t>(</a:t>
-            </a:r>
-            <a:r>
-              <a:rPr lang="en-US" dirty="0" err="1"/>
-              <a:t>iRC</a:t>
-            </a:r>
-            <a:r>
-              <a:rPr lang="en-US" dirty="0"/>
-              <a:t>) = </a:t>
-            </a:r>
-            <a:r>
-              <a:rPr lang="en-US" dirty="0" err="1"/>
-              <a:t>TBavg</a:t>
-            </a:r>
-            <a:r>
-              <a:rPr lang="en-US" dirty="0"/>
-              <a:t>(</a:t>
-            </a:r>
-            <a:r>
-              <a:rPr lang="en-US" dirty="0" err="1"/>
-              <a:t>iRC</a:t>
-            </a:r>
-            <a:r>
-              <a:rPr lang="en-US" dirty="0"/>
-              <a:t>) '</a:t>
-            </a:r>
-            <a:r>
-              <a:rPr lang="en-US" dirty="0" err="1"/>
-              <a:t>xxxmjm</a:t>
-            </a:r>
-            <a:r>
-              <a:rPr lang="en-US" dirty="0"/>
-              <a:t> 2009/02/03</a:t>
-            </a:r>
-          </a:p>
-          <a:p>
-            <a:r>
-              <a:rPr lang="en-US" dirty="0"/>
-              <a:t>  End If</a:t>
-            </a:r>
-          </a:p>
-        </p:txBody>
-      </p:sp>
-      <p:sp>
-        <p:nvSpPr>
-          <p:cNvPr id="3" name="TextBox 2"/>
-          <p:cNvSpPr txBox="1"/>
-          <p:nvPr/>
-        </p:nvSpPr>
-        <p:spPr>
-          <a:xfrm>
-            <a:off x="8715529" y="0"/>
-            <a:ext cx="418704" cy="369332"/>
+            <a:off x="433923" y="363330"/>
+            <a:ext cx="7823167" cy="646331"/>
           </a:xfrm>
           <a:prstGeom prst="rect">
             <a:avLst/>
@@ -7912,61 +6943,60 @@
           <a:p>
             <a:r>
               <a:rPr lang="en-US" dirty="0" smtClean="0"/>
-              <a:t>19</a:t>
-            </a:r>
-          </a:p>
-        </p:txBody>
-      </p:sp>
-      <p:cxnSp>
-        <p:nvCxnSpPr>
-          <p:cNvPr id="5" name="Straight Arrow Connector 4"/>
-          <p:cNvCxnSpPr>
-            <a:endCxn id="6" idx="1"/>
-          </p:cNvCxnSpPr>
-          <p:nvPr/>
-        </p:nvCxnSpPr>
-        <p:spPr>
-          <a:xfrm flipV="1">
-            <a:off x="2286000" y="811947"/>
-            <a:ext cx="3882171" cy="635854"/>
-          </a:xfrm>
-          <a:prstGeom prst="straightConnector1">
-            <a:avLst/>
-          </a:prstGeom>
-          <a:ln>
-            <a:tailEnd type="arrow"/>
-          </a:ln>
-        </p:spPr>
-        <p:style>
-          <a:lnRef idx="1">
-            <a:schemeClr val="accent1"/>
-          </a:lnRef>
-          <a:fillRef idx="0">
-            <a:schemeClr val="accent1"/>
-          </a:fillRef>
-          <a:effectRef idx="0">
-            <a:schemeClr val="accent1"/>
-          </a:effectRef>
-          <a:fontRef idx="minor">
-            <a:schemeClr val="tx1"/>
-          </a:fontRef>
-        </p:style>
-      </p:cxnSp>
-      <p:sp>
-        <p:nvSpPr>
-          <p:cNvPr id="6" name="TextBox 5"/>
-          <p:cNvSpPr txBox="1"/>
+              <a:t>template </a:t>
+            </a:r>
+            <a:r>
+              <a:rPr lang="en-US" dirty="0"/>
+              <a:t>brightness temperatures (and </a:t>
+            </a:r>
+            <a:r>
+              <a:rPr lang="en-US" dirty="0" err="1" smtClean="0"/>
+              <a:t>rms</a:t>
+            </a:r>
+            <a:r>
+              <a:rPr lang="en-US" dirty="0" smtClean="0"/>
+              <a:t> &amp; </a:t>
+            </a:r>
+            <a:r>
+              <a:rPr lang="en-US" dirty="0" err="1" smtClean="0"/>
+              <a:t>coefs</a:t>
+            </a:r>
+            <a:r>
+              <a:rPr lang="en-US" dirty="0" smtClean="0"/>
+              <a:t> ) </a:t>
+            </a:r>
+            <a:r>
+              <a:rPr lang="en-US" dirty="0"/>
+              <a:t>are put into a new matrix </a:t>
+            </a:r>
+          </a:p>
+          <a:p>
+            <a:r>
+              <a:rPr lang="en-US" dirty="0"/>
+              <a:t>      - weighted by nearness of aircraft to </a:t>
+            </a:r>
+            <a:r>
+              <a:rPr lang="en-US" dirty="0" smtClean="0"/>
+              <a:t>the two surrounding template flight levels</a:t>
+            </a:r>
+            <a:endParaRPr lang="en-US" dirty="0"/>
+          </a:p>
+        </p:txBody>
+      </p:sp>
+      <p:sp>
+        <p:nvSpPr>
+          <p:cNvPr id="3" name="Rectangle 2"/>
+          <p:cNvSpPr/>
           <p:nvPr/>
         </p:nvSpPr>
         <p:spPr>
           <a:xfrm>
-            <a:off x="6168171" y="350282"/>
-            <a:ext cx="2990562" cy="923330"/>
+            <a:off x="847594" y="1028711"/>
+            <a:ext cx="6585777" cy="1200329"/>
           </a:xfrm>
           <a:prstGeom prst="rect">
             <a:avLst/>
           </a:prstGeom>
-          <a:noFill/>
           <a:ln w="6350">
             <a:solidFill>
               <a:schemeClr val="tx1"/>
@@ -7974,43 +7004,659 @@
           </a:ln>
         </p:spPr>
         <p:txBody>
-          <a:bodyPr wrap="none" rtlCol="0">
+          <a:bodyPr wrap="square">
             <a:spAutoFit/>
           </a:bodyPr>
           <a:lstStyle/>
           <a:p>
             <a:r>
-              <a:rPr lang="en-US" dirty="0" err="1" smtClean="0"/>
-              <a:t>Rms</a:t>
-            </a:r>
-            <a:r>
-              <a:rPr lang="en-US" dirty="0" smtClean="0"/>
-              <a:t> values are the same</a:t>
-            </a:r>
-          </a:p>
-          <a:p>
-            <a:r>
-              <a:rPr lang="en-US" dirty="0" smtClean="0"/>
-              <a:t>From template to </a:t>
-            </a:r>
-            <a:r>
-              <a:rPr lang="en-US" dirty="0" smtClean="0"/>
-              <a:t>template?? </a:t>
-            </a:r>
-            <a:r>
-              <a:rPr lang="en-US" dirty="0" smtClean="0"/>
-              <a:t/>
-            </a:r>
-            <a:br>
-              <a:rPr lang="en-US" dirty="0" smtClean="0"/>
-            </a:br>
-            <a:r>
-              <a:rPr lang="en-US" dirty="0" smtClean="0"/>
-              <a:t>(thus not indexed by </a:t>
-            </a:r>
-            <a:r>
-              <a:rPr lang="en-US" dirty="0" err="1" smtClean="0"/>
+              <a:rPr lang="en-US" dirty="0"/>
+              <a:t> </a:t>
+            </a:r>
+            <a:r>
+              <a:rPr lang="en-US" dirty="0" err="1"/>
+              <a:t>iBot</a:t>
+            </a:r>
+            <a:r>
+              <a:rPr lang="en-US" dirty="0"/>
+              <a:t> = </a:t>
+            </a:r>
+            <a:r>
+              <a:rPr lang="en-US" dirty="0" err="1"/>
+              <a:t>fLevelBelowFL</a:t>
+            </a:r>
+            <a:r>
+              <a:rPr lang="en-US" dirty="0"/>
+              <a:t>(</a:t>
+            </a:r>
+            <a:r>
+              <a:rPr lang="en-US" dirty="0" err="1"/>
+              <a:t>pALT</a:t>
+            </a:r>
+            <a:r>
+              <a:rPr lang="en-US" dirty="0"/>
+              <a:t>)         'Index of level below FL</a:t>
+            </a:r>
+          </a:p>
+          <a:p>
+            <a:r>
+              <a:rPr lang="en-US" dirty="0"/>
+              <a:t>  </a:t>
+            </a:r>
+            <a:r>
+              <a:rPr lang="en-US" dirty="0" err="1"/>
+              <a:t>iTop</a:t>
+            </a:r>
+            <a:r>
+              <a:rPr lang="en-US" dirty="0"/>
+              <a:t> = </a:t>
+            </a:r>
+            <a:r>
+              <a:rPr lang="en-US" dirty="0" err="1"/>
+              <a:t>iBot</a:t>
+            </a:r>
+            <a:r>
+              <a:rPr lang="en-US" dirty="0"/>
+              <a:t> - 1                    </a:t>
+            </a:r>
+            <a:r>
+              <a:rPr lang="en-US" dirty="0" smtClean="0"/>
+              <a:t>           'Index </a:t>
+            </a:r>
+            <a:r>
+              <a:rPr lang="en-US" dirty="0"/>
+              <a:t>of level above FL</a:t>
+            </a:r>
+          </a:p>
+          <a:p>
+            <a:r>
+              <a:rPr lang="en-US" dirty="0"/>
+              <a:t>  </a:t>
+            </a:r>
+            <a:r>
+              <a:rPr lang="en-US" dirty="0" err="1"/>
+              <a:t>WtB</a:t>
+            </a:r>
+            <a:r>
+              <a:rPr lang="en-US" dirty="0"/>
+              <a:t> = </a:t>
+            </a:r>
+            <a:r>
+              <a:rPr lang="en-US" dirty="0" err="1"/>
+              <a:t>fLevelBelowFLwt</a:t>
+            </a:r>
+            <a:r>
+              <a:rPr lang="en-US" dirty="0"/>
+              <a:t>(</a:t>
+            </a:r>
+            <a:r>
+              <a:rPr lang="en-US" dirty="0" err="1"/>
+              <a:t>pALT</a:t>
+            </a:r>
+            <a:r>
+              <a:rPr lang="en-US" dirty="0"/>
+              <a:t>, </a:t>
+            </a:r>
+            <a:r>
+              <a:rPr lang="en-US" dirty="0" err="1"/>
+              <a:t>iBot</a:t>
+            </a:r>
+            <a:r>
+              <a:rPr lang="en-US" dirty="0"/>
+              <a:t>)  '</a:t>
+            </a:r>
+            <a:r>
+              <a:rPr lang="en-US" dirty="0" err="1"/>
+              <a:t>Wt</a:t>
+            </a:r>
+            <a:r>
+              <a:rPr lang="en-US" dirty="0"/>
+              <a:t> of level below FL</a:t>
+            </a:r>
+          </a:p>
+          <a:p>
+            <a:r>
+              <a:rPr lang="en-US" dirty="0"/>
+              <a:t>  </a:t>
+            </a:r>
+            <a:r>
+              <a:rPr lang="en-US" dirty="0" err="1"/>
+              <a:t>WtT</a:t>
+            </a:r>
+            <a:r>
+              <a:rPr lang="en-US" dirty="0"/>
+              <a:t> = 1 - </a:t>
+            </a:r>
+            <a:r>
+              <a:rPr lang="en-US" dirty="0" err="1"/>
+              <a:t>WtB</a:t>
+            </a:r>
+            <a:r>
+              <a:rPr lang="en-US" dirty="0"/>
+              <a:t>                    </a:t>
+            </a:r>
+            <a:r>
+              <a:rPr lang="en-US" dirty="0" smtClean="0"/>
+              <a:t>                   </a:t>
+            </a:r>
+            <a:r>
+              <a:rPr lang="en-US" dirty="0"/>
+              <a:t>'</a:t>
+            </a:r>
+            <a:r>
+              <a:rPr lang="en-US" dirty="0" err="1"/>
+              <a:t>Wt</a:t>
+            </a:r>
+            <a:r>
+              <a:rPr lang="en-US" dirty="0"/>
+              <a:t> of level above FL</a:t>
+            </a:r>
+          </a:p>
+        </p:txBody>
+      </p:sp>
+      <p:sp>
+        <p:nvSpPr>
+          <p:cNvPr id="5" name="Rectangle 4"/>
+          <p:cNvSpPr/>
+          <p:nvPr/>
+        </p:nvSpPr>
+        <p:spPr>
+          <a:xfrm>
+            <a:off x="228600" y="2326630"/>
+            <a:ext cx="8839200" cy="4524315"/>
+          </a:xfrm>
+          <a:prstGeom prst="rect">
+            <a:avLst/>
+          </a:prstGeom>
+          <a:ln w="6350">
+            <a:solidFill>
+              <a:schemeClr val="tx1"/>
+            </a:solidFill>
+          </a:ln>
+        </p:spPr>
+        <p:txBody>
+          <a:bodyPr wrap="square">
+            <a:spAutoFit/>
+          </a:bodyPr>
+          <a:lstStyle/>
+          <a:p>
+            <a:r>
+              <a:rPr lang="en-US" dirty="0"/>
+              <a:t>' Calculate weighted average values of archive average observables</a:t>
+            </a:r>
+          </a:p>
+          <a:p>
+            <a:r>
+              <a:rPr lang="en-US" dirty="0"/>
+              <a:t>' NRC is number of RC sets</a:t>
+            </a:r>
+          </a:p>
+          <a:p>
+            <a:r>
+              <a:rPr lang="en-US" dirty="0"/>
+              <a:t>  For </a:t>
+            </a:r>
+            <a:r>
+              <a:rPr lang="en-US" dirty="0" err="1"/>
+              <a:t>iNRC</a:t>
+            </a:r>
+            <a:r>
+              <a:rPr lang="en-US" dirty="0"/>
+              <a:t> = 0 To NRC - 1</a:t>
+            </a:r>
+          </a:p>
+          <a:p>
+            <a:r>
+              <a:rPr lang="en-US" dirty="0"/>
+              <a:t>    </a:t>
+            </a:r>
+            <a:r>
+              <a:rPr lang="en-US" dirty="0" err="1"/>
               <a:t>iRC</a:t>
+            </a:r>
+            <a:r>
+              <a:rPr lang="en-US" dirty="0"/>
+              <a:t> = </a:t>
+            </a:r>
+            <a:r>
+              <a:rPr lang="en-US" dirty="0" err="1"/>
+              <a:t>aRC</a:t>
+            </a:r>
+            <a:r>
+              <a:rPr lang="en-US" dirty="0"/>
+              <a:t>(</a:t>
+            </a:r>
+            <a:r>
+              <a:rPr lang="en-US" dirty="0" err="1"/>
+              <a:t>iNRC</a:t>
+            </a:r>
+            <a:r>
+              <a:rPr lang="en-US" dirty="0"/>
+              <a:t>)</a:t>
+            </a:r>
+          </a:p>
+          <a:p>
+            <a:r>
+              <a:rPr lang="en-US" dirty="0"/>
+              <a:t>    Call </a:t>
+            </a:r>
+            <a:r>
+              <a:rPr lang="en-US" dirty="0" err="1"/>
+              <a:t>Get_iBot_iTop</a:t>
+            </a:r>
+            <a:r>
+              <a:rPr lang="en-US" dirty="0"/>
+              <a:t>(</a:t>
+            </a:r>
+            <a:r>
+              <a:rPr lang="en-US" dirty="0" err="1"/>
+              <a:t>iRC</a:t>
+            </a:r>
+            <a:r>
+              <a:rPr lang="en-US" dirty="0"/>
+              <a:t>, </a:t>
+            </a:r>
+            <a:r>
+              <a:rPr lang="en-US" dirty="0" err="1"/>
+              <a:t>ob</a:t>
+            </a:r>
+            <a:r>
+              <a:rPr lang="en-US" dirty="0"/>
+              <a:t>(0), </a:t>
+            </a:r>
+            <a:r>
+              <a:rPr lang="en-US" dirty="0" err="1"/>
+              <a:t>iBot</a:t>
+            </a:r>
+            <a:r>
+              <a:rPr lang="en-US" dirty="0"/>
+              <a:t>, </a:t>
+            </a:r>
+            <a:r>
+              <a:rPr lang="en-US" dirty="0" err="1"/>
+              <a:t>iTop</a:t>
+            </a:r>
+            <a:r>
+              <a:rPr lang="en-US" dirty="0"/>
+              <a:t>, </a:t>
+            </a:r>
+            <a:r>
+              <a:rPr lang="en-US" dirty="0" err="1"/>
+              <a:t>WtB</a:t>
+            </a:r>
+            <a:r>
+              <a:rPr lang="en-US" dirty="0"/>
+              <a:t>, </a:t>
+            </a:r>
+            <a:r>
+              <a:rPr lang="en-US" dirty="0" err="1"/>
+              <a:t>WtT</a:t>
+            </a:r>
+            <a:r>
+              <a:rPr lang="en-US" dirty="0"/>
+              <a:t>)</a:t>
+            </a:r>
+          </a:p>
+          <a:p>
+            <a:r>
+              <a:rPr lang="en-US" dirty="0"/>
+              <a:t>    If </a:t>
+            </a:r>
+            <a:r>
+              <a:rPr lang="en-US" dirty="0" err="1"/>
+              <a:t>iBot</a:t>
+            </a:r>
+            <a:r>
+              <a:rPr lang="en-US" dirty="0"/>
+              <a:t> = 1 Then</a:t>
+            </a:r>
+          </a:p>
+          <a:p>
+            <a:r>
+              <a:rPr lang="en-US" dirty="0"/>
+              <a:t>      </a:t>
+            </a:r>
+            <a:r>
+              <a:rPr lang="en-US" dirty="0" err="1"/>
+              <a:t>iBot</a:t>
+            </a:r>
+            <a:r>
+              <a:rPr lang="en-US" dirty="0"/>
+              <a:t> = 2: </a:t>
+            </a:r>
+            <a:r>
+              <a:rPr lang="en-US" dirty="0" err="1"/>
+              <a:t>iTop</a:t>
+            </a:r>
+            <a:r>
+              <a:rPr lang="en-US" dirty="0"/>
+              <a:t> = 1</a:t>
+            </a:r>
+          </a:p>
+          <a:p>
+            <a:r>
+              <a:rPr lang="en-US" dirty="0"/>
+              <a:t>    End If</a:t>
+            </a:r>
+          </a:p>
+          <a:p>
+            <a:r>
+              <a:rPr lang="en-US" dirty="0"/>
+              <a:t>    </a:t>
+            </a:r>
+          </a:p>
+          <a:p>
+            <a:r>
+              <a:rPr lang="en-US" dirty="0"/>
+              <a:t>    For j = 1 To Nobs</a:t>
+            </a:r>
+          </a:p>
+          <a:p>
+            <a:r>
+              <a:rPr lang="en-US" dirty="0"/>
+              <a:t>      </a:t>
+            </a:r>
+            <a:r>
+              <a:rPr lang="en-US" dirty="0" err="1"/>
+              <a:t>OBavgWt</a:t>
+            </a:r>
+            <a:r>
+              <a:rPr lang="en-US" dirty="0"/>
+              <a:t>(</a:t>
+            </a:r>
+            <a:r>
+              <a:rPr lang="en-US" dirty="0" err="1"/>
+              <a:t>iRC</a:t>
+            </a:r>
+            <a:r>
+              <a:rPr lang="en-US" dirty="0"/>
+              <a:t>, j) = </a:t>
+            </a:r>
+            <a:r>
+              <a:rPr lang="en-US" dirty="0" err="1"/>
+              <a:t>OBav</a:t>
+            </a:r>
+            <a:r>
+              <a:rPr lang="en-US" dirty="0"/>
+              <a:t>(</a:t>
+            </a:r>
+            <a:r>
+              <a:rPr lang="en-US" dirty="0" err="1"/>
+              <a:t>iRC</a:t>
+            </a:r>
+            <a:r>
+              <a:rPr lang="en-US" dirty="0"/>
+              <a:t>, </a:t>
+            </a:r>
+            <a:r>
+              <a:rPr lang="en-US" dirty="0" err="1"/>
+              <a:t>iBot</a:t>
+            </a:r>
+            <a:r>
+              <a:rPr lang="en-US" dirty="0"/>
+              <a:t>, j) * </a:t>
+            </a:r>
+            <a:r>
+              <a:rPr lang="en-US" dirty="0" err="1"/>
+              <a:t>WtB</a:t>
+            </a:r>
+            <a:r>
+              <a:rPr lang="en-US" dirty="0"/>
+              <a:t> + </a:t>
+            </a:r>
+            <a:r>
+              <a:rPr lang="en-US" dirty="0" err="1"/>
+              <a:t>OBav</a:t>
+            </a:r>
+            <a:r>
+              <a:rPr lang="en-US" dirty="0"/>
+              <a:t>(</a:t>
+            </a:r>
+            <a:r>
+              <a:rPr lang="en-US" dirty="0" err="1"/>
+              <a:t>iRC</a:t>
+            </a:r>
+            <a:r>
+              <a:rPr lang="en-US" dirty="0"/>
+              <a:t>, </a:t>
+            </a:r>
+            <a:r>
+              <a:rPr lang="en-US" dirty="0" err="1"/>
+              <a:t>iTop</a:t>
+            </a:r>
+            <a:r>
+              <a:rPr lang="en-US" dirty="0"/>
+              <a:t>, j) * </a:t>
+            </a:r>
+            <a:r>
+              <a:rPr lang="en-US" dirty="0" err="1"/>
+              <a:t>WtT</a:t>
+            </a:r>
+            <a:endParaRPr lang="en-US" dirty="0"/>
+          </a:p>
+          <a:p>
+            <a:r>
+              <a:rPr lang="en-US" dirty="0"/>
+              <a:t>      </a:t>
+            </a:r>
+            <a:r>
+              <a:rPr lang="en-US" dirty="0" err="1"/>
+              <a:t>OBrmsWt</a:t>
+            </a:r>
+            <a:r>
+              <a:rPr lang="en-US" dirty="0"/>
+              <a:t>(j) = </a:t>
+            </a:r>
+            <a:r>
+              <a:rPr lang="en-US" dirty="0" err="1"/>
+              <a:t>OBrms</a:t>
+            </a:r>
+            <a:r>
+              <a:rPr lang="en-US" dirty="0"/>
+              <a:t>(</a:t>
+            </a:r>
+            <a:r>
+              <a:rPr lang="en-US" dirty="0" err="1"/>
+              <a:t>iBot</a:t>
+            </a:r>
+            <a:r>
+              <a:rPr lang="en-US" dirty="0"/>
+              <a:t>, j) * </a:t>
+            </a:r>
+            <a:r>
+              <a:rPr lang="en-US" dirty="0" err="1"/>
+              <a:t>WtB</a:t>
+            </a:r>
+            <a:r>
+              <a:rPr lang="en-US" dirty="0"/>
+              <a:t> + </a:t>
+            </a:r>
+            <a:r>
+              <a:rPr lang="en-US" dirty="0" err="1"/>
+              <a:t>OBrms</a:t>
+            </a:r>
+            <a:r>
+              <a:rPr lang="en-US" dirty="0"/>
+              <a:t>(</a:t>
+            </a:r>
+            <a:r>
+              <a:rPr lang="en-US" dirty="0" err="1"/>
+              <a:t>iTop</a:t>
+            </a:r>
+            <a:r>
+              <a:rPr lang="en-US" dirty="0"/>
+              <a:t>, j) * </a:t>
+            </a:r>
+            <a:r>
+              <a:rPr lang="en-US" dirty="0" err="1"/>
+              <a:t>WtT</a:t>
+            </a:r>
+            <a:endParaRPr lang="en-US" dirty="0"/>
+          </a:p>
+          <a:p>
+            <a:r>
+              <a:rPr lang="en-US" dirty="0"/>
+              <a:t>      Coeff1(</a:t>
+            </a:r>
+            <a:r>
+              <a:rPr lang="en-US" dirty="0" err="1"/>
+              <a:t>iRC</a:t>
+            </a:r>
+            <a:r>
+              <a:rPr lang="en-US" dirty="0"/>
+              <a:t>, j) = </a:t>
+            </a:r>
+            <a:r>
+              <a:rPr lang="en-US" dirty="0" err="1"/>
+              <a:t>SmatrixOB</a:t>
+            </a:r>
+            <a:r>
+              <a:rPr lang="en-US" dirty="0"/>
+              <a:t>(</a:t>
+            </a:r>
+            <a:r>
+              <a:rPr lang="en-US" dirty="0" err="1"/>
+              <a:t>iRC</a:t>
+            </a:r>
+            <a:r>
+              <a:rPr lang="en-US" dirty="0"/>
+              <a:t>, </a:t>
+            </a:r>
+            <a:r>
+              <a:rPr lang="en-US" dirty="0" err="1"/>
+              <a:t>iBot</a:t>
+            </a:r>
+            <a:r>
+              <a:rPr lang="en-US" dirty="0"/>
+              <a:t>, j, 1) * </a:t>
+            </a:r>
+            <a:r>
+              <a:rPr lang="en-US" dirty="0" err="1"/>
+              <a:t>WtB</a:t>
+            </a:r>
+            <a:r>
+              <a:rPr lang="en-US" dirty="0"/>
+              <a:t> + </a:t>
+            </a:r>
+            <a:r>
+              <a:rPr lang="en-US" dirty="0" err="1"/>
+              <a:t>SmatrixOB</a:t>
+            </a:r>
+            <a:r>
+              <a:rPr lang="en-US" dirty="0"/>
+              <a:t>(</a:t>
+            </a:r>
+            <a:r>
+              <a:rPr lang="en-US" dirty="0" err="1"/>
+              <a:t>iRC</a:t>
+            </a:r>
+            <a:r>
+              <a:rPr lang="en-US" dirty="0"/>
+              <a:t>, </a:t>
+            </a:r>
+            <a:r>
+              <a:rPr lang="en-US" dirty="0" err="1"/>
+              <a:t>iTop</a:t>
+            </a:r>
+            <a:r>
+              <a:rPr lang="en-US" dirty="0"/>
+              <a:t>, j, 1) * </a:t>
+            </a:r>
+            <a:r>
+              <a:rPr lang="en-US" dirty="0" err="1"/>
+              <a:t>WtT</a:t>
+            </a:r>
+            <a:endParaRPr lang="en-US" dirty="0"/>
+          </a:p>
+          <a:p>
+            <a:r>
+              <a:rPr lang="en-US" dirty="0"/>
+              <a:t>      Coeff2(</a:t>
+            </a:r>
+            <a:r>
+              <a:rPr lang="en-US" dirty="0" err="1"/>
+              <a:t>iRC</a:t>
+            </a:r>
+            <a:r>
+              <a:rPr lang="en-US" dirty="0"/>
+              <a:t>, j) = </a:t>
+            </a:r>
+            <a:r>
+              <a:rPr lang="en-US" dirty="0" err="1"/>
+              <a:t>SmatrixOB</a:t>
+            </a:r>
+            <a:r>
+              <a:rPr lang="en-US" dirty="0"/>
+              <a:t>(</a:t>
+            </a:r>
+            <a:r>
+              <a:rPr lang="en-US" dirty="0" err="1"/>
+              <a:t>iRC</a:t>
+            </a:r>
+            <a:r>
+              <a:rPr lang="en-US" dirty="0"/>
+              <a:t>, </a:t>
+            </a:r>
+            <a:r>
+              <a:rPr lang="en-US" dirty="0" err="1"/>
+              <a:t>iBot</a:t>
+            </a:r>
+            <a:r>
+              <a:rPr lang="en-US" dirty="0"/>
+              <a:t>, j, 2) * </a:t>
+            </a:r>
+            <a:r>
+              <a:rPr lang="en-US" dirty="0" err="1"/>
+              <a:t>WtB</a:t>
+            </a:r>
+            <a:r>
+              <a:rPr lang="en-US" dirty="0"/>
+              <a:t> + </a:t>
+            </a:r>
+            <a:r>
+              <a:rPr lang="en-US" dirty="0" err="1"/>
+              <a:t>SmatrixOB</a:t>
+            </a:r>
+            <a:r>
+              <a:rPr lang="en-US" dirty="0"/>
+              <a:t>(</a:t>
+            </a:r>
+            <a:r>
+              <a:rPr lang="en-US" dirty="0" err="1"/>
+              <a:t>iRC</a:t>
+            </a:r>
+            <a:r>
+              <a:rPr lang="en-US" dirty="0"/>
+              <a:t>, </a:t>
+            </a:r>
+            <a:r>
+              <a:rPr lang="en-US" dirty="0" err="1"/>
+              <a:t>iTop</a:t>
+            </a:r>
+            <a:r>
+              <a:rPr lang="en-US" dirty="0"/>
+              <a:t>, j, 2) * </a:t>
+            </a:r>
+            <a:r>
+              <a:rPr lang="en-US" dirty="0" err="1"/>
+              <a:t>WtT</a:t>
+            </a:r>
+            <a:endParaRPr lang="en-US" dirty="0"/>
+          </a:p>
+          <a:p>
+            <a:r>
+              <a:rPr lang="en-US" dirty="0"/>
+              <a:t>    Next j</a:t>
+            </a:r>
+          </a:p>
+          <a:p>
+            <a:r>
+              <a:rPr lang="en-US" dirty="0"/>
+              <a:t>  Next </a:t>
+            </a:r>
+            <a:r>
+              <a:rPr lang="en-US" dirty="0" err="1"/>
+              <a:t>iNRC</a:t>
             </a:r>
             <a:endParaRPr lang="en-US" dirty="0"/>
           </a:p>
@@ -8018,14 +7664,16 @@
       </p:sp>
       <p:cxnSp>
         <p:nvCxnSpPr>
-          <p:cNvPr id="9" name="Straight Arrow Connector 8"/>
-          <p:cNvCxnSpPr/>
+          <p:cNvPr id="7" name="Straight Arrow Connector 6"/>
+          <p:cNvCxnSpPr>
+            <a:endCxn id="3" idx="1"/>
+          </p:cNvCxnSpPr>
           <p:nvPr/>
         </p:nvCxnSpPr>
         <p:spPr>
-          <a:xfrm flipV="1">
-            <a:off x="1623279" y="369332"/>
-            <a:ext cx="3786921" cy="1079629"/>
+          <a:xfrm flipH="1" flipV="1">
+            <a:off x="847594" y="1628876"/>
+            <a:ext cx="228601" cy="1971585"/>
           </a:xfrm>
           <a:prstGeom prst="straightConnector1">
             <a:avLst/>
@@ -8051,14 +7699,14 @@
       </p:cxnSp>
       <p:cxnSp>
         <p:nvCxnSpPr>
-          <p:cNvPr id="10" name="Straight Arrow Connector 9"/>
+          <p:cNvPr id="8" name="Straight Arrow Connector 7"/>
           <p:cNvCxnSpPr/>
           <p:nvPr/>
         </p:nvCxnSpPr>
         <p:spPr>
           <a:xfrm flipV="1">
-            <a:off x="2057400" y="369332"/>
-            <a:ext cx="3352800" cy="1714322"/>
+            <a:off x="2971802" y="3124200"/>
+            <a:ext cx="3352798" cy="533401"/>
           </a:xfrm>
           <a:prstGeom prst="straightConnector1">
             <a:avLst/>
@@ -8084,19 +7732,24 @@
       </p:cxnSp>
       <p:sp>
         <p:nvSpPr>
-          <p:cNvPr id="13" name="TextBox 12"/>
+          <p:cNvPr id="10" name="TextBox 9"/>
           <p:cNvSpPr txBox="1"/>
           <p:nvPr/>
         </p:nvSpPr>
         <p:spPr>
           <a:xfrm>
-            <a:off x="5395912" y="184666"/>
-            <a:ext cx="418704" cy="369332"/>
+            <a:off x="6357937" y="2939534"/>
+            <a:ext cx="1580754" cy="369332"/>
           </a:xfrm>
           <a:prstGeom prst="rect">
             <a:avLst/>
           </a:prstGeom>
           <a:noFill/>
+          <a:ln w="6350">
+            <a:solidFill>
+              <a:schemeClr val="tx1"/>
+            </a:solidFill>
+          </a:ln>
         </p:spPr>
         <p:txBody>
           <a:bodyPr wrap="none" rtlCol="0">
@@ -8106,15 +7759,144 @@
           <a:p>
             <a:r>
               <a:rPr lang="en-US" dirty="0" smtClean="0"/>
+              <a:t>PALT of aircraft</a:t>
+            </a:r>
+          </a:p>
+        </p:txBody>
+      </p:sp>
+      <p:sp>
+        <p:nvSpPr>
+          <p:cNvPr id="11" name="TextBox 10"/>
+          <p:cNvSpPr txBox="1"/>
+          <p:nvPr/>
+        </p:nvSpPr>
+        <p:spPr>
+          <a:xfrm>
+            <a:off x="8715529" y="0"/>
+            <a:ext cx="418704" cy="369332"/>
+          </a:xfrm>
+          <a:prstGeom prst="rect">
+            <a:avLst/>
+          </a:prstGeom>
+          <a:noFill/>
+        </p:spPr>
+        <p:txBody>
+          <a:bodyPr wrap="none" rtlCol="0">
+            <a:spAutoFit/>
+          </a:bodyPr>
+          <a:lstStyle/>
+          <a:p>
+            <a:r>
+              <a:rPr lang="en-US" dirty="0" smtClean="0"/>
               <a:t>18</a:t>
             </a:r>
           </a:p>
         </p:txBody>
       </p:sp>
+      <p:cxnSp>
+        <p:nvCxnSpPr>
+          <p:cNvPr id="9" name="Straight Arrow Connector 8"/>
+          <p:cNvCxnSpPr>
+            <a:endCxn id="12" idx="2"/>
+          </p:cNvCxnSpPr>
+          <p:nvPr/>
+        </p:nvCxnSpPr>
+        <p:spPr>
+          <a:xfrm flipV="1">
+            <a:off x="2219195" y="356806"/>
+            <a:ext cx="752607" cy="729055"/>
+          </a:xfrm>
+          <a:prstGeom prst="straightConnector1">
+            <a:avLst/>
+          </a:prstGeom>
+          <a:ln>
+            <a:tailEnd type="arrow"/>
+          </a:ln>
+        </p:spPr>
+        <p:style>
+          <a:lnRef idx="1">
+            <a:schemeClr val="accent1"/>
+          </a:lnRef>
+          <a:fillRef idx="0">
+            <a:schemeClr val="accent1"/>
+          </a:fillRef>
+          <a:effectRef idx="0">
+            <a:schemeClr val="accent1"/>
+          </a:effectRef>
+          <a:fontRef idx="minor">
+            <a:schemeClr val="tx1"/>
+          </a:fontRef>
+        </p:style>
+      </p:cxnSp>
+      <p:sp>
+        <p:nvSpPr>
+          <p:cNvPr id="12" name="TextBox 11"/>
+          <p:cNvSpPr txBox="1"/>
+          <p:nvPr/>
+        </p:nvSpPr>
+        <p:spPr>
+          <a:xfrm>
+            <a:off x="2675086" y="-12526"/>
+            <a:ext cx="593432" cy="369332"/>
+          </a:xfrm>
+          <a:prstGeom prst="rect">
+            <a:avLst/>
+          </a:prstGeom>
+          <a:noFill/>
+        </p:spPr>
+        <p:txBody>
+          <a:bodyPr wrap="none" rtlCol="0">
+            <a:spAutoFit/>
+          </a:bodyPr>
+          <a:lstStyle/>
+          <a:p>
+            <a:r>
+              <a:rPr lang="en-US" dirty="0" smtClean="0"/>
+              <a:t>17.5</a:t>
+            </a:r>
+            <a:endParaRPr lang="en-US" dirty="0" smtClean="0"/>
+          </a:p>
+        </p:txBody>
+      </p:sp>
+      <p:cxnSp>
+        <p:nvCxnSpPr>
+          <p:cNvPr id="13" name="Straight Arrow Connector 12"/>
+          <p:cNvCxnSpPr>
+            <a:endCxn id="12" idx="2"/>
+          </p:cNvCxnSpPr>
+          <p:nvPr/>
+        </p:nvCxnSpPr>
+        <p:spPr>
+          <a:xfrm flipV="1">
+            <a:off x="2600196" y="356806"/>
+            <a:ext cx="371606" cy="1272072"/>
+          </a:xfrm>
+          <a:prstGeom prst="straightConnector1">
+            <a:avLst/>
+          </a:prstGeom>
+          <a:ln>
+            <a:tailEnd type="arrow"/>
+          </a:ln>
+        </p:spPr>
+        <p:style>
+          <a:lnRef idx="1">
+            <a:schemeClr val="accent1"/>
+          </a:lnRef>
+          <a:fillRef idx="0">
+            <a:schemeClr val="accent1"/>
+          </a:fillRef>
+          <a:effectRef idx="0">
+            <a:schemeClr val="accent1"/>
+          </a:effectRef>
+          <a:fontRef idx="minor">
+            <a:schemeClr val="tx1"/>
+          </a:fontRef>
+        </p:style>
+      </p:cxnSp>
     </p:spTree>
     <p:extLst>
       <p:ext uri="{BB962C8B-B14F-4D97-AF65-F5344CB8AC3E}">
-        <p14:creationId xmlns:p14="http://schemas.microsoft.com/office/powerpoint/2010/main" val="3196010784"/>
+        <p14:creationId xmlns:p14="http://schemas.microsoft.com/office/powerpoint/2010/main" val="401866937"/>
       </p:ext>
     </p:extLst>
   </p:cSld>
@@ -8150,23 +7932,18 @@
       </p:grpSpPr>
       <p:sp>
         <p:nvSpPr>
-          <p:cNvPr id="2" name="Rectangle 1"/>
+          <p:cNvPr id="4" name="Rectangle 3"/>
           <p:cNvSpPr/>
           <p:nvPr/>
         </p:nvSpPr>
         <p:spPr>
           <a:xfrm>
-            <a:off x="804512" y="6400800"/>
-            <a:ext cx="7010400" cy="369332"/>
+            <a:off x="171526" y="20855"/>
+            <a:ext cx="8610600" cy="6740307"/>
           </a:xfrm>
           <a:prstGeom prst="rect">
             <a:avLst/>
           </a:prstGeom>
-          <a:ln w="6350">
-            <a:solidFill>
-              <a:srgbClr val="0070C0"/>
-            </a:solidFill>
-          </a:ln>
         </p:spPr>
         <p:txBody>
           <a:bodyPr wrap="square">
@@ -8175,77 +7952,505 @@
           <a:lstStyle/>
           <a:p>
             <a:r>
-              <a:rPr lang="en-US" dirty="0" err="1"/>
-              <a:t>TAAi</a:t>
-            </a:r>
-            <a:r>
-              <a:rPr lang="en-US" dirty="0"/>
-              <a:t>(L) = </a:t>
-            </a:r>
-            <a:r>
-              <a:rPr lang="en-US" dirty="0" err="1"/>
-              <a:t>RTav</a:t>
-            </a:r>
-            <a:r>
-              <a:rPr lang="en-US" dirty="0"/>
-              <a:t>(Index, </a:t>
-            </a:r>
-            <a:r>
-              <a:rPr lang="en-US" dirty="0" err="1"/>
-              <a:t>iBot</a:t>
-            </a:r>
-            <a:r>
-              <a:rPr lang="en-US" dirty="0"/>
-              <a:t>, L) * </a:t>
-            </a:r>
-            <a:r>
-              <a:rPr lang="en-US" dirty="0" err="1"/>
-              <a:t>WtB</a:t>
-            </a:r>
-            <a:r>
-              <a:rPr lang="en-US" dirty="0"/>
-              <a:t> + </a:t>
-            </a:r>
-            <a:r>
-              <a:rPr lang="en-US" dirty="0" err="1"/>
-              <a:t>RTav</a:t>
-            </a:r>
-            <a:r>
-              <a:rPr lang="en-US" dirty="0"/>
-              <a:t>(Index, </a:t>
-            </a:r>
-            <a:r>
-              <a:rPr lang="en-US" dirty="0" err="1"/>
-              <a:t>iTop</a:t>
-            </a:r>
-            <a:r>
-              <a:rPr lang="en-US" dirty="0"/>
-              <a:t>, L) * </a:t>
-            </a:r>
-            <a:r>
-              <a:rPr lang="en-US" dirty="0" err="1"/>
-              <a:t>WtT</a:t>
-            </a:r>
-            <a:endParaRPr lang="en-US" dirty="0"/>
-          </a:p>
-        </p:txBody>
-      </p:sp>
-      <p:sp>
-        <p:nvSpPr>
-          <p:cNvPr id="16" name="TextBox 15"/>
+              <a:rPr lang="en-US" dirty="0" smtClean="0"/>
+              <a:t> Sum1 = 0</a:t>
+            </a:r>
+            <a:r>
+              <a:rPr lang="en-US" dirty="0"/>
+              <a:t>#  </a:t>
+            </a:r>
+            <a:r>
+              <a:rPr lang="en-US" dirty="0" smtClean="0"/>
+              <a:t>‘(</a:t>
+            </a:r>
+            <a:r>
+              <a:rPr lang="en-US" dirty="0"/>
+              <a:t>From </a:t>
+            </a:r>
+            <a:r>
+              <a:rPr lang="en-US" dirty="0" err="1" smtClean="0"/>
+              <a:t>MTPBin</a:t>
+            </a:r>
+            <a:r>
+              <a:rPr lang="en-US" dirty="0" smtClean="0"/>
+              <a:t>::</a:t>
+            </a:r>
+            <a:r>
+              <a:rPr lang="en-US" dirty="0" err="1" smtClean="0"/>
+              <a:t>CalcBiasRmsWrtAA</a:t>
+            </a:r>
+            <a:r>
+              <a:rPr lang="en-US" dirty="0" smtClean="0"/>
+              <a:t>)</a:t>
+            </a:r>
+          </a:p>
+          <a:p>
+            <a:r>
+              <a:rPr lang="en-US" dirty="0" smtClean="0"/>
+              <a:t>  Sum2 = 0#</a:t>
+            </a:r>
+          </a:p>
+          <a:p>
+            <a:r>
+              <a:rPr lang="en-US" dirty="0" smtClean="0"/>
+              <a:t>  </a:t>
+            </a:r>
+            <a:r>
+              <a:rPr lang="en-US" dirty="0" err="1" smtClean="0"/>
+              <a:t>SWi</a:t>
+            </a:r>
+            <a:r>
+              <a:rPr lang="en-US" dirty="0" smtClean="0"/>
+              <a:t> = 0#</a:t>
+            </a:r>
+          </a:p>
+          <a:p>
+            <a:r>
+              <a:rPr lang="en-US" dirty="0" smtClean="0"/>
+              <a:t>  </a:t>
+            </a:r>
+            <a:r>
+              <a:rPr lang="en-US" dirty="0" err="1" smtClean="0"/>
+              <a:t>NobsP</a:t>
+            </a:r>
+            <a:r>
+              <a:rPr lang="en-US" dirty="0" smtClean="0"/>
+              <a:t> = 0</a:t>
+            </a:r>
+          </a:p>
+          <a:p>
+            <a:r>
+              <a:rPr lang="en-US" dirty="0" smtClean="0"/>
+              <a:t>  For j = 1 To Nobs</a:t>
+            </a:r>
+          </a:p>
+          <a:p>
+            <a:r>
+              <a:rPr lang="en-US" dirty="0" smtClean="0"/>
+              <a:t>    Wi = 1 / </a:t>
+            </a:r>
+            <a:r>
+              <a:rPr lang="en-US" dirty="0" err="1" smtClean="0"/>
+              <a:t>OBrmsWt</a:t>
+            </a:r>
+            <a:r>
+              <a:rPr lang="en-US" dirty="0" smtClean="0"/>
+              <a:t>(j) ^ 2                    'Weight Wi</a:t>
+            </a:r>
+          </a:p>
+          <a:p>
+            <a:r>
+              <a:rPr lang="en-US" dirty="0" smtClean="0"/>
+              <a:t>    </a:t>
+            </a:r>
+            <a:r>
+              <a:rPr lang="en-US" dirty="0" err="1" smtClean="0"/>
+              <a:t>SWi</a:t>
+            </a:r>
+            <a:r>
+              <a:rPr lang="en-US" dirty="0" smtClean="0"/>
+              <a:t> = </a:t>
+            </a:r>
+            <a:r>
+              <a:rPr lang="en-US" dirty="0" err="1" smtClean="0"/>
+              <a:t>SWi</a:t>
+            </a:r>
+            <a:r>
+              <a:rPr lang="en-US" dirty="0" smtClean="0"/>
+              <a:t> + Wi                             'Sum of Weights</a:t>
+            </a:r>
+          </a:p>
+          <a:p>
+            <a:r>
+              <a:rPr lang="en-US" dirty="0" smtClean="0"/>
+              <a:t>    x = (</a:t>
+            </a:r>
+            <a:r>
+              <a:rPr lang="en-US" dirty="0" err="1" smtClean="0"/>
+              <a:t>ob</a:t>
+            </a:r>
+            <a:r>
+              <a:rPr lang="en-US" dirty="0" smtClean="0"/>
+              <a:t>(j) - </a:t>
+            </a:r>
+            <a:r>
+              <a:rPr lang="en-US" dirty="0" err="1" smtClean="0"/>
+              <a:t>OBavgWt</a:t>
+            </a:r>
+            <a:r>
+              <a:rPr lang="en-US" dirty="0" smtClean="0"/>
+              <a:t>(</a:t>
+            </a:r>
+            <a:r>
+              <a:rPr lang="en-US" dirty="0" err="1" smtClean="0"/>
+              <a:t>iRC</a:t>
+            </a:r>
+            <a:r>
+              <a:rPr lang="en-US" dirty="0" smtClean="0"/>
+              <a:t>, j) - </a:t>
+            </a:r>
+            <a:r>
+              <a:rPr lang="en-US" dirty="0" err="1" smtClean="0"/>
+              <a:t>OBbias</a:t>
+            </a:r>
+            <a:r>
+              <a:rPr lang="en-US" dirty="0" smtClean="0"/>
+              <a:t>)     'Compare measured TBs to </a:t>
+            </a:r>
+            <a:r>
+              <a:rPr lang="en-US" dirty="0" err="1" smtClean="0"/>
+              <a:t>OBavgWt</a:t>
+            </a:r>
+            <a:endParaRPr lang="en-US" dirty="0" smtClean="0"/>
+          </a:p>
+          <a:p>
+            <a:r>
+              <a:rPr lang="en-US" dirty="0" smtClean="0"/>
+              <a:t>    If Wi &gt; 0# Then</a:t>
+            </a:r>
+          </a:p>
+          <a:p>
+            <a:r>
+              <a:rPr lang="en-US" dirty="0" smtClean="0"/>
+              <a:t>      </a:t>
+            </a:r>
+            <a:r>
+              <a:rPr lang="en-US" dirty="0" err="1" smtClean="0"/>
+              <a:t>NobsP</a:t>
+            </a:r>
+            <a:r>
+              <a:rPr lang="en-US" dirty="0" smtClean="0"/>
+              <a:t> = </a:t>
+            </a:r>
+            <a:r>
+              <a:rPr lang="en-US" dirty="0" err="1" smtClean="0"/>
+              <a:t>NobsP</a:t>
+            </a:r>
+            <a:r>
+              <a:rPr lang="en-US" dirty="0" smtClean="0"/>
+              <a:t> + 1</a:t>
+            </a:r>
+          </a:p>
+          <a:p>
+            <a:r>
+              <a:rPr lang="en-US" dirty="0" smtClean="0"/>
+              <a:t>      Sum1 = Sum1 + Wi * x                     'Weighted average</a:t>
+            </a:r>
+          </a:p>
+          <a:p>
+            <a:r>
+              <a:rPr lang="en-US" dirty="0" smtClean="0"/>
+              <a:t>      Sum2 = Sum2 + Wi * x ^ 2                 'Sum of squares</a:t>
+            </a:r>
+          </a:p>
+          <a:p>
+            <a:r>
+              <a:rPr lang="en-US" dirty="0" smtClean="0"/>
+              <a:t>    End If</a:t>
+            </a:r>
+          </a:p>
+          <a:p>
+            <a:r>
+              <a:rPr lang="en-US" dirty="0" smtClean="0"/>
+              <a:t>  Next j</a:t>
+            </a:r>
+          </a:p>
+          <a:p>
+            <a:r>
+              <a:rPr lang="en-US" dirty="0" smtClean="0"/>
+              <a:t>  </a:t>
+            </a:r>
+            <a:r>
+              <a:rPr lang="en-US" dirty="0" err="1" smtClean="0"/>
+              <a:t>Xw</a:t>
+            </a:r>
+            <a:r>
+              <a:rPr lang="en-US" dirty="0" smtClean="0"/>
+              <a:t> = Sum1 / </a:t>
+            </a:r>
+            <a:r>
+              <a:rPr lang="en-US" dirty="0" err="1" smtClean="0"/>
+              <a:t>SWi</a:t>
+            </a:r>
+            <a:r>
+              <a:rPr lang="en-US" dirty="0" smtClean="0"/>
+              <a:t>                         'Calculate Weighted Mean</a:t>
+            </a:r>
+          </a:p>
+          <a:p>
+            <a:r>
+              <a:rPr lang="en-US" dirty="0" smtClean="0"/>
+              <a:t>  </a:t>
+            </a:r>
+            <a:r>
+              <a:rPr lang="en-US" dirty="0" err="1" smtClean="0"/>
+              <a:t>TBavg</a:t>
+            </a:r>
+            <a:r>
+              <a:rPr lang="en-US" dirty="0" smtClean="0"/>
+              <a:t>(</a:t>
+            </a:r>
+            <a:r>
+              <a:rPr lang="en-US" dirty="0" err="1" smtClean="0"/>
+              <a:t>iRC</a:t>
+            </a:r>
+            <a:r>
+              <a:rPr lang="en-US" dirty="0" smtClean="0"/>
+              <a:t>) = </a:t>
+            </a:r>
+            <a:r>
+              <a:rPr lang="en-US" dirty="0" err="1" smtClean="0"/>
+              <a:t>Xw</a:t>
+            </a:r>
+            <a:endParaRPr lang="en-US" dirty="0" smtClean="0"/>
+          </a:p>
+          <a:p>
+            <a:endParaRPr lang="en-US" dirty="0" smtClean="0"/>
+          </a:p>
+          <a:p>
+            <a:r>
+              <a:rPr lang="en-US" dirty="0" smtClean="0"/>
+              <a:t>' </a:t>
+            </a:r>
+            <a:r>
+              <a:rPr lang="en-US" dirty="0"/>
+              <a:t>Correct expression for weighted mean</a:t>
+            </a:r>
+          </a:p>
+          <a:p>
+            <a:r>
+              <a:rPr lang="en-US" dirty="0" smtClean="0"/>
+              <a:t>  x </a:t>
+            </a:r>
+            <a:r>
+              <a:rPr lang="en-US" dirty="0"/>
+              <a:t>= (Sum2 - </a:t>
+            </a:r>
+            <a:r>
+              <a:rPr lang="en-US" dirty="0" err="1"/>
+              <a:t>SWi</a:t>
+            </a:r>
+            <a:r>
+              <a:rPr lang="en-US" dirty="0"/>
+              <a:t> * </a:t>
+            </a:r>
+            <a:r>
+              <a:rPr lang="en-US" dirty="0" err="1"/>
+              <a:t>Xw</a:t>
+            </a:r>
+            <a:r>
+              <a:rPr lang="en-US" dirty="0"/>
+              <a:t> ^ 2) / ((</a:t>
+            </a:r>
+            <a:r>
+              <a:rPr lang="en-US" dirty="0" err="1"/>
+              <a:t>NobsP</a:t>
+            </a:r>
+            <a:r>
+              <a:rPr lang="en-US" dirty="0"/>
+              <a:t> - 1) * </a:t>
+            </a:r>
+            <a:r>
+              <a:rPr lang="en-US" dirty="0" err="1"/>
+              <a:t>SWi</a:t>
+            </a:r>
+            <a:r>
+              <a:rPr lang="en-US" dirty="0"/>
+              <a:t> / </a:t>
+            </a:r>
+            <a:r>
+              <a:rPr lang="en-US" dirty="0" err="1"/>
+              <a:t>NobsP</a:t>
+            </a:r>
+            <a:r>
+              <a:rPr lang="en-US" dirty="0"/>
+              <a:t>)</a:t>
+            </a:r>
+          </a:p>
+          <a:p>
+            <a:r>
+              <a:rPr lang="en-US" dirty="0"/>
+              <a:t>  If x &gt;= 0 Then</a:t>
+            </a:r>
+          </a:p>
+          <a:p>
+            <a:r>
+              <a:rPr lang="en-US" dirty="0"/>
+              <a:t>    </a:t>
+            </a:r>
+            <a:r>
+              <a:rPr lang="en-US" dirty="0" err="1"/>
+              <a:t>TBrms</a:t>
+            </a:r>
+            <a:r>
+              <a:rPr lang="en-US" dirty="0"/>
+              <a:t>(</a:t>
+            </a:r>
+            <a:r>
+              <a:rPr lang="en-US" dirty="0" err="1"/>
+              <a:t>iRC</a:t>
+            </a:r>
+            <a:r>
+              <a:rPr lang="en-US" dirty="0"/>
+              <a:t>) = </a:t>
+            </a:r>
+            <a:r>
+              <a:rPr lang="en-US" dirty="0" err="1"/>
+              <a:t>Sqr</a:t>
+            </a:r>
+            <a:r>
+              <a:rPr lang="en-US" dirty="0"/>
+              <a:t>(x)     'Calculate </a:t>
+            </a:r>
+            <a:r>
+              <a:rPr lang="en-US" dirty="0" err="1"/>
+              <a:t>Std</a:t>
+            </a:r>
+            <a:r>
+              <a:rPr lang="en-US" dirty="0"/>
+              <a:t> Dev about the mean</a:t>
+            </a:r>
+          </a:p>
+          <a:p>
+            <a:r>
+              <a:rPr lang="en-US" dirty="0"/>
+              <a:t>  Else</a:t>
+            </a:r>
+          </a:p>
+          <a:p>
+            <a:r>
+              <a:rPr lang="en-US" dirty="0"/>
+              <a:t>    </a:t>
+            </a:r>
+            <a:r>
+              <a:rPr lang="en-US" dirty="0" err="1"/>
+              <a:t>TBrms</a:t>
+            </a:r>
+            <a:r>
+              <a:rPr lang="en-US" dirty="0"/>
+              <a:t>(</a:t>
+            </a:r>
+            <a:r>
+              <a:rPr lang="en-US" dirty="0" err="1"/>
+              <a:t>iRC</a:t>
+            </a:r>
+            <a:r>
+              <a:rPr lang="en-US" dirty="0"/>
+              <a:t>) = </a:t>
+            </a:r>
+            <a:r>
+              <a:rPr lang="en-US" dirty="0" err="1"/>
+              <a:t>TBavg</a:t>
+            </a:r>
+            <a:r>
+              <a:rPr lang="en-US" dirty="0"/>
+              <a:t>(</a:t>
+            </a:r>
+            <a:r>
+              <a:rPr lang="en-US" dirty="0" err="1"/>
+              <a:t>iRC</a:t>
+            </a:r>
+            <a:r>
+              <a:rPr lang="en-US" dirty="0"/>
+              <a:t>) '</a:t>
+            </a:r>
+            <a:r>
+              <a:rPr lang="en-US" dirty="0" err="1"/>
+              <a:t>xxxmjm</a:t>
+            </a:r>
+            <a:r>
+              <a:rPr lang="en-US" dirty="0"/>
+              <a:t> 2009/02/03</a:t>
+            </a:r>
+          </a:p>
+          <a:p>
+            <a:r>
+              <a:rPr lang="en-US" dirty="0"/>
+              <a:t>  End If</a:t>
+            </a:r>
+          </a:p>
+        </p:txBody>
+      </p:sp>
+      <p:sp>
+        <p:nvSpPr>
+          <p:cNvPr id="3" name="TextBox 2"/>
           <p:cNvSpPr txBox="1"/>
           <p:nvPr/>
         </p:nvSpPr>
         <p:spPr>
           <a:xfrm>
-            <a:off x="609600" y="5105400"/>
-            <a:ext cx="7686913" cy="369332"/>
+            <a:off x="8715529" y="0"/>
+            <a:ext cx="418704" cy="369332"/>
           </a:xfrm>
           <a:prstGeom prst="rect">
             <a:avLst/>
           </a:prstGeom>
           <a:noFill/>
-          <a:ln w="25400">
+        </p:spPr>
+        <p:txBody>
+          <a:bodyPr wrap="none" rtlCol="0">
+            <a:spAutoFit/>
+          </a:bodyPr>
+          <a:lstStyle/>
+          <a:p>
+            <a:r>
+              <a:rPr lang="en-US" dirty="0" smtClean="0"/>
+              <a:t>19</a:t>
+            </a:r>
+          </a:p>
+        </p:txBody>
+      </p:sp>
+      <p:cxnSp>
+        <p:nvCxnSpPr>
+          <p:cNvPr id="5" name="Straight Arrow Connector 4"/>
+          <p:cNvCxnSpPr>
+            <a:endCxn id="6" idx="1"/>
+          </p:cNvCxnSpPr>
+          <p:nvPr/>
+        </p:nvCxnSpPr>
+        <p:spPr>
+          <a:xfrm flipV="1">
+            <a:off x="2286000" y="811947"/>
+            <a:ext cx="3882171" cy="635854"/>
+          </a:xfrm>
+          <a:prstGeom prst="straightConnector1">
+            <a:avLst/>
+          </a:prstGeom>
+          <a:ln>
+            <a:tailEnd type="arrow"/>
+          </a:ln>
+        </p:spPr>
+        <p:style>
+          <a:lnRef idx="1">
+            <a:schemeClr val="accent1"/>
+          </a:lnRef>
+          <a:fillRef idx="0">
+            <a:schemeClr val="accent1"/>
+          </a:fillRef>
+          <a:effectRef idx="0">
+            <a:schemeClr val="accent1"/>
+          </a:effectRef>
+          <a:fontRef idx="minor">
+            <a:schemeClr val="tx1"/>
+          </a:fontRef>
+        </p:style>
+      </p:cxnSp>
+      <p:sp>
+        <p:nvSpPr>
+          <p:cNvPr id="6" name="TextBox 5"/>
+          <p:cNvSpPr txBox="1"/>
+          <p:nvPr/>
+        </p:nvSpPr>
+        <p:spPr>
+          <a:xfrm>
+            <a:off x="6168171" y="350282"/>
+            <a:ext cx="2990562" cy="923330"/>
+          </a:xfrm>
+          <a:prstGeom prst="rect">
+            <a:avLst/>
+          </a:prstGeom>
+          <a:noFill/>
+          <a:ln w="6350">
             <a:solidFill>
               <a:schemeClr val="tx1"/>
             </a:solidFill>
@@ -8258,31 +8463,44 @@
           <a:lstStyle/>
           <a:p>
             <a:r>
-              <a:rPr lang="en-US" dirty="0" smtClean="0"/>
-              <a:t>Index = “matched” Template Index  - </a:t>
-            </a:r>
-            <a:r>
-              <a:rPr lang="en-US" dirty="0"/>
-              <a:t>Determined in </a:t>
-            </a:r>
-            <a:r>
               <a:rPr lang="en-US" dirty="0" err="1" smtClean="0"/>
-              <a:t>MTPBin:DetermineRCregion</a:t>
-            </a:r>
-            <a:endParaRPr lang="en-US" dirty="0" smtClean="0"/>
+              <a:t>Rms</a:t>
+            </a:r>
+            <a:r>
+              <a:rPr lang="en-US" dirty="0" smtClean="0"/>
+              <a:t> values are the same</a:t>
+            </a:r>
+          </a:p>
+          <a:p>
+            <a:r>
+              <a:rPr lang="en-US" dirty="0" smtClean="0"/>
+              <a:t>From template to template?? </a:t>
+            </a:r>
+            <a:br>
+              <a:rPr lang="en-US" dirty="0" smtClean="0"/>
+            </a:br>
+            <a:r>
+              <a:rPr lang="en-US" dirty="0" smtClean="0"/>
+              <a:t>(thus not indexed by </a:t>
+            </a:r>
+            <a:r>
+              <a:rPr lang="en-US" dirty="0" err="1" smtClean="0"/>
+              <a:t>iRC</a:t>
+            </a:r>
+            <a:endParaRPr lang="en-US" dirty="0"/>
           </a:p>
         </p:txBody>
       </p:sp>
       <p:cxnSp>
         <p:nvCxnSpPr>
-          <p:cNvPr id="37" name="Straight Arrow Connector 36"/>
+          <p:cNvPr id="9" name="Straight Arrow Connector 8"/>
           <p:cNvCxnSpPr/>
           <p:nvPr/>
         </p:nvCxnSpPr>
         <p:spPr>
-          <a:xfrm flipH="1" flipV="1">
-            <a:off x="685800" y="5334000"/>
-            <a:ext cx="1871314" cy="1134825"/>
+          <a:xfrm flipV="1">
+            <a:off x="1623279" y="369332"/>
+            <a:ext cx="3786921" cy="1079629"/>
           </a:xfrm>
           <a:prstGeom prst="straightConnector1">
             <a:avLst/>
@@ -8308,14 +8526,14 @@
       </p:cxnSp>
       <p:cxnSp>
         <p:nvCxnSpPr>
-          <p:cNvPr id="38" name="Straight Arrow Connector 37"/>
+          <p:cNvPr id="10" name="Straight Arrow Connector 9"/>
           <p:cNvCxnSpPr/>
           <p:nvPr/>
         </p:nvCxnSpPr>
         <p:spPr>
-          <a:xfrm flipH="1" flipV="1">
-            <a:off x="609600" y="5334000"/>
-            <a:ext cx="4572002" cy="1134825"/>
+          <a:xfrm flipV="1">
+            <a:off x="2057400" y="369332"/>
+            <a:ext cx="3352800" cy="1714322"/>
           </a:xfrm>
           <a:prstGeom prst="straightConnector1">
             <a:avLst/>
@@ -8341,24 +8559,19 @@
       </p:cxnSp>
       <p:sp>
         <p:nvSpPr>
-          <p:cNvPr id="15" name="TextBox 14"/>
+          <p:cNvPr id="13" name="TextBox 12"/>
           <p:cNvSpPr txBox="1"/>
           <p:nvPr/>
         </p:nvSpPr>
         <p:spPr>
           <a:xfrm>
-            <a:off x="412444" y="4451321"/>
-            <a:ext cx="8128764" cy="369332"/>
+            <a:off x="5395912" y="184666"/>
+            <a:ext cx="418704" cy="369332"/>
           </a:xfrm>
           <a:prstGeom prst="rect">
             <a:avLst/>
           </a:prstGeom>
           <a:noFill/>
-          <a:ln w="6350">
-            <a:solidFill>
-              <a:schemeClr val="tx1"/>
-            </a:solidFill>
-          </a:ln>
         </p:spPr>
         <p:txBody>
           <a:bodyPr wrap="none" rtlCol="0">
@@ -8367,226 +8580,8 @@
           <a:lstStyle/>
           <a:p>
             <a:r>
-              <a:rPr lang="en-US" dirty="0" err="1"/>
-              <a:t>lnP</a:t>
-            </a:r>
-            <a:r>
-              <a:rPr lang="en-US" dirty="0"/>
-              <a:t>(</a:t>
-            </a:r>
-            <a:r>
-              <a:rPr lang="en-US" dirty="0" err="1"/>
-              <a:t>iNRC</a:t>
-            </a:r>
-            <a:r>
-              <a:rPr lang="en-US" dirty="0"/>
-              <a:t>) = 8 * </a:t>
-            </a:r>
-            <a:r>
-              <a:rPr lang="en-US" dirty="0" err="1"/>
-              <a:t>Sqr</a:t>
-            </a:r>
-            <a:r>
-              <a:rPr lang="en-US" dirty="0"/>
-              <a:t>(</a:t>
-            </a:r>
-            <a:r>
-              <a:rPr lang="en-US" dirty="0" err="1"/>
-              <a:t>TBrms</a:t>
-            </a:r>
-            <a:r>
-              <a:rPr lang="en-US" dirty="0"/>
-              <a:t>(</a:t>
-            </a:r>
-            <a:r>
-              <a:rPr lang="en-US" dirty="0" err="1"/>
-              <a:t>iRC</a:t>
-            </a:r>
-            <a:r>
-              <a:rPr lang="en-US" dirty="0"/>
-              <a:t>) ^ 2 + </a:t>
-            </a:r>
-            <a:r>
-              <a:rPr lang="en-US" dirty="0" err="1"/>
-              <a:t>TBavg</a:t>
-            </a:r>
-            <a:r>
-              <a:rPr lang="en-US" dirty="0"/>
-              <a:t>(</a:t>
-            </a:r>
-            <a:r>
-              <a:rPr lang="en-US" dirty="0" err="1"/>
-              <a:t>iRC</a:t>
-            </a:r>
-            <a:r>
-              <a:rPr lang="en-US" dirty="0"/>
-              <a:t>) ^ 2) / Nobs 'Sum of ln of Probabilities</a:t>
-            </a:r>
-          </a:p>
-        </p:txBody>
-      </p:sp>
-      <p:sp>
-        <p:nvSpPr>
-          <p:cNvPr id="18" name="TextBox 17"/>
-          <p:cNvSpPr txBox="1"/>
-          <p:nvPr/>
-        </p:nvSpPr>
-        <p:spPr>
-          <a:xfrm>
-            <a:off x="595162" y="4081989"/>
-            <a:ext cx="7535717" cy="369332"/>
-          </a:xfrm>
-          <a:prstGeom prst="rect">
-            <a:avLst/>
-          </a:prstGeom>
-          <a:noFill/>
-        </p:spPr>
-        <p:txBody>
-          <a:bodyPr wrap="none" rtlCol="0">
-            <a:spAutoFit/>
-          </a:bodyPr>
-          <a:lstStyle/>
-          <a:p>
-            <a:r>
-              <a:rPr lang="en-US" dirty="0" smtClean="0"/>
-              <a:t>Which is the index of the template whose </a:t>
-            </a:r>
-            <a:r>
-              <a:rPr lang="en-US" dirty="0" err="1" smtClean="0"/>
-              <a:t>lnP</a:t>
-            </a:r>
-            <a:r>
-              <a:rPr lang="en-US" dirty="0" smtClean="0"/>
-              <a:t> value is the smallest – where </a:t>
-            </a:r>
-            <a:r>
-              <a:rPr lang="en-US" dirty="0" err="1" smtClean="0"/>
-              <a:t>lnP</a:t>
-            </a:r>
-            <a:endParaRPr lang="en-US" dirty="0"/>
-          </a:p>
-        </p:txBody>
-      </p:sp>
-      <p:cxnSp>
-        <p:nvCxnSpPr>
-          <p:cNvPr id="9" name="Straight Arrow Connector 8"/>
-          <p:cNvCxnSpPr/>
-          <p:nvPr/>
-        </p:nvCxnSpPr>
-        <p:spPr>
-          <a:xfrm flipH="1" flipV="1">
-            <a:off x="3733800" y="2590800"/>
-            <a:ext cx="552051" cy="1963145"/>
-          </a:xfrm>
-          <a:prstGeom prst="straightConnector1">
-            <a:avLst/>
-          </a:prstGeom>
-          <a:ln>
-            <a:tailEnd type="arrow"/>
-          </a:ln>
-        </p:spPr>
-        <p:style>
-          <a:lnRef idx="1">
-            <a:schemeClr val="accent1"/>
-          </a:lnRef>
-          <a:fillRef idx="0">
-            <a:schemeClr val="accent1"/>
-          </a:fillRef>
-          <a:effectRef idx="0">
-            <a:schemeClr val="accent1"/>
-          </a:effectRef>
-          <a:fontRef idx="minor">
-            <a:schemeClr val="tx1"/>
-          </a:fontRef>
-        </p:style>
-      </p:cxnSp>
-      <p:sp>
-        <p:nvSpPr>
-          <p:cNvPr id="10" name="TextBox 9"/>
-          <p:cNvSpPr txBox="1"/>
-          <p:nvPr/>
-        </p:nvSpPr>
-        <p:spPr>
-          <a:xfrm>
-            <a:off x="8715529" y="0"/>
-            <a:ext cx="418704" cy="369332"/>
-          </a:xfrm>
-          <a:prstGeom prst="rect">
-            <a:avLst/>
-          </a:prstGeom>
-          <a:noFill/>
-        </p:spPr>
-        <p:txBody>
-          <a:bodyPr wrap="none" rtlCol="0">
-            <a:spAutoFit/>
-          </a:bodyPr>
-          <a:lstStyle/>
-          <a:p>
-            <a:r>
-              <a:rPr lang="en-US" dirty="0" smtClean="0"/>
-              <a:t>20</a:t>
-            </a:r>
-          </a:p>
-        </p:txBody>
-      </p:sp>
-      <p:cxnSp>
-        <p:nvCxnSpPr>
-          <p:cNvPr id="11" name="Straight Arrow Connector 10"/>
-          <p:cNvCxnSpPr/>
-          <p:nvPr/>
-        </p:nvCxnSpPr>
-        <p:spPr>
-          <a:xfrm flipV="1">
-            <a:off x="2685652" y="2590800"/>
-            <a:ext cx="819548" cy="1986958"/>
-          </a:xfrm>
-          <a:prstGeom prst="straightConnector1">
-            <a:avLst/>
-          </a:prstGeom>
-          <a:ln>
-            <a:tailEnd type="arrow"/>
-          </a:ln>
-        </p:spPr>
-        <p:style>
-          <a:lnRef idx="1">
-            <a:schemeClr val="accent1"/>
-          </a:lnRef>
-          <a:fillRef idx="0">
-            <a:schemeClr val="accent1"/>
-          </a:fillRef>
-          <a:effectRef idx="0">
-            <a:schemeClr val="accent1"/>
-          </a:effectRef>
-          <a:fontRef idx="minor">
-            <a:schemeClr val="tx1"/>
-          </a:fontRef>
-        </p:style>
-      </p:cxnSp>
-      <p:sp>
-        <p:nvSpPr>
-          <p:cNvPr id="14" name="TextBox 13"/>
-          <p:cNvSpPr txBox="1"/>
-          <p:nvPr/>
-        </p:nvSpPr>
-        <p:spPr>
-          <a:xfrm>
-            <a:off x="3434158" y="2221468"/>
-            <a:ext cx="418704" cy="369332"/>
-          </a:xfrm>
-          <a:prstGeom prst="rect">
-            <a:avLst/>
-          </a:prstGeom>
-          <a:noFill/>
-        </p:spPr>
-        <p:txBody>
-          <a:bodyPr wrap="none" rtlCol="0">
-            <a:spAutoFit/>
-          </a:bodyPr>
-          <a:lstStyle/>
-          <a:p>
-            <a:r>
-              <a:rPr lang="en-US" dirty="0" smtClean="0"/>
-              <a:t>19</a:t>
+              <a:rPr lang="en-US" dirty="0" smtClean="0"/>
+              <a:t>18</a:t>
             </a:r>
           </a:p>
         </p:txBody>
@@ -8594,7 +8589,7 @@
     </p:spTree>
     <p:extLst>
       <p:ext uri="{BB962C8B-B14F-4D97-AF65-F5344CB8AC3E}">
-        <p14:creationId xmlns:p14="http://schemas.microsoft.com/office/powerpoint/2010/main" val="3534641307"/>
+        <p14:creationId xmlns:p14="http://schemas.microsoft.com/office/powerpoint/2010/main" val="3196010784"/>
       </p:ext>
     </p:extLst>
   </p:cSld>
@@ -8630,19 +8625,106 @@
       </p:grpSpPr>
       <p:sp>
         <p:nvSpPr>
-          <p:cNvPr id="2" name="TextBox 1"/>
+          <p:cNvPr id="2" name="Rectangle 1"/>
+          <p:cNvSpPr/>
+          <p:nvPr/>
+        </p:nvSpPr>
+        <p:spPr>
+          <a:xfrm>
+            <a:off x="804512" y="6400800"/>
+            <a:ext cx="7010400" cy="369332"/>
+          </a:xfrm>
+          <a:prstGeom prst="rect">
+            <a:avLst/>
+          </a:prstGeom>
+          <a:ln w="6350">
+            <a:solidFill>
+              <a:srgbClr val="0070C0"/>
+            </a:solidFill>
+          </a:ln>
+        </p:spPr>
+        <p:txBody>
+          <a:bodyPr wrap="square">
+            <a:spAutoFit/>
+          </a:bodyPr>
+          <a:lstStyle/>
+          <a:p>
+            <a:r>
+              <a:rPr lang="en-US" dirty="0" err="1"/>
+              <a:t>TAAi</a:t>
+            </a:r>
+            <a:r>
+              <a:rPr lang="en-US" dirty="0"/>
+              <a:t>(L) = </a:t>
+            </a:r>
+            <a:r>
+              <a:rPr lang="en-US" dirty="0" err="1"/>
+              <a:t>RTav</a:t>
+            </a:r>
+            <a:r>
+              <a:rPr lang="en-US" dirty="0"/>
+              <a:t>(Index, </a:t>
+            </a:r>
+            <a:r>
+              <a:rPr lang="en-US" dirty="0" err="1"/>
+              <a:t>iBot</a:t>
+            </a:r>
+            <a:r>
+              <a:rPr lang="en-US" dirty="0"/>
+              <a:t>, L) * </a:t>
+            </a:r>
+            <a:r>
+              <a:rPr lang="en-US" dirty="0" err="1"/>
+              <a:t>WtB</a:t>
+            </a:r>
+            <a:r>
+              <a:rPr lang="en-US" dirty="0"/>
+              <a:t> + </a:t>
+            </a:r>
+            <a:r>
+              <a:rPr lang="en-US" dirty="0" err="1"/>
+              <a:t>RTav</a:t>
+            </a:r>
+            <a:r>
+              <a:rPr lang="en-US" dirty="0"/>
+              <a:t>(Index, </a:t>
+            </a:r>
+            <a:r>
+              <a:rPr lang="en-US" dirty="0" err="1"/>
+              <a:t>iTop</a:t>
+            </a:r>
+            <a:r>
+              <a:rPr lang="en-US" dirty="0"/>
+              <a:t>, L) * </a:t>
+            </a:r>
+            <a:r>
+              <a:rPr lang="en-US" dirty="0" err="1"/>
+              <a:t>WtT</a:t>
+            </a:r>
+            <a:endParaRPr lang="en-US" dirty="0"/>
+          </a:p>
+        </p:txBody>
+      </p:sp>
+      <p:sp>
+        <p:nvSpPr>
+          <p:cNvPr id="16" name="TextBox 15"/>
           <p:cNvSpPr txBox="1"/>
           <p:nvPr/>
         </p:nvSpPr>
         <p:spPr>
           <a:xfrm>
-            <a:off x="8725296" y="0"/>
-            <a:ext cx="418704" cy="369332"/>
+            <a:off x="609600" y="5105400"/>
+            <a:ext cx="7686913" cy="369332"/>
           </a:xfrm>
           <a:prstGeom prst="rect">
             <a:avLst/>
           </a:prstGeom>
           <a:noFill/>
+          <a:ln w="25400">
+            <a:solidFill>
+              <a:schemeClr val="tx1"/>
+            </a:solidFill>
+          </a:ln>
         </p:spPr>
         <p:txBody>
           <a:bodyPr wrap="none" rtlCol="0">
@@ -8652,490 +8734,30 @@
           <a:p>
             <a:r>
               <a:rPr lang="en-US" dirty="0" smtClean="0"/>
-              <a:t>21</a:t>
-            </a:r>
-          </a:p>
-        </p:txBody>
-      </p:sp>
-      <p:sp>
-        <p:nvSpPr>
-          <p:cNvPr id="3" name="Rectangle 2"/>
-          <p:cNvSpPr/>
-          <p:nvPr/>
-        </p:nvSpPr>
-        <p:spPr>
-          <a:xfrm>
-            <a:off x="1676400" y="5097257"/>
-            <a:ext cx="6096000" cy="1754326"/>
-          </a:xfrm>
-          <a:prstGeom prst="rect">
-            <a:avLst/>
-          </a:prstGeom>
-          <a:ln w="6350">
-            <a:solidFill>
-              <a:schemeClr val="tx1"/>
-            </a:solidFill>
-          </a:ln>
-        </p:spPr>
-        <p:txBody>
-          <a:bodyPr wrap="square">
-            <a:spAutoFit/>
-          </a:bodyPr>
-          <a:lstStyle/>
-          <a:p>
-            <a:r>
-              <a:rPr lang="en-US" dirty="0"/>
-              <a:t> </a:t>
-            </a:r>
-            <a:r>
-              <a:rPr lang="en-US" dirty="0" smtClean="0"/>
-              <a:t>from: </a:t>
+              <a:t>Index = “matched” Template Index  - </a:t>
+            </a:r>
+            <a:r>
+              <a:rPr lang="en-US" dirty="0"/>
+              <a:t>Determined in </a:t>
             </a:r>
             <a:r>
               <a:rPr lang="en-US" dirty="0" err="1" smtClean="0"/>
-              <a:t>MTPbin:fGetNavT</a:t>
+              <a:t>MTPBin:DetermineRCregion</a:t>
             </a:r>
             <a:endParaRPr lang="en-US" dirty="0" smtClean="0"/>
-          </a:p>
-          <a:p>
-            <a:r>
-              <a:rPr lang="en-US" dirty="0"/>
-              <a:t> </a:t>
-            </a:r>
-            <a:r>
-              <a:rPr lang="en-US" dirty="0" smtClean="0"/>
-              <a:t> n </a:t>
-            </a:r>
-            <a:r>
-              <a:rPr lang="en-US" dirty="0"/>
-              <a:t>= </a:t>
-            </a:r>
-            <a:r>
-              <a:rPr lang="en-US" dirty="0" err="1"/>
-              <a:t>Int</a:t>
-            </a:r>
-            <a:r>
-              <a:rPr lang="en-US" dirty="0"/>
-              <a:t>(</a:t>
-            </a:r>
-            <a:r>
-              <a:rPr lang="en-US" dirty="0" err="1"/>
-              <a:t>aNAVoffset</a:t>
-            </a:r>
-            <a:r>
-              <a:rPr lang="en-US" dirty="0"/>
-              <a:t>(C))</a:t>
-            </a:r>
-          </a:p>
-          <a:p>
-            <a:r>
-              <a:rPr lang="en-US" dirty="0"/>
-              <a:t>  If </a:t>
-            </a:r>
-            <a:r>
-              <a:rPr lang="en-US" dirty="0" err="1"/>
-              <a:t>aNAVoffset</a:t>
-            </a:r>
-            <a:r>
-              <a:rPr lang="en-US" dirty="0"/>
-              <a:t>(C) - n &lt;&gt; 0 Then  'Interpolate</a:t>
-            </a:r>
-          </a:p>
-          <a:p>
-            <a:r>
-              <a:rPr lang="en-US" dirty="0"/>
-              <a:t>    OAT1 = OATV(1, </a:t>
-            </a:r>
-            <a:r>
-              <a:rPr lang="en-US" dirty="0" err="1"/>
-              <a:t>fRecordCheck</a:t>
-            </a:r>
-            <a:r>
-              <a:rPr lang="en-US" dirty="0"/>
-              <a:t>(Record, n))</a:t>
-            </a:r>
-          </a:p>
-          <a:p>
-            <a:r>
-              <a:rPr lang="en-US" dirty="0"/>
-              <a:t>    OAT2 = OATV(1, </a:t>
-            </a:r>
-            <a:r>
-              <a:rPr lang="en-US" dirty="0" err="1"/>
-              <a:t>fRecordCheck</a:t>
-            </a:r>
-            <a:r>
-              <a:rPr lang="en-US" dirty="0"/>
-              <a:t>(Record, n + 1))</a:t>
-            </a:r>
-          </a:p>
-          <a:p>
-            <a:r>
-              <a:rPr lang="en-US" dirty="0"/>
-              <a:t>    OAT = OAT1 + (OAT2 - OAT1) * (</a:t>
-            </a:r>
-            <a:r>
-              <a:rPr lang="en-US" dirty="0" err="1"/>
-              <a:t>aNAVoffset</a:t>
-            </a:r>
-            <a:r>
-              <a:rPr lang="en-US" dirty="0"/>
-              <a:t>(C) - n)</a:t>
-            </a:r>
           </a:p>
         </p:txBody>
       </p:sp>
       <p:cxnSp>
         <p:nvCxnSpPr>
-          <p:cNvPr id="4" name="Straight Arrow Connector 3"/>
+          <p:cNvPr id="37" name="Straight Arrow Connector 36"/>
           <p:cNvCxnSpPr/>
           <p:nvPr/>
         </p:nvCxnSpPr>
         <p:spPr>
           <a:xfrm flipH="1" flipV="1">
-            <a:off x="378315" y="4724400"/>
-            <a:ext cx="2593487" cy="1250020"/>
-          </a:xfrm>
-          <a:prstGeom prst="straightConnector1">
-            <a:avLst/>
-          </a:prstGeom>
-          <a:ln>
-            <a:tailEnd type="arrow"/>
-          </a:ln>
-        </p:spPr>
-        <p:style>
-          <a:lnRef idx="1">
-            <a:schemeClr val="accent1"/>
-          </a:lnRef>
-          <a:fillRef idx="0">
-            <a:schemeClr val="accent1"/>
-          </a:fillRef>
-          <a:effectRef idx="0">
-            <a:schemeClr val="accent1"/>
-          </a:effectRef>
-          <a:fontRef idx="minor">
-            <a:schemeClr val="tx1"/>
-          </a:fontRef>
-        </p:style>
-      </p:cxnSp>
-      <p:sp>
-        <p:nvSpPr>
-          <p:cNvPr id="6" name="Rectangle 5"/>
-          <p:cNvSpPr/>
-          <p:nvPr/>
-        </p:nvSpPr>
-        <p:spPr>
-          <a:xfrm>
-            <a:off x="149713" y="4160980"/>
-            <a:ext cx="2533514" cy="646331"/>
-          </a:xfrm>
-          <a:prstGeom prst="rect">
-            <a:avLst/>
-          </a:prstGeom>
-          <a:ln w="6350">
-            <a:solidFill>
-              <a:schemeClr val="tx1"/>
-            </a:solidFill>
-          </a:ln>
-        </p:spPr>
-        <p:txBody>
-          <a:bodyPr wrap="none">
-            <a:spAutoFit/>
-          </a:bodyPr>
-          <a:lstStyle/>
-          <a:p>
-            <a:r>
-              <a:rPr lang="en-US" dirty="0" smtClean="0"/>
-              <a:t>From </a:t>
-            </a:r>
-            <a:r>
-              <a:rPr lang="en-US" dirty="0" err="1" smtClean="0"/>
-              <a:t>MTPbin:WriteArray</a:t>
-            </a:r>
-            <a:endParaRPr lang="en-US" dirty="0" smtClean="0"/>
-          </a:p>
-          <a:p>
-            <a:r>
-              <a:rPr lang="en-US" dirty="0" smtClean="0"/>
-              <a:t> </a:t>
-            </a:r>
-            <a:r>
-              <a:rPr lang="en-US" dirty="0"/>
-              <a:t>OATV(1, r) = </a:t>
-            </a:r>
-            <a:r>
-              <a:rPr lang="en-US" dirty="0" err="1"/>
-              <a:t>OATnav</a:t>
-            </a:r>
-            <a:endParaRPr lang="en-US" dirty="0"/>
-          </a:p>
-        </p:txBody>
-      </p:sp>
-      <p:sp>
-        <p:nvSpPr>
-          <p:cNvPr id="7" name="Rectangle 6"/>
-          <p:cNvSpPr/>
-          <p:nvPr/>
-        </p:nvSpPr>
-        <p:spPr>
-          <a:xfrm>
-            <a:off x="73513" y="3082164"/>
-            <a:ext cx="2961965" cy="646331"/>
-          </a:xfrm>
-          <a:prstGeom prst="rect">
-            <a:avLst/>
-          </a:prstGeom>
-          <a:ln w="6350">
-            <a:solidFill>
-              <a:schemeClr val="tx1"/>
-            </a:solidFill>
-          </a:ln>
-        </p:spPr>
-        <p:txBody>
-          <a:bodyPr wrap="none">
-            <a:spAutoFit/>
-          </a:bodyPr>
-          <a:lstStyle/>
-          <a:p>
-            <a:r>
-              <a:rPr lang="en-US" dirty="0" smtClean="0"/>
-              <a:t>From </a:t>
-            </a:r>
-            <a:r>
-              <a:rPr lang="en-US" dirty="0" err="1" smtClean="0"/>
-              <a:t>MTPbin:MapGVtoOther</a:t>
-            </a:r>
-            <a:endParaRPr lang="en-US" dirty="0" smtClean="0"/>
-          </a:p>
-          <a:p>
-            <a:r>
-              <a:rPr lang="en-US" dirty="0" smtClean="0"/>
-              <a:t> </a:t>
-            </a:r>
-            <a:r>
-              <a:rPr lang="en-US" dirty="0" err="1"/>
-              <a:t>OATnav</a:t>
-            </a:r>
-            <a:r>
-              <a:rPr lang="en-US" dirty="0"/>
-              <a:t> = </a:t>
-            </a:r>
-            <a:r>
-              <a:rPr lang="en-US" dirty="0" err="1"/>
-              <a:t>OATnavI</a:t>
-            </a:r>
-            <a:endParaRPr lang="en-US" dirty="0"/>
-          </a:p>
-        </p:txBody>
-      </p:sp>
-      <p:cxnSp>
-        <p:nvCxnSpPr>
-          <p:cNvPr id="8" name="Straight Arrow Connector 7"/>
-          <p:cNvCxnSpPr/>
-          <p:nvPr/>
-        </p:nvCxnSpPr>
-        <p:spPr>
-          <a:xfrm flipH="1" flipV="1">
-            <a:off x="378315" y="3728495"/>
-            <a:ext cx="1295400" cy="832289"/>
-          </a:xfrm>
-          <a:prstGeom prst="straightConnector1">
-            <a:avLst/>
-          </a:prstGeom>
-          <a:ln>
-            <a:tailEnd type="arrow"/>
-          </a:ln>
-        </p:spPr>
-        <p:style>
-          <a:lnRef idx="1">
-            <a:schemeClr val="accent1"/>
-          </a:lnRef>
-          <a:fillRef idx="0">
-            <a:schemeClr val="accent1"/>
-          </a:fillRef>
-          <a:effectRef idx="0">
-            <a:schemeClr val="accent1"/>
-          </a:effectRef>
-          <a:fontRef idx="minor">
-            <a:schemeClr val="tx1"/>
-          </a:fontRef>
-        </p:style>
-      </p:cxnSp>
-      <p:sp>
-        <p:nvSpPr>
-          <p:cNvPr id="10" name="Rectangle 9"/>
-          <p:cNvSpPr/>
-          <p:nvPr/>
-        </p:nvSpPr>
-        <p:spPr>
-          <a:xfrm>
-            <a:off x="80732" y="2015364"/>
-            <a:ext cx="3636060" cy="646331"/>
-          </a:xfrm>
-          <a:prstGeom prst="rect">
-            <a:avLst/>
-          </a:prstGeom>
-          <a:ln w="6350">
-            <a:solidFill>
-              <a:schemeClr val="tx1"/>
-            </a:solidFill>
-          </a:ln>
-        </p:spPr>
-        <p:txBody>
-          <a:bodyPr wrap="none">
-            <a:spAutoFit/>
-          </a:bodyPr>
-          <a:lstStyle/>
-          <a:p>
-            <a:r>
-              <a:rPr lang="en-US" dirty="0" smtClean="0"/>
-              <a:t>From </a:t>
-            </a:r>
-            <a:r>
-              <a:rPr lang="en-US" dirty="0" err="1" smtClean="0"/>
-              <a:t>MTPbin:MapDatV</a:t>
-            </a:r>
-            <a:endParaRPr lang="en-US" dirty="0" smtClean="0"/>
-          </a:p>
-          <a:p>
-            <a:r>
-              <a:rPr lang="en-US" dirty="0" smtClean="0"/>
-              <a:t> </a:t>
-            </a:r>
-            <a:r>
-              <a:rPr lang="en-US" dirty="0" err="1"/>
-              <a:t>OATnavI</a:t>
-            </a:r>
-            <a:r>
-              <a:rPr lang="en-US" dirty="0"/>
-              <a:t> = </a:t>
-            </a:r>
-            <a:r>
-              <a:rPr lang="en-US" dirty="0" err="1"/>
-              <a:t>OATnI</a:t>
-            </a:r>
-            <a:r>
-              <a:rPr lang="en-US" dirty="0"/>
-              <a:t> + 273.15                'K</a:t>
-            </a:r>
-          </a:p>
-        </p:txBody>
-      </p:sp>
-      <p:cxnSp>
-        <p:nvCxnSpPr>
-          <p:cNvPr id="11" name="Straight Arrow Connector 10"/>
-          <p:cNvCxnSpPr/>
-          <p:nvPr/>
-        </p:nvCxnSpPr>
-        <p:spPr>
-          <a:xfrm flipH="1" flipV="1">
-            <a:off x="371896" y="2661695"/>
-            <a:ext cx="1295400" cy="832289"/>
-          </a:xfrm>
-          <a:prstGeom prst="straightConnector1">
-            <a:avLst/>
-          </a:prstGeom>
-          <a:ln>
-            <a:tailEnd type="arrow"/>
-          </a:ln>
-        </p:spPr>
-        <p:style>
-          <a:lnRef idx="1">
-            <a:schemeClr val="accent1"/>
-          </a:lnRef>
-          <a:fillRef idx="0">
-            <a:schemeClr val="accent1"/>
-          </a:fillRef>
-          <a:effectRef idx="0">
-            <a:schemeClr val="accent1"/>
-          </a:effectRef>
-          <a:fontRef idx="minor">
-            <a:schemeClr val="tx1"/>
-          </a:fontRef>
-        </p:style>
-      </p:cxnSp>
-      <p:sp>
-        <p:nvSpPr>
-          <p:cNvPr id="12" name="Rectangle 11"/>
-          <p:cNvSpPr/>
-          <p:nvPr/>
-        </p:nvSpPr>
-        <p:spPr>
-          <a:xfrm>
-            <a:off x="80732" y="1088494"/>
-            <a:ext cx="3287951" cy="646331"/>
-          </a:xfrm>
-          <a:prstGeom prst="rect">
-            <a:avLst/>
-          </a:prstGeom>
-          <a:ln w="6350">
-            <a:solidFill>
-              <a:schemeClr val="tx1"/>
-            </a:solidFill>
-          </a:ln>
-        </p:spPr>
-        <p:txBody>
-          <a:bodyPr wrap="none">
-            <a:spAutoFit/>
-          </a:bodyPr>
-          <a:lstStyle/>
-          <a:p>
-            <a:r>
-              <a:rPr lang="en-US" dirty="0" smtClean="0"/>
-              <a:t>From </a:t>
-            </a:r>
-            <a:r>
-              <a:rPr lang="en-US" dirty="0" err="1" smtClean="0"/>
-              <a:t>MTPbin:mapDatV</a:t>
-            </a:r>
-            <a:endParaRPr lang="en-US" dirty="0" smtClean="0"/>
-          </a:p>
-          <a:p>
-            <a:r>
-              <a:rPr lang="en-US" dirty="0" smtClean="0"/>
-              <a:t>Case </a:t>
-            </a:r>
-            <a:r>
-              <a:rPr lang="en-US" dirty="0"/>
-              <a:t>(20): </a:t>
-            </a:r>
-            <a:r>
-              <a:rPr lang="en-US" dirty="0" err="1"/>
-              <a:t>OATnI</a:t>
-            </a:r>
-            <a:r>
-              <a:rPr lang="en-US" dirty="0"/>
-              <a:t> = </a:t>
-            </a:r>
-            <a:r>
-              <a:rPr lang="en-US" dirty="0" err="1"/>
-              <a:t>DatV</a:t>
-            </a:r>
-            <a:r>
-              <a:rPr lang="en-US" dirty="0"/>
-              <a:t>(</a:t>
-            </a:r>
-            <a:r>
-              <a:rPr lang="en-US" dirty="0" err="1"/>
-              <a:t>i</a:t>
-            </a:r>
-            <a:r>
-              <a:rPr lang="en-US" dirty="0"/>
-              <a:t>)          'C</a:t>
-            </a:r>
-          </a:p>
-        </p:txBody>
-      </p:sp>
-      <p:cxnSp>
-        <p:nvCxnSpPr>
-          <p:cNvPr id="13" name="Straight Arrow Connector 12"/>
-          <p:cNvCxnSpPr/>
-          <p:nvPr/>
-        </p:nvCxnSpPr>
-        <p:spPr>
-          <a:xfrm flipH="1" flipV="1">
-            <a:off x="1416470" y="1734825"/>
-            <a:ext cx="28643" cy="696684"/>
+            <a:off x="685800" y="5334000"/>
+            <a:ext cx="1871314" cy="1134825"/>
           </a:xfrm>
           <a:prstGeom prst="straightConnector1">
             <a:avLst/>
@@ -9161,14 +8783,14 @@
       </p:cxnSp>
       <p:cxnSp>
         <p:nvCxnSpPr>
-          <p:cNvPr id="16" name="Straight Arrow Connector 15"/>
+          <p:cNvPr id="38" name="Straight Arrow Connector 37"/>
           <p:cNvCxnSpPr/>
           <p:nvPr/>
         </p:nvCxnSpPr>
         <p:spPr>
           <a:xfrm flipH="1" flipV="1">
-            <a:off x="371896" y="398320"/>
-            <a:ext cx="1692274" cy="1106319"/>
+            <a:off x="609600" y="5334000"/>
+            <a:ext cx="4572002" cy="1134825"/>
           </a:xfrm>
           <a:prstGeom prst="straightConnector1">
             <a:avLst/>
@@ -9194,14 +8816,14 @@
       </p:cxnSp>
       <p:sp>
         <p:nvSpPr>
-          <p:cNvPr id="17" name="TextBox 16"/>
+          <p:cNvPr id="15" name="TextBox 14"/>
           <p:cNvSpPr txBox="1"/>
           <p:nvPr/>
         </p:nvSpPr>
         <p:spPr>
           <a:xfrm>
-            <a:off x="216245" y="197223"/>
-            <a:ext cx="3566233" cy="646331"/>
+            <a:off x="412444" y="4451321"/>
+            <a:ext cx="8128764" cy="369332"/>
           </a:xfrm>
           <a:prstGeom prst="rect">
             <a:avLst/>
@@ -9220,18 +8842,101 @@
           <a:lstStyle/>
           <a:p>
             <a:r>
-              <a:rPr lang="en-US" dirty="0" smtClean="0"/>
-              <a:t>Ambient Temperature from IWG1 at</a:t>
-            </a:r>
-          </a:p>
-          <a:p>
-            <a:r>
-              <a:rPr lang="en-US" dirty="0"/>
-              <a:t> </a:t>
-            </a:r>
-            <a:r>
-              <a:rPr lang="en-US" dirty="0" smtClean="0"/>
-              <a:t> time of scan</a:t>
+              <a:rPr lang="en-US" dirty="0" err="1"/>
+              <a:t>lnP</a:t>
+            </a:r>
+            <a:r>
+              <a:rPr lang="en-US" dirty="0"/>
+              <a:t>(</a:t>
+            </a:r>
+            <a:r>
+              <a:rPr lang="en-US" dirty="0" err="1"/>
+              <a:t>iNRC</a:t>
+            </a:r>
+            <a:r>
+              <a:rPr lang="en-US" dirty="0"/>
+              <a:t>) = 8 * </a:t>
+            </a:r>
+            <a:r>
+              <a:rPr lang="en-US" dirty="0" err="1"/>
+              <a:t>Sqr</a:t>
+            </a:r>
+            <a:r>
+              <a:rPr lang="en-US" dirty="0"/>
+              <a:t>(</a:t>
+            </a:r>
+            <a:r>
+              <a:rPr lang="en-US" dirty="0" err="1"/>
+              <a:t>TBrms</a:t>
+            </a:r>
+            <a:r>
+              <a:rPr lang="en-US" dirty="0"/>
+              <a:t>(</a:t>
+            </a:r>
+            <a:r>
+              <a:rPr lang="en-US" dirty="0" err="1"/>
+              <a:t>iRC</a:t>
+            </a:r>
+            <a:r>
+              <a:rPr lang="en-US" dirty="0"/>
+              <a:t>) ^ 2 + </a:t>
+            </a:r>
+            <a:r>
+              <a:rPr lang="en-US" dirty="0" err="1"/>
+              <a:t>TBavg</a:t>
+            </a:r>
+            <a:r>
+              <a:rPr lang="en-US" dirty="0"/>
+              <a:t>(</a:t>
+            </a:r>
+            <a:r>
+              <a:rPr lang="en-US" dirty="0" err="1"/>
+              <a:t>iRC</a:t>
+            </a:r>
+            <a:r>
+              <a:rPr lang="en-US" dirty="0"/>
+              <a:t>) ^ 2) / Nobs 'Sum of ln of Probabilities</a:t>
+            </a:r>
+          </a:p>
+        </p:txBody>
+      </p:sp>
+      <p:sp>
+        <p:nvSpPr>
+          <p:cNvPr id="18" name="TextBox 17"/>
+          <p:cNvSpPr txBox="1"/>
+          <p:nvPr/>
+        </p:nvSpPr>
+        <p:spPr>
+          <a:xfrm>
+            <a:off x="595162" y="4081989"/>
+            <a:ext cx="7535717" cy="369332"/>
+          </a:xfrm>
+          <a:prstGeom prst="rect">
+            <a:avLst/>
+          </a:prstGeom>
+          <a:noFill/>
+        </p:spPr>
+        <p:txBody>
+          <a:bodyPr wrap="none" rtlCol="0">
+            <a:spAutoFit/>
+          </a:bodyPr>
+          <a:lstStyle/>
+          <a:p>
+            <a:r>
+              <a:rPr lang="en-US" dirty="0" smtClean="0"/>
+              <a:t>Which is the index of the template whose </a:t>
+            </a:r>
+            <a:r>
+              <a:rPr lang="en-US" dirty="0" err="1" smtClean="0"/>
+              <a:t>lnP</a:t>
+            </a:r>
+            <a:r>
+              <a:rPr lang="en-US" dirty="0" smtClean="0"/>
+              <a:t> value is the smallest – where </a:t>
+            </a:r>
+            <a:r>
+              <a:rPr lang="en-US" dirty="0" err="1" smtClean="0"/>
+              <a:t>lnP</a:t>
             </a:r>
             <a:endParaRPr lang="en-US" dirty="0"/>
           </a:p>
@@ -9239,14 +8944,14 @@
       </p:sp>
       <p:cxnSp>
         <p:nvCxnSpPr>
-          <p:cNvPr id="18" name="Straight Arrow Connector 17"/>
+          <p:cNvPr id="9" name="Straight Arrow Connector 8"/>
           <p:cNvCxnSpPr/>
           <p:nvPr/>
         </p:nvCxnSpPr>
         <p:spPr>
           <a:xfrm flipH="1" flipV="1">
-            <a:off x="4114800" y="951479"/>
-            <a:ext cx="1385428" cy="5556341"/>
+            <a:off x="3733800" y="2590800"/>
+            <a:ext cx="552051" cy="1963145"/>
           </a:xfrm>
           <a:prstGeom prst="straightConnector1">
             <a:avLst/>
@@ -9272,170 +8977,49 @@
       </p:cxnSp>
       <p:sp>
         <p:nvSpPr>
-          <p:cNvPr id="20" name="Rectangle 19"/>
-          <p:cNvSpPr/>
+          <p:cNvPr id="10" name="TextBox 9"/>
+          <p:cNvSpPr txBox="1"/>
           <p:nvPr/>
         </p:nvSpPr>
         <p:spPr>
           <a:xfrm>
-            <a:off x="3891746" y="590466"/>
-            <a:ext cx="5110163" cy="3970318"/>
+            <a:off x="8715529" y="0"/>
+            <a:ext cx="418704" cy="369332"/>
           </a:xfrm>
           <a:prstGeom prst="rect">
             <a:avLst/>
           </a:prstGeom>
           <a:noFill/>
-          <a:ln w="6350">
-            <a:solidFill>
-              <a:schemeClr val="tx1"/>
-            </a:solidFill>
-          </a:ln>
-        </p:spPr>
-        <p:txBody>
-          <a:bodyPr wrap="square">
+        </p:spPr>
+        <p:txBody>
+          <a:bodyPr wrap="none" rtlCol="0">
             <a:spAutoFit/>
           </a:bodyPr>
           <a:lstStyle/>
           <a:p>
             <a:r>
               <a:rPr lang="en-US" dirty="0" smtClean="0"/>
-              <a:t>From file: MTP\Data\{</a:t>
-            </a:r>
-            <a:r>
-              <a:rPr lang="en-US" dirty="0" err="1" smtClean="0"/>
-              <a:t>proj</a:t>
-            </a:r>
-            <a:r>
-              <a:rPr lang="en-US" dirty="0" smtClean="0"/>
-              <a:t>}\{</a:t>
-            </a:r>
-            <a:r>
-              <a:rPr lang="en-US" dirty="0" err="1" smtClean="0"/>
-              <a:t>fltdate</a:t>
-            </a:r>
-            <a:r>
-              <a:rPr lang="en-US" dirty="0" smtClean="0"/>
-              <a:t>}\NG{</a:t>
-            </a:r>
-            <a:r>
-              <a:rPr lang="en-US" dirty="0" err="1" smtClean="0"/>
-              <a:t>fltdate</a:t>
-            </a:r>
-            <a:r>
-              <a:rPr lang="en-US" dirty="0" smtClean="0"/>
-              <a:t>}.REF</a:t>
-            </a:r>
-          </a:p>
-          <a:p>
-            <a:r>
-              <a:rPr lang="en-US" dirty="0" err="1" smtClean="0"/>
-              <a:t>aNAVoffset</a:t>
-            </a:r>
-            <a:r>
-              <a:rPr lang="en-US" dirty="0" smtClean="0"/>
-              <a:t>(0 </a:t>
-            </a:r>
-            <a:r>
-              <a:rPr lang="en-US" dirty="0"/>
-              <a:t>To 3) As Single       'OAT cycle </a:t>
-            </a:r>
-            <a:r>
-              <a:rPr lang="en-US" dirty="0" smtClean="0"/>
-              <a:t>shift</a:t>
-            </a:r>
-          </a:p>
-          <a:p>
-            <a:endParaRPr lang="en-US" dirty="0"/>
-          </a:p>
-          <a:p>
-            <a:r>
-              <a:rPr lang="en-US" dirty="0" smtClean="0"/>
-              <a:t>Always uses the average ~ (-0.14 to -0.18)</a:t>
-            </a:r>
-          </a:p>
-          <a:p>
-            <a:r>
-              <a:rPr lang="en-US" dirty="0"/>
-              <a:t> </a:t>
-            </a:r>
-            <a:r>
-              <a:rPr lang="en-US" dirty="0" smtClean="0"/>
-              <a:t>- gives Temp 13-15 seconds “ahead” of plane</a:t>
-            </a:r>
-          </a:p>
-          <a:p>
-            <a:r>
-              <a:rPr lang="en-US" dirty="0"/>
-              <a:t> </a:t>
-            </a:r>
-            <a:r>
-              <a:rPr lang="en-US" dirty="0" smtClean="0"/>
-              <a:t>  * at 295 m/s = ~4km</a:t>
-            </a:r>
-          </a:p>
-          <a:p>
-            <a:endParaRPr lang="en-US" dirty="0"/>
-          </a:p>
-          <a:p>
-            <a:r>
-              <a:rPr lang="en-US" dirty="0" smtClean="0"/>
-              <a:t>Odd that the individual channels seem to range </a:t>
-            </a:r>
-          </a:p>
-          <a:p>
-            <a:r>
-              <a:rPr lang="en-US" dirty="0" smtClean="0"/>
-              <a:t>From -0.1 to -0.2 meaning that they range in </a:t>
-            </a:r>
-          </a:p>
-          <a:p>
-            <a:r>
-              <a:rPr lang="en-US" dirty="0" smtClean="0"/>
-              <a:t>Distance 4.5km to  4.0km  thought that they were </a:t>
-            </a:r>
-          </a:p>
-          <a:p>
-            <a:r>
-              <a:rPr lang="en-US" dirty="0" smtClean="0"/>
-              <a:t>Larger range than that…</a:t>
-            </a:r>
-          </a:p>
-          <a:p>
-            <a:endParaRPr lang="en-US" dirty="0"/>
-          </a:p>
-          <a:p>
-            <a:r>
-              <a:rPr lang="en-US" dirty="0" smtClean="0"/>
-              <a:t>Seems like we want to pick a second.  And have OAT </a:t>
-            </a:r>
-          </a:p>
-          <a:p>
-            <a:r>
-              <a:rPr lang="en-US" dirty="0" smtClean="0"/>
-              <a:t>On a per channel basis!</a:t>
-            </a:r>
-            <a:endParaRPr lang="en-US" dirty="0"/>
+              <a:t>20</a:t>
+            </a:r>
           </a:p>
         </p:txBody>
       </p:sp>
       <p:cxnSp>
         <p:nvCxnSpPr>
-          <p:cNvPr id="22" name="Straight Connector 21"/>
+          <p:cNvPr id="11" name="Straight Arrow Connector 10"/>
           <p:cNvCxnSpPr/>
           <p:nvPr/>
         </p:nvCxnSpPr>
         <p:spPr>
-          <a:xfrm>
-            <a:off x="3841970" y="105188"/>
-            <a:ext cx="0" cy="4953000"/>
-          </a:xfrm>
-          <a:prstGeom prst="line">
-            <a:avLst/>
-          </a:prstGeom>
-          <a:ln w="25400">
-            <a:solidFill>
-              <a:schemeClr val="tx1"/>
-            </a:solidFill>
+          <a:xfrm flipV="1">
+            <a:off x="2685652" y="2590800"/>
+            <a:ext cx="819548" cy="1986958"/>
+          </a:xfrm>
+          <a:prstGeom prst="straightConnector1">
+            <a:avLst/>
+          </a:prstGeom>
+          <a:ln>
+            <a:tailEnd type="arrow"/>
           </a:ln>
         </p:spPr>
         <p:style>
@@ -9453,10 +9037,39 @@
           </a:fontRef>
         </p:style>
       </p:cxnSp>
+      <p:sp>
+        <p:nvSpPr>
+          <p:cNvPr id="14" name="TextBox 13"/>
+          <p:cNvSpPr txBox="1"/>
+          <p:nvPr/>
+        </p:nvSpPr>
+        <p:spPr>
+          <a:xfrm>
+            <a:off x="3434158" y="2221468"/>
+            <a:ext cx="418704" cy="369332"/>
+          </a:xfrm>
+          <a:prstGeom prst="rect">
+            <a:avLst/>
+          </a:prstGeom>
+          <a:noFill/>
+        </p:spPr>
+        <p:txBody>
+          <a:bodyPr wrap="none" rtlCol="0">
+            <a:spAutoFit/>
+          </a:bodyPr>
+          <a:lstStyle/>
+          <a:p>
+            <a:r>
+              <a:rPr lang="en-US" dirty="0" smtClean="0"/>
+              <a:t>19</a:t>
+            </a:r>
+          </a:p>
+        </p:txBody>
+      </p:sp>
     </p:spTree>
     <p:extLst>
       <p:ext uri="{BB962C8B-B14F-4D97-AF65-F5344CB8AC3E}">
-        <p14:creationId xmlns:p14="http://schemas.microsoft.com/office/powerpoint/2010/main" val="4251674582"/>
+        <p14:creationId xmlns:p14="http://schemas.microsoft.com/office/powerpoint/2010/main" val="3534641307"/>
       </p:ext>
     </p:extLst>
   </p:cSld>
@@ -9492,24 +9105,19 @@
       </p:grpSpPr>
       <p:sp>
         <p:nvSpPr>
-          <p:cNvPr id="3" name="TextBox 2"/>
+          <p:cNvPr id="2" name="TextBox 1"/>
           <p:cNvSpPr txBox="1"/>
           <p:nvPr/>
         </p:nvSpPr>
         <p:spPr>
           <a:xfrm>
-            <a:off x="228599" y="4826675"/>
-            <a:ext cx="8874352" cy="2031325"/>
+            <a:off x="8725296" y="0"/>
+            <a:ext cx="418704" cy="369332"/>
           </a:xfrm>
           <a:prstGeom prst="rect">
             <a:avLst/>
           </a:prstGeom>
           <a:noFill/>
-          <a:ln>
-            <a:solidFill>
-              <a:srgbClr val="0070C0"/>
-            </a:solidFill>
-          </a:ln>
         </p:spPr>
         <p:txBody>
           <a:bodyPr wrap="none" rtlCol="0">
@@ -9519,128 +9127,149 @@
           <a:p>
             <a:r>
               <a:rPr lang="en-US" dirty="0" smtClean="0"/>
-              <a:t>In </a:t>
+              <a:t>21</a:t>
+            </a:r>
+          </a:p>
+        </p:txBody>
+      </p:sp>
+      <p:sp>
+        <p:nvSpPr>
+          <p:cNvPr id="3" name="Rectangle 2"/>
+          <p:cNvSpPr/>
+          <p:nvPr/>
+        </p:nvSpPr>
+        <p:spPr>
+          <a:xfrm>
+            <a:off x="1676400" y="5097257"/>
+            <a:ext cx="6096000" cy="1754326"/>
+          </a:xfrm>
+          <a:prstGeom prst="rect">
+            <a:avLst/>
+          </a:prstGeom>
+          <a:ln w="6350">
+            <a:solidFill>
+              <a:schemeClr val="tx1"/>
+            </a:solidFill>
+          </a:ln>
+        </p:spPr>
+        <p:txBody>
+          <a:bodyPr wrap="square">
+            <a:spAutoFit/>
+          </a:bodyPr>
+          <a:lstStyle/>
+          <a:p>
+            <a:r>
+              <a:rPr lang="en-US" dirty="0"/>
+              <a:t> </a:t>
+            </a:r>
+            <a:r>
+              <a:rPr lang="en-US" dirty="0" smtClean="0"/>
+              <a:t>from: </a:t>
             </a:r>
             <a:r>
               <a:rPr lang="en-US" dirty="0" err="1" smtClean="0"/>
-              <a:t>RetrieveATP</a:t>
-            </a:r>
-            <a:r>
-              <a:rPr lang="en-US" dirty="0"/>
-              <a:t>:  </a:t>
-            </a:r>
-            <a:r>
-              <a:rPr lang="en-US" dirty="0" smtClean="0"/>
-              <a:t>' </a:t>
-            </a:r>
-            <a:r>
-              <a:rPr lang="en-US" dirty="0"/>
-              <a:t>Do Retrieval using interpolated RCs</a:t>
+              <a:t>MTPbin:fGetNavT</a:t>
             </a:r>
             <a:endParaRPr lang="en-US" dirty="0" smtClean="0"/>
           </a:p>
           <a:p>
             <a:r>
               <a:rPr lang="en-US" dirty="0"/>
-              <a:t> For L = 1 To 33</a:t>
-            </a:r>
-          </a:p>
-          <a:p>
-            <a:r>
-              <a:rPr lang="en-US" dirty="0"/>
-              <a:t>    RT(L) = </a:t>
-            </a:r>
-            <a:r>
-              <a:rPr lang="en-US" dirty="0" err="1"/>
-              <a:t>TAAi</a:t>
-            </a:r>
-            <a:r>
-              <a:rPr lang="en-US" dirty="0"/>
-              <a:t>(L)</a:t>
-            </a:r>
-          </a:p>
-          <a:p>
-            <a:r>
-              <a:rPr lang="en-US" dirty="0"/>
-              <a:t>    For j = 1 To </a:t>
-            </a:r>
-            <a:r>
-              <a:rPr lang="en-US" dirty="0" smtClean="0"/>
-              <a:t>Nobs     ‘(30)</a:t>
-            </a:r>
-            <a:endParaRPr lang="en-US" dirty="0"/>
-          </a:p>
-          <a:p>
-            <a:r>
-              <a:rPr lang="en-US" dirty="0"/>
-              <a:t>      RT(L) = RT(L) + </a:t>
-            </a:r>
-            <a:r>
-              <a:rPr lang="en-US" dirty="0" err="1"/>
-              <a:t>RCi</a:t>
-            </a:r>
-            <a:r>
-              <a:rPr lang="en-US" dirty="0"/>
-              <a:t>(L, j) * (</a:t>
-            </a:r>
-            <a:r>
-              <a:rPr lang="en-US" dirty="0" err="1"/>
-              <a:t>ob</a:t>
-            </a:r>
-            <a:r>
-              <a:rPr lang="en-US" dirty="0"/>
-              <a:t>(j) - </a:t>
-            </a:r>
-            <a:r>
-              <a:rPr lang="en-US" dirty="0" err="1"/>
-              <a:t>OBavgWt</a:t>
-            </a:r>
-            <a:r>
-              <a:rPr lang="en-US" dirty="0"/>
-              <a:t>(Index, j))     '</a:t>
-            </a:r>
-            <a:r>
-              <a:rPr lang="en-US" dirty="0" err="1"/>
-              <a:t>OBavgWt</a:t>
-            </a:r>
-            <a:r>
-              <a:rPr lang="en-US" dirty="0"/>
-              <a:t> from </a:t>
-            </a:r>
-            <a:r>
-              <a:rPr lang="en-US" dirty="0" err="1"/>
-              <a:t>DetermineRCregion</a:t>
-            </a:r>
-            <a:endParaRPr lang="en-US" dirty="0"/>
-          </a:p>
-          <a:p>
-            <a:r>
-              <a:rPr lang="en-US" dirty="0" smtClean="0"/>
-              <a:t>    Next </a:t>
-            </a:r>
-            <a:r>
-              <a:rPr lang="en-US" dirty="0"/>
-              <a:t>j</a:t>
-            </a:r>
-          </a:p>
-          <a:p>
-            <a:r>
-              <a:rPr lang="en-US" dirty="0"/>
-              <a:t>  Next L</a:t>
+              <a:t> </a:t>
+            </a:r>
+            <a:r>
+              <a:rPr lang="en-US" dirty="0" smtClean="0"/>
+              <a:t> n </a:t>
+            </a:r>
+            <a:r>
+              <a:rPr lang="en-US" dirty="0"/>
+              <a:t>= </a:t>
+            </a:r>
+            <a:r>
+              <a:rPr lang="en-US" dirty="0" err="1"/>
+              <a:t>Int</a:t>
+            </a:r>
+            <a:r>
+              <a:rPr lang="en-US" dirty="0"/>
+              <a:t>(</a:t>
+            </a:r>
+            <a:r>
+              <a:rPr lang="en-US" dirty="0" err="1"/>
+              <a:t>aNAVoffset</a:t>
+            </a:r>
+            <a:r>
+              <a:rPr lang="en-US" dirty="0"/>
+              <a:t>(C))</a:t>
+            </a:r>
+          </a:p>
+          <a:p>
+            <a:r>
+              <a:rPr lang="en-US" dirty="0"/>
+              <a:t>  If </a:t>
+            </a:r>
+            <a:r>
+              <a:rPr lang="en-US" dirty="0" err="1"/>
+              <a:t>aNAVoffset</a:t>
+            </a:r>
+            <a:r>
+              <a:rPr lang="en-US" dirty="0"/>
+              <a:t>(C) - n &lt;&gt; 0 Then  'Interpolate</a:t>
+            </a:r>
+          </a:p>
+          <a:p>
+            <a:r>
+              <a:rPr lang="en-US" dirty="0"/>
+              <a:t>    OAT1 = OATV(1, </a:t>
+            </a:r>
+            <a:r>
+              <a:rPr lang="en-US" dirty="0" err="1"/>
+              <a:t>fRecordCheck</a:t>
+            </a:r>
+            <a:r>
+              <a:rPr lang="en-US" dirty="0"/>
+              <a:t>(Record, n))</a:t>
+            </a:r>
+          </a:p>
+          <a:p>
+            <a:r>
+              <a:rPr lang="en-US" dirty="0"/>
+              <a:t>    OAT2 = OATV(1, </a:t>
+            </a:r>
+            <a:r>
+              <a:rPr lang="en-US" dirty="0" err="1"/>
+              <a:t>fRecordCheck</a:t>
+            </a:r>
+            <a:r>
+              <a:rPr lang="en-US" dirty="0"/>
+              <a:t>(Record, n + 1))</a:t>
+            </a:r>
+          </a:p>
+          <a:p>
+            <a:r>
+              <a:rPr lang="en-US" dirty="0"/>
+              <a:t>    OAT = OAT1 + (OAT2 - OAT1) * (</a:t>
+            </a:r>
+            <a:r>
+              <a:rPr lang="en-US" dirty="0" err="1"/>
+              <a:t>aNAVoffset</a:t>
+            </a:r>
+            <a:r>
+              <a:rPr lang="en-US" dirty="0"/>
+              <a:t>(C) - n)</a:t>
             </a:r>
           </a:p>
         </p:txBody>
       </p:sp>
       <p:cxnSp>
         <p:nvCxnSpPr>
-          <p:cNvPr id="6" name="Straight Arrow Connector 5"/>
+          <p:cNvPr id="4" name="Straight Arrow Connector 3"/>
           <p:cNvCxnSpPr/>
           <p:nvPr/>
         </p:nvCxnSpPr>
         <p:spPr>
           <a:xfrm flipH="1" flipV="1">
-            <a:off x="990600" y="4325999"/>
-            <a:ext cx="2133600" cy="1676400"/>
+            <a:off x="378315" y="4724400"/>
+            <a:ext cx="2593487" cy="1250020"/>
           </a:xfrm>
           <a:prstGeom prst="straightConnector1">
             <a:avLst/>
@@ -9666,45 +9295,109 @@
       </p:cxnSp>
       <p:sp>
         <p:nvSpPr>
-          <p:cNvPr id="9" name="TextBox 8"/>
-          <p:cNvSpPr txBox="1"/>
+          <p:cNvPr id="6" name="Rectangle 5"/>
+          <p:cNvSpPr/>
           <p:nvPr/>
         </p:nvSpPr>
         <p:spPr>
           <a:xfrm>
-            <a:off x="990600" y="4141333"/>
-            <a:ext cx="6767687" cy="369332"/>
+            <a:off x="149713" y="4160980"/>
+            <a:ext cx="2533514" cy="646331"/>
           </a:xfrm>
           <a:prstGeom prst="rect">
             <a:avLst/>
           </a:prstGeom>
-          <a:noFill/>
-        </p:spPr>
-        <p:txBody>
-          <a:bodyPr wrap="none" rtlCol="0">
+          <a:ln w="6350">
+            <a:solidFill>
+              <a:schemeClr val="tx1"/>
+            </a:solidFill>
+          </a:ln>
+        </p:spPr>
+        <p:txBody>
+          <a:bodyPr wrap="none">
             <a:spAutoFit/>
           </a:bodyPr>
           <a:lstStyle/>
           <a:p>
             <a:r>
               <a:rPr lang="en-US" dirty="0" smtClean="0"/>
-              <a:t>33 element array : </a:t>
+              <a:t>From </a:t>
             </a:r>
             <a:r>
               <a:rPr lang="en-US" dirty="0" err="1" smtClean="0"/>
-              <a:t>ob</a:t>
-            </a:r>
-            <a:r>
-              <a:rPr lang="en-US" dirty="0" smtClean="0"/>
-              <a:t>(0) = PALT, </a:t>
+              <a:t>MTPbin:WriteArray</a:t>
+            </a:r>
+            <a:endParaRPr lang="en-US" dirty="0" smtClean="0"/>
+          </a:p>
+          <a:p>
+            <a:r>
+              <a:rPr lang="en-US" dirty="0" smtClean="0"/>
+              <a:t> </a:t>
+            </a:r>
+            <a:r>
+              <a:rPr lang="en-US" dirty="0"/>
+              <a:t>OATV(1, r) = </a:t>
+            </a:r>
+            <a:r>
+              <a:rPr lang="en-US" dirty="0" err="1"/>
+              <a:t>OATnav</a:t>
+            </a:r>
+            <a:endParaRPr lang="en-US" dirty="0"/>
+          </a:p>
+        </p:txBody>
+      </p:sp>
+      <p:sp>
+        <p:nvSpPr>
+          <p:cNvPr id="7" name="Rectangle 6"/>
+          <p:cNvSpPr/>
+          <p:nvPr/>
+        </p:nvSpPr>
+        <p:spPr>
+          <a:xfrm>
+            <a:off x="73513" y="3082164"/>
+            <a:ext cx="2961965" cy="646331"/>
+          </a:xfrm>
+          <a:prstGeom prst="rect">
+            <a:avLst/>
+          </a:prstGeom>
+          <a:ln w="6350">
+            <a:solidFill>
+              <a:schemeClr val="tx1"/>
+            </a:solidFill>
+          </a:ln>
+        </p:spPr>
+        <p:txBody>
+          <a:bodyPr wrap="none">
+            <a:spAutoFit/>
+          </a:bodyPr>
+          <a:lstStyle/>
+          <a:p>
+            <a:r>
+              <a:rPr lang="en-US" dirty="0" smtClean="0"/>
+              <a:t>From </a:t>
             </a:r>
             <a:r>
               <a:rPr lang="en-US" dirty="0" err="1" smtClean="0"/>
-              <a:t>ob</a:t>
-            </a:r>
-            <a:r>
-              <a:rPr lang="en-US" dirty="0" smtClean="0"/>
-              <a:t>(1-10 Ch1, 11-20 Ch2, 21-30 Ch3)</a:t>
+              <a:t>MTPbin:MapGVtoOther</a:t>
+            </a:r>
+            <a:endParaRPr lang="en-US" dirty="0" smtClean="0"/>
+          </a:p>
+          <a:p>
+            <a:r>
+              <a:rPr lang="en-US" dirty="0" smtClean="0"/>
+              <a:t> </a:t>
+            </a:r>
+            <a:r>
+              <a:rPr lang="en-US" dirty="0" err="1"/>
+              <a:t>OATnav</a:t>
+            </a:r>
+            <a:r>
+              <a:rPr lang="en-US" dirty="0"/>
+              <a:t> = </a:t>
+            </a:r>
+            <a:r>
+              <a:rPr lang="en-US" dirty="0" err="1"/>
+              <a:t>OATnavI</a:t>
             </a:r>
             <a:endParaRPr lang="en-US" dirty="0"/>
           </a:p>
@@ -9712,14 +9405,14 @@
       </p:sp>
       <p:cxnSp>
         <p:nvCxnSpPr>
-          <p:cNvPr id="5" name="Straight Arrow Connector 4"/>
+          <p:cNvPr id="8" name="Straight Arrow Connector 7"/>
           <p:cNvCxnSpPr/>
           <p:nvPr/>
         </p:nvCxnSpPr>
         <p:spPr>
-          <a:xfrm flipV="1">
-            <a:off x="990600" y="3733800"/>
-            <a:ext cx="0" cy="533400"/>
+          <a:xfrm flipH="1" flipV="1">
+            <a:off x="378315" y="3728495"/>
+            <a:ext cx="1295400" cy="832289"/>
           </a:xfrm>
           <a:prstGeom prst="straightConnector1">
             <a:avLst/>
@@ -9745,121 +9438,21 @@
       </p:cxnSp>
       <p:sp>
         <p:nvSpPr>
-          <p:cNvPr id="4" name="Rectangle 3"/>
+          <p:cNvPr id="10" name="Rectangle 9"/>
           <p:cNvSpPr/>
           <p:nvPr/>
         </p:nvSpPr>
         <p:spPr>
           <a:xfrm>
-            <a:off x="914400" y="2533471"/>
-            <a:ext cx="4572000" cy="1200329"/>
+            <a:off x="80732" y="2015364"/>
+            <a:ext cx="3636060" cy="646331"/>
           </a:xfrm>
           <a:prstGeom prst="rect">
             <a:avLst/>
           </a:prstGeom>
-          <a:ln>
+          <a:ln w="6350">
             <a:solidFill>
-              <a:schemeClr val="accent1"/>
-            </a:solidFill>
-          </a:ln>
-        </p:spPr>
-        <p:txBody>
-          <a:bodyPr>
-            <a:spAutoFit/>
-          </a:bodyPr>
-          <a:lstStyle/>
-          <a:p>
-            <a:r>
-              <a:rPr lang="en-US" dirty="0"/>
-              <a:t> </a:t>
-            </a:r>
-            <a:r>
-              <a:rPr lang="en-US" dirty="0" err="1" smtClean="0"/>
-              <a:t>MTPbin:MapTAtoOB</a:t>
-            </a:r>
-            <a:endParaRPr lang="en-US" dirty="0" smtClean="0"/>
-          </a:p>
-          <a:p>
-            <a:r>
-              <a:rPr lang="en-US" dirty="0" smtClean="0"/>
-              <a:t> For </a:t>
-            </a:r>
-            <a:r>
-              <a:rPr lang="en-US" dirty="0"/>
-              <a:t>j = 1 To 10: </a:t>
-            </a:r>
-            <a:r>
-              <a:rPr lang="en-US" dirty="0" err="1"/>
-              <a:t>ob</a:t>
-            </a:r>
-            <a:r>
-              <a:rPr lang="en-US" dirty="0"/>
-              <a:t>(j) = TA(1, j): Next j</a:t>
-            </a:r>
-          </a:p>
-          <a:p>
-            <a:r>
-              <a:rPr lang="en-US" dirty="0"/>
-              <a:t> </a:t>
-            </a:r>
-            <a:r>
-              <a:rPr lang="en-US" dirty="0" smtClean="0"/>
-              <a:t>For </a:t>
-            </a:r>
-            <a:r>
-              <a:rPr lang="en-US" dirty="0"/>
-              <a:t>j = 1 To 10: </a:t>
-            </a:r>
-            <a:r>
-              <a:rPr lang="en-US" dirty="0" err="1"/>
-              <a:t>ob</a:t>
-            </a:r>
-            <a:r>
-              <a:rPr lang="en-US" dirty="0"/>
-              <a:t>(10 + j) = TA(2, j): Next j</a:t>
-            </a:r>
-          </a:p>
-          <a:p>
-            <a:r>
-              <a:rPr lang="en-US" dirty="0"/>
-              <a:t> </a:t>
-            </a:r>
-            <a:r>
-              <a:rPr lang="en-US" dirty="0" smtClean="0"/>
-              <a:t>For </a:t>
-            </a:r>
-            <a:r>
-              <a:rPr lang="en-US" dirty="0"/>
-              <a:t>j = 1 To 10: </a:t>
-            </a:r>
-            <a:r>
-              <a:rPr lang="en-US" dirty="0" err="1"/>
-              <a:t>ob</a:t>
-            </a:r>
-            <a:r>
-              <a:rPr lang="en-US" dirty="0"/>
-              <a:t>(20 + j) = TA(3, j): Next j</a:t>
-            </a:r>
-          </a:p>
-        </p:txBody>
-      </p:sp>
-      <p:sp>
-        <p:nvSpPr>
-          <p:cNvPr id="8" name="Rectangle 7"/>
-          <p:cNvSpPr/>
-          <p:nvPr/>
-        </p:nvSpPr>
-        <p:spPr>
-          <a:xfrm>
-            <a:off x="932880" y="1295400"/>
-            <a:ext cx="5839932" cy="923330"/>
-          </a:xfrm>
-          <a:prstGeom prst="rect">
-            <a:avLst/>
-          </a:prstGeom>
-          <a:ln>
-            <a:solidFill>
-              <a:schemeClr val="accent1"/>
+              <a:schemeClr val="tx1"/>
             </a:solidFill>
           </a:ln>
         </p:spPr>
@@ -9870,115 +9463,49 @@
           <a:lstStyle/>
           <a:p>
             <a:r>
+              <a:rPr lang="en-US" dirty="0" smtClean="0"/>
+              <a:t>From </a:t>
+            </a:r>
+            <a:r>
               <a:rPr lang="en-US" dirty="0" err="1" smtClean="0"/>
-              <a:t>MTPbin</a:t>
-            </a:r>
-            <a:r>
-              <a:rPr lang="en-US" dirty="0" smtClean="0"/>
-              <a:t>::</a:t>
-            </a:r>
-            <a:r>
-              <a:rPr lang="en-US" dirty="0" err="1" smtClean="0"/>
-              <a:t>TBcalculation</a:t>
+              <a:t>MTPbin:MapDatV</a:t>
             </a:r>
             <a:endParaRPr lang="en-US" dirty="0" smtClean="0"/>
           </a:p>
           <a:p>
             <a:r>
               <a:rPr lang="en-US" dirty="0" smtClean="0"/>
-              <a:t>TA(</a:t>
-            </a:r>
-            <a:r>
-              <a:rPr lang="en-US" dirty="0" err="1" smtClean="0"/>
-              <a:t>i</a:t>
-            </a:r>
-            <a:r>
-              <a:rPr lang="en-US" dirty="0"/>
-              <a:t>, j) = OAT + (C(</a:t>
-            </a:r>
-            <a:r>
-              <a:rPr lang="en-US" dirty="0" err="1"/>
-              <a:t>i</a:t>
-            </a:r>
-            <a:r>
-              <a:rPr lang="en-US" dirty="0"/>
-              <a:t>, j) - C(</a:t>
-            </a:r>
-            <a:r>
-              <a:rPr lang="en-US" dirty="0" err="1"/>
-              <a:t>i</a:t>
-            </a:r>
-            <a:r>
-              <a:rPr lang="en-US" dirty="0"/>
-              <a:t>, </a:t>
-            </a:r>
-            <a:r>
-              <a:rPr lang="en-US" dirty="0" err="1"/>
-              <a:t>LocHor</a:t>
-            </a:r>
-            <a:r>
-              <a:rPr lang="en-US" dirty="0"/>
-              <a:t>)) / g(</a:t>
-            </a:r>
-            <a:r>
-              <a:rPr lang="en-US" dirty="0" err="1"/>
-              <a:t>i</a:t>
-            </a:r>
-            <a:r>
-              <a:rPr lang="en-US" dirty="0" smtClean="0"/>
-              <a:t>)</a:t>
-            </a:r>
-          </a:p>
-          <a:p>
-            <a:r>
-              <a:rPr lang="en-US" dirty="0"/>
-              <a:t>TA(</a:t>
-            </a:r>
-            <a:r>
-              <a:rPr lang="en-US" dirty="0" err="1"/>
-              <a:t>i</a:t>
-            </a:r>
-            <a:r>
-              <a:rPr lang="en-US" dirty="0"/>
-              <a:t>, j) = TA(</a:t>
-            </a:r>
-            <a:r>
-              <a:rPr lang="en-US" dirty="0" err="1"/>
-              <a:t>i</a:t>
-            </a:r>
-            <a:r>
-              <a:rPr lang="en-US" dirty="0"/>
-              <a:t>, j) + </a:t>
-            </a:r>
-            <a:r>
-              <a:rPr lang="en-US" dirty="0" err="1"/>
-              <a:t>WINcor</a:t>
-            </a:r>
-            <a:r>
-              <a:rPr lang="en-US" dirty="0"/>
-              <a:t>(</a:t>
-            </a:r>
-            <a:r>
-              <a:rPr lang="en-US" dirty="0" err="1"/>
-              <a:t>i</a:t>
-            </a:r>
-            <a:r>
-              <a:rPr lang="en-US" dirty="0"/>
-              <a:t>, j)   'ADD window correction table</a:t>
+              <a:t> </a:t>
+            </a:r>
+            <a:r>
+              <a:rPr lang="en-US" dirty="0" err="1"/>
+              <a:t>OATnavI</a:t>
+            </a:r>
+            <a:r>
+              <a:rPr lang="en-US" dirty="0"/>
+              <a:t> = </a:t>
+            </a:r>
+            <a:r>
+              <a:rPr lang="en-US" dirty="0" err="1"/>
+              <a:t>OATnI</a:t>
+            </a:r>
+            <a:r>
+              <a:rPr lang="en-US" dirty="0"/>
+              <a:t> + 273.15                'K</a:t>
             </a:r>
           </a:p>
         </p:txBody>
       </p:sp>
       <p:cxnSp>
         <p:nvCxnSpPr>
-          <p:cNvPr id="10" name="Straight Arrow Connector 9"/>
+          <p:cNvPr id="11" name="Straight Arrow Connector 10"/>
           <p:cNvCxnSpPr/>
           <p:nvPr/>
         </p:nvCxnSpPr>
         <p:spPr>
           <a:xfrm flipH="1" flipV="1">
-            <a:off x="2012914" y="533400"/>
-            <a:ext cx="1" cy="1143000"/>
+            <a:off x="371896" y="2661695"/>
+            <a:ext cx="1295400" cy="832289"/>
           </a:xfrm>
           <a:prstGeom prst="straightConnector1">
             <a:avLst/>
@@ -10002,6 +9529,78 @@
           </a:fontRef>
         </p:style>
       </p:cxnSp>
+      <p:sp>
+        <p:nvSpPr>
+          <p:cNvPr id="12" name="Rectangle 11"/>
+          <p:cNvSpPr/>
+          <p:nvPr/>
+        </p:nvSpPr>
+        <p:spPr>
+          <a:xfrm>
+            <a:off x="80732" y="1088494"/>
+            <a:ext cx="3287951" cy="646331"/>
+          </a:xfrm>
+          <a:prstGeom prst="rect">
+            <a:avLst/>
+          </a:prstGeom>
+          <a:ln w="6350">
+            <a:solidFill>
+              <a:schemeClr val="tx1"/>
+            </a:solidFill>
+          </a:ln>
+        </p:spPr>
+        <p:txBody>
+          <a:bodyPr wrap="none">
+            <a:spAutoFit/>
+          </a:bodyPr>
+          <a:lstStyle/>
+          <a:p>
+            <a:r>
+              <a:rPr lang="en-US" dirty="0" smtClean="0"/>
+              <a:t>From </a:t>
+            </a:r>
+            <a:r>
+              <a:rPr lang="en-US" dirty="0" err="1" smtClean="0"/>
+              <a:t>MTPbin:mapDatV</a:t>
+            </a:r>
+            <a:endParaRPr lang="en-US" dirty="0" smtClean="0"/>
+          </a:p>
+          <a:p>
+            <a:r>
+              <a:rPr lang="en-US" dirty="0" smtClean="0"/>
+              <a:t>Case </a:t>
+            </a:r>
+            <a:r>
+              <a:rPr lang="en-US" dirty="0"/>
+              <a:t>(20): </a:t>
+            </a:r>
+            <a:r>
+              <a:rPr lang="en-US" dirty="0" err="1"/>
+              <a:t>OATnI</a:t>
+            </a:r>
+            <a:r>
+              <a:rPr lang="en-US" dirty="0"/>
+              <a:t> = </a:t>
+            </a:r>
+            <a:r>
+              <a:rPr lang="en-US" dirty="0" err="1"/>
+              <a:t>DatV</a:t>
+            </a:r>
+            <a:r>
+              <a:rPr lang="en-US" dirty="0"/>
+              <a:t>(</a:t>
+            </a:r>
+            <a:r>
+              <a:rPr lang="en-US" dirty="0" err="1"/>
+              <a:t>i</a:t>
+            </a:r>
+            <a:r>
+              <a:rPr lang="en-US" dirty="0"/>
+              <a:t>)          'C</a:t>
+            </a:r>
+          </a:p>
+        </p:txBody>
+      </p:sp>
       <p:cxnSp>
         <p:nvCxnSpPr>
           <p:cNvPr id="13" name="Straight Arrow Connector 12"/>
@@ -10010,43 +9609,8 @@
         </p:nvCxnSpPr>
         <p:spPr>
           <a:xfrm flipH="1" flipV="1">
-            <a:off x="1219200" y="2286000"/>
-            <a:ext cx="2160069" cy="762000"/>
-          </a:xfrm>
-          <a:prstGeom prst="straightConnector1">
-            <a:avLst/>
-          </a:prstGeom>
-          <a:ln>
-            <a:tailEnd type="arrow"/>
-          </a:ln>
-        </p:spPr>
-        <p:style>
-          <a:lnRef idx="1">
-            <a:schemeClr val="accent1"/>
-          </a:lnRef>
-          <a:fillRef idx="0">
-            <a:schemeClr val="accent1"/>
-          </a:fillRef>
-          <a:effectRef idx="0">
-            <a:schemeClr val="accent1"/>
-          </a:effectRef>
-          <a:fontRef idx="minor">
-            <a:schemeClr val="tx1"/>
-          </a:fontRef>
-        </p:style>
-      </p:cxnSp>
-      <p:cxnSp>
-        <p:nvCxnSpPr>
-          <p:cNvPr id="15" name="Straight Arrow Connector 14"/>
-          <p:cNvCxnSpPr>
-            <a:endCxn id="12" idx="1"/>
-          </p:cNvCxnSpPr>
-          <p:nvPr/>
-        </p:nvCxnSpPr>
-        <p:spPr>
-          <a:xfrm flipH="1" flipV="1">
-            <a:off x="2484189" y="184666"/>
-            <a:ext cx="259013" cy="1482942"/>
+            <a:off x="1416470" y="1734825"/>
+            <a:ext cx="28643" cy="696684"/>
           </a:xfrm>
           <a:prstGeom prst="straightConnector1">
             <a:avLst/>
@@ -10073,15 +9637,13 @@
       <p:cxnSp>
         <p:nvCxnSpPr>
           <p:cNvPr id="16" name="Straight Arrow Connector 15"/>
-          <p:cNvCxnSpPr>
-            <a:endCxn id="2" idx="1"/>
-          </p:cNvCxnSpPr>
+          <p:cNvCxnSpPr/>
           <p:nvPr/>
         </p:nvCxnSpPr>
         <p:spPr>
           <a:xfrm flipH="1" flipV="1">
-            <a:off x="2923566" y="603473"/>
-            <a:ext cx="66886" cy="1269262"/>
+            <a:off x="371896" y="398320"/>
+            <a:ext cx="1692274" cy="1106319"/>
           </a:xfrm>
           <a:prstGeom prst="straightConnector1">
             <a:avLst/>
@@ -10105,6 +9667,51 @@
           </a:fontRef>
         </p:style>
       </p:cxnSp>
+      <p:sp>
+        <p:nvSpPr>
+          <p:cNvPr id="17" name="TextBox 16"/>
+          <p:cNvSpPr txBox="1"/>
+          <p:nvPr/>
+        </p:nvSpPr>
+        <p:spPr>
+          <a:xfrm>
+            <a:off x="216245" y="197223"/>
+            <a:ext cx="3566233" cy="646331"/>
+          </a:xfrm>
+          <a:prstGeom prst="rect">
+            <a:avLst/>
+          </a:prstGeom>
+          <a:noFill/>
+          <a:ln w="6350">
+            <a:solidFill>
+              <a:schemeClr val="tx1"/>
+            </a:solidFill>
+          </a:ln>
+        </p:spPr>
+        <p:txBody>
+          <a:bodyPr wrap="none" rtlCol="0">
+            <a:spAutoFit/>
+          </a:bodyPr>
+          <a:lstStyle/>
+          <a:p>
+            <a:r>
+              <a:rPr lang="en-US" dirty="0" smtClean="0"/>
+              <a:t>Ambient Temperature from IWG1 at</a:t>
+            </a:r>
+          </a:p>
+          <a:p>
+            <a:r>
+              <a:rPr lang="en-US" dirty="0"/>
+              <a:t> </a:t>
+            </a:r>
+            <a:r>
+              <a:rPr lang="en-US" dirty="0" smtClean="0"/>
+              <a:t> time of scan</a:t>
+            </a:r>
+            <a:endParaRPr lang="en-US" dirty="0"/>
+          </a:p>
+        </p:txBody>
+      </p:sp>
       <p:cxnSp>
         <p:nvCxnSpPr>
           <p:cNvPr id="18" name="Straight Arrow Connector 17"/>
@@ -10112,9 +9719,9 @@
           <p:nvPr/>
         </p:nvCxnSpPr>
         <p:spPr>
-          <a:xfrm flipV="1">
-            <a:off x="4601300" y="1104900"/>
-            <a:ext cx="0" cy="713294"/>
+          <a:xfrm flipH="1" flipV="1">
+            <a:off x="4114800" y="951479"/>
+            <a:ext cx="1385428" cy="5556341"/>
           </a:xfrm>
           <a:prstGeom prst="straightConnector1">
             <a:avLst/>
@@ -10140,72 +9747,14 @@
       </p:cxnSp>
       <p:sp>
         <p:nvSpPr>
-          <p:cNvPr id="14" name="TextBox 13"/>
-          <p:cNvSpPr txBox="1"/>
+          <p:cNvPr id="20" name="Rectangle 19"/>
+          <p:cNvSpPr/>
           <p:nvPr/>
         </p:nvSpPr>
         <p:spPr>
           <a:xfrm>
-            <a:off x="8715529" y="0"/>
-            <a:ext cx="418704" cy="369332"/>
-          </a:xfrm>
-          <a:prstGeom prst="rect">
-            <a:avLst/>
-          </a:prstGeom>
-          <a:noFill/>
-        </p:spPr>
-        <p:txBody>
-          <a:bodyPr wrap="none" rtlCol="0">
-            <a:spAutoFit/>
-          </a:bodyPr>
-          <a:lstStyle/>
-          <a:p>
-            <a:r>
-              <a:rPr lang="en-US" dirty="0" smtClean="0"/>
-              <a:t>22</a:t>
-            </a:r>
-          </a:p>
-        </p:txBody>
-      </p:sp>
-      <p:sp>
-        <p:nvSpPr>
-          <p:cNvPr id="17" name="TextBox 16"/>
-          <p:cNvSpPr txBox="1"/>
-          <p:nvPr/>
-        </p:nvSpPr>
-        <p:spPr>
-          <a:xfrm>
-            <a:off x="1803562" y="184666"/>
-            <a:ext cx="418704" cy="369332"/>
-          </a:xfrm>
-          <a:prstGeom prst="rect">
-            <a:avLst/>
-          </a:prstGeom>
-          <a:noFill/>
-        </p:spPr>
-        <p:txBody>
-          <a:bodyPr wrap="none" rtlCol="0">
-            <a:spAutoFit/>
-          </a:bodyPr>
-          <a:lstStyle/>
-          <a:p>
-            <a:r>
-              <a:rPr lang="en-US" dirty="0" smtClean="0"/>
-              <a:t>21</a:t>
-            </a:r>
-          </a:p>
-        </p:txBody>
-      </p:sp>
-      <p:sp>
-        <p:nvSpPr>
-          <p:cNvPr id="12" name="TextBox 11"/>
-          <p:cNvSpPr txBox="1"/>
-          <p:nvPr/>
-        </p:nvSpPr>
-        <p:spPr>
-          <a:xfrm>
-            <a:off x="2484189" y="0"/>
-            <a:ext cx="2925994" cy="369332"/>
+            <a:off x="3891746" y="590466"/>
+            <a:ext cx="5110163" cy="3970318"/>
           </a:xfrm>
           <a:prstGeom prst="rect">
             <a:avLst/>
@@ -10218,95 +9767,171 @@
           </a:ln>
         </p:spPr>
         <p:txBody>
-          <a:bodyPr wrap="none" rtlCol="0">
+          <a:bodyPr wrap="square">
             <a:spAutoFit/>
           </a:bodyPr>
           <a:lstStyle/>
           <a:p>
             <a:r>
               <a:rPr lang="en-US" dirty="0" smtClean="0"/>
-              <a:t>Counts in channel (</a:t>
+              <a:t>From file: MTP\Data\{</a:t>
             </a:r>
             <a:r>
               <a:rPr lang="en-US" dirty="0" err="1" smtClean="0"/>
-              <a:t>i</a:t>
-            </a:r>
-            <a:r>
-              <a:rPr lang="en-US" dirty="0" smtClean="0"/>
-              <a:t>) angle (j)</a:t>
-            </a:r>
+              <a:t>proj</a:t>
+            </a:r>
+            <a:r>
+              <a:rPr lang="en-US" dirty="0" smtClean="0"/>
+              <a:t>}\{</a:t>
+            </a:r>
+            <a:r>
+              <a:rPr lang="en-US" dirty="0" err="1" smtClean="0"/>
+              <a:t>fltdate</a:t>
+            </a:r>
+            <a:r>
+              <a:rPr lang="en-US" dirty="0" smtClean="0"/>
+              <a:t>}\NG{</a:t>
+            </a:r>
+            <a:r>
+              <a:rPr lang="en-US" dirty="0" err="1" smtClean="0"/>
+              <a:t>fltdate</a:t>
+            </a:r>
+            <a:r>
+              <a:rPr lang="en-US" dirty="0" smtClean="0"/>
+              <a:t>}.REF</a:t>
+            </a:r>
+          </a:p>
+          <a:p>
+            <a:r>
+              <a:rPr lang="en-US" dirty="0" err="1" smtClean="0"/>
+              <a:t>aNAVoffset</a:t>
+            </a:r>
+            <a:r>
+              <a:rPr lang="en-US" dirty="0" smtClean="0"/>
+              <a:t>(0 </a:t>
+            </a:r>
+            <a:r>
+              <a:rPr lang="en-US" dirty="0"/>
+              <a:t>To 3) As Single       'OAT cycle </a:t>
+            </a:r>
+            <a:r>
+              <a:rPr lang="en-US" dirty="0" smtClean="0"/>
+              <a:t>shift</a:t>
+            </a:r>
+          </a:p>
+          <a:p>
             <a:endParaRPr lang="en-US" dirty="0"/>
           </a:p>
-        </p:txBody>
-      </p:sp>
-      <p:sp>
-        <p:nvSpPr>
-          <p:cNvPr id="2" name="TextBox 1"/>
-          <p:cNvSpPr txBox="1"/>
-          <p:nvPr/>
-        </p:nvSpPr>
+          <a:p>
+            <a:r>
+              <a:rPr lang="en-US" dirty="0" smtClean="0"/>
+              <a:t>Always uses the average ~ (-0.14 to -0.18)</a:t>
+            </a:r>
+          </a:p>
+          <a:p>
+            <a:r>
+              <a:rPr lang="en-US" dirty="0"/>
+              <a:t> </a:t>
+            </a:r>
+            <a:r>
+              <a:rPr lang="en-US" dirty="0" smtClean="0"/>
+              <a:t>- gives Temp 13-15 seconds “ahead” of plane</a:t>
+            </a:r>
+          </a:p>
+          <a:p>
+            <a:r>
+              <a:rPr lang="en-US" dirty="0"/>
+              <a:t> </a:t>
+            </a:r>
+            <a:r>
+              <a:rPr lang="en-US" dirty="0" smtClean="0"/>
+              <a:t>  * at 295 m/s = ~4km</a:t>
+            </a:r>
+          </a:p>
+          <a:p>
+            <a:endParaRPr lang="en-US" dirty="0"/>
+          </a:p>
+          <a:p>
+            <a:r>
+              <a:rPr lang="en-US" dirty="0" smtClean="0"/>
+              <a:t>Odd that the individual channels seem to range </a:t>
+            </a:r>
+          </a:p>
+          <a:p>
+            <a:r>
+              <a:rPr lang="en-US" dirty="0" smtClean="0"/>
+              <a:t>From -0.1 to -0.2 meaning that they range in </a:t>
+            </a:r>
+          </a:p>
+          <a:p>
+            <a:r>
+              <a:rPr lang="en-US" dirty="0" smtClean="0"/>
+              <a:t>Distance 4.5km to  4.0km  thought that they were </a:t>
+            </a:r>
+          </a:p>
+          <a:p>
+            <a:r>
+              <a:rPr lang="en-US" dirty="0" smtClean="0"/>
+              <a:t>Larger range than that…</a:t>
+            </a:r>
+          </a:p>
+          <a:p>
+            <a:endParaRPr lang="en-US" dirty="0"/>
+          </a:p>
+          <a:p>
+            <a:r>
+              <a:rPr lang="en-US" dirty="0" smtClean="0"/>
+              <a:t>Seems like we want to pick a second.  And have OAT </a:t>
+            </a:r>
+          </a:p>
+          <a:p>
+            <a:r>
+              <a:rPr lang="en-US" dirty="0" smtClean="0"/>
+              <a:t>On a per channel basis!</a:t>
+            </a:r>
+            <a:endParaRPr lang="en-US" dirty="0"/>
+          </a:p>
+        </p:txBody>
+      </p:sp>
+      <p:cxnSp>
+        <p:nvCxnSpPr>
+          <p:cNvPr id="22" name="Straight Connector 21"/>
+          <p:cNvCxnSpPr/>
+          <p:nvPr/>
+        </p:nvCxnSpPr>
         <p:spPr>
           <a:xfrm>
-            <a:off x="2923566" y="418807"/>
-            <a:ext cx="5781583" cy="369332"/>
-          </a:xfrm>
-          <a:prstGeom prst="rect">
-            <a:avLst/>
-          </a:prstGeom>
-          <a:noFill/>
-          <a:ln w="6350">
+            <a:off x="3841970" y="105188"/>
+            <a:ext cx="0" cy="4953000"/>
+          </a:xfrm>
+          <a:prstGeom prst="line">
+            <a:avLst/>
+          </a:prstGeom>
+          <a:ln w="25400">
             <a:solidFill>
               <a:schemeClr val="tx1"/>
             </a:solidFill>
           </a:ln>
         </p:spPr>
-        <p:txBody>
-          <a:bodyPr wrap="none" rtlCol="0">
-            <a:spAutoFit/>
-          </a:bodyPr>
-          <a:lstStyle/>
-          <a:p>
-            <a:r>
-              <a:rPr lang="en-US" dirty="0" smtClean="0"/>
-              <a:t>From REF: Determined using spreadsheets late in processing</a:t>
-            </a:r>
-            <a:endParaRPr lang="en-US" dirty="0"/>
-          </a:p>
-        </p:txBody>
-      </p:sp>
-      <p:sp>
-        <p:nvSpPr>
-          <p:cNvPr id="20" name="TextBox 19"/>
-          <p:cNvSpPr txBox="1"/>
-          <p:nvPr/>
-        </p:nvSpPr>
-        <p:spPr>
-          <a:xfrm>
-            <a:off x="4391948" y="801648"/>
-            <a:ext cx="418704" cy="369332"/>
-          </a:xfrm>
-          <a:prstGeom prst="rect">
-            <a:avLst/>
-          </a:prstGeom>
-          <a:noFill/>
-        </p:spPr>
-        <p:txBody>
-          <a:bodyPr wrap="none" rtlCol="0">
-            <a:spAutoFit/>
-          </a:bodyPr>
-          <a:lstStyle/>
-          <a:p>
-            <a:r>
-              <a:rPr lang="en-US" dirty="0" smtClean="0"/>
-              <a:t>16</a:t>
-            </a:r>
-          </a:p>
-        </p:txBody>
-      </p:sp>
+        <p:style>
+          <a:lnRef idx="1">
+            <a:schemeClr val="accent1"/>
+          </a:lnRef>
+          <a:fillRef idx="0">
+            <a:schemeClr val="accent1"/>
+          </a:fillRef>
+          <a:effectRef idx="0">
+            <a:schemeClr val="accent1"/>
+          </a:effectRef>
+          <a:fontRef idx="minor">
+            <a:schemeClr val="tx1"/>
+          </a:fontRef>
+        </p:style>
+      </p:cxnSp>
     </p:spTree>
     <p:extLst>
       <p:ext uri="{BB962C8B-B14F-4D97-AF65-F5344CB8AC3E}">
-        <p14:creationId xmlns:p14="http://schemas.microsoft.com/office/powerpoint/2010/main" val="203502933"/>
+        <p14:creationId xmlns:p14="http://schemas.microsoft.com/office/powerpoint/2010/main" val="4251674582"/>
       </p:ext>
     </p:extLst>
   </p:cSld>
@@ -10348,7 +9973,7 @@
         </p:nvSpPr>
         <p:spPr>
           <a:xfrm>
-            <a:off x="228599" y="4724400"/>
+            <a:off x="228599" y="4826675"/>
             <a:ext cx="8874352" cy="2031325"/>
           </a:xfrm>
           <a:prstGeom prst="rect">
@@ -10412,8 +10037,13 @@
           <a:p>
             <a:r>
               <a:rPr lang="en-US" dirty="0"/>
-              <a:t>    For j = 1 To Nobs</a:t>
-            </a:r>
+              <a:t>    For j = 1 To </a:t>
+            </a:r>
+            <a:r>
+              <a:rPr lang="en-US" dirty="0" smtClean="0"/>
+              <a:t>Nobs     ‘(30)</a:t>
+            </a:r>
+            <a:endParaRPr lang="en-US" dirty="0"/>
           </a:p>
           <a:p>
             <a:r>
@@ -10476,83 +10106,80 @@
           </a:p>
         </p:txBody>
       </p:sp>
-      <p:sp>
-        <p:nvSpPr>
-          <p:cNvPr id="2" name="Rectangle 1"/>
-          <p:cNvSpPr/>
+      <p:cxnSp>
+        <p:nvCxnSpPr>
+          <p:cNvPr id="6" name="Straight Arrow Connector 5"/>
+          <p:cNvCxnSpPr/>
+          <p:nvPr/>
+        </p:nvCxnSpPr>
+        <p:spPr>
+          <a:xfrm flipH="1" flipV="1">
+            <a:off x="990600" y="4325999"/>
+            <a:ext cx="2133600" cy="1676400"/>
+          </a:xfrm>
+          <a:prstGeom prst="straightConnector1">
+            <a:avLst/>
+          </a:prstGeom>
+          <a:ln>
+            <a:tailEnd type="arrow"/>
+          </a:ln>
+        </p:spPr>
+        <p:style>
+          <a:lnRef idx="1">
+            <a:schemeClr val="accent1"/>
+          </a:lnRef>
+          <a:fillRef idx="0">
+            <a:schemeClr val="accent1"/>
+          </a:fillRef>
+          <a:effectRef idx="0">
+            <a:schemeClr val="accent1"/>
+          </a:effectRef>
+          <a:fontRef idx="minor">
+            <a:schemeClr val="tx1"/>
+          </a:fontRef>
+        </p:style>
+      </p:cxnSp>
+      <p:sp>
+        <p:nvSpPr>
+          <p:cNvPr id="9" name="TextBox 8"/>
+          <p:cNvSpPr txBox="1"/>
           <p:nvPr/>
         </p:nvSpPr>
         <p:spPr>
           <a:xfrm>
-            <a:off x="838200" y="3481667"/>
-            <a:ext cx="7010400" cy="369332"/>
+            <a:off x="990600" y="4141333"/>
+            <a:ext cx="6767687" cy="369332"/>
           </a:xfrm>
           <a:prstGeom prst="rect">
             <a:avLst/>
           </a:prstGeom>
-          <a:ln w="6350">
-            <a:solidFill>
-              <a:srgbClr val="0070C0"/>
-            </a:solidFill>
-          </a:ln>
-        </p:spPr>
-        <p:txBody>
-          <a:bodyPr wrap="square">
+          <a:noFill/>
+        </p:spPr>
+        <p:txBody>
+          <a:bodyPr wrap="none" rtlCol="0">
             <a:spAutoFit/>
           </a:bodyPr>
           <a:lstStyle/>
           <a:p>
             <a:r>
-              <a:rPr lang="en-US" dirty="0" err="1"/>
-              <a:t>TAAi</a:t>
-            </a:r>
-            <a:r>
-              <a:rPr lang="en-US" dirty="0"/>
-              <a:t>(L) = </a:t>
-            </a:r>
-            <a:r>
-              <a:rPr lang="en-US" dirty="0" err="1"/>
-              <a:t>RTav</a:t>
-            </a:r>
-            <a:r>
-              <a:rPr lang="en-US" dirty="0"/>
-              <a:t>(Index, </a:t>
-            </a:r>
-            <a:r>
-              <a:rPr lang="en-US" dirty="0" err="1"/>
-              <a:t>iBot</a:t>
-            </a:r>
-            <a:r>
-              <a:rPr lang="en-US" dirty="0"/>
-              <a:t>, L) * </a:t>
-            </a:r>
-            <a:r>
-              <a:rPr lang="en-US" dirty="0" err="1"/>
-              <a:t>WtB</a:t>
-            </a:r>
-            <a:r>
-              <a:rPr lang="en-US" dirty="0"/>
-              <a:t> + </a:t>
-            </a:r>
-            <a:r>
-              <a:rPr lang="en-US" dirty="0" err="1"/>
-              <a:t>RTav</a:t>
-            </a:r>
-            <a:r>
-              <a:rPr lang="en-US" dirty="0"/>
-              <a:t>(Index, </a:t>
-            </a:r>
-            <a:r>
-              <a:rPr lang="en-US" dirty="0" err="1"/>
-              <a:t>iTop</a:t>
-            </a:r>
-            <a:r>
-              <a:rPr lang="en-US" dirty="0"/>
-              <a:t>, L) * </a:t>
-            </a:r>
-            <a:r>
-              <a:rPr lang="en-US" dirty="0" err="1"/>
-              <a:t>WtT</a:t>
+              <a:rPr lang="en-US" dirty="0" smtClean="0"/>
+              <a:t>33 element array : </a:t>
+            </a:r>
+            <a:r>
+              <a:rPr lang="en-US" dirty="0" err="1" smtClean="0"/>
+              <a:t>ob</a:t>
+            </a:r>
+            <a:r>
+              <a:rPr lang="en-US" dirty="0" smtClean="0"/>
+              <a:t>(0) = PALT, </a:t>
+            </a:r>
+            <a:r>
+              <a:rPr lang="en-US" dirty="0" err="1" smtClean="0"/>
+              <a:t>ob</a:t>
+            </a:r>
+            <a:r>
+              <a:rPr lang="en-US" dirty="0" smtClean="0"/>
+              <a:t>(1-10 Ch1, 11-20 Ch2, 21-30 Ch3)</a:t>
             </a:r>
             <a:endParaRPr lang="en-US" dirty="0"/>
           </a:p>
@@ -10565,9 +10192,268 @@
           <p:nvPr/>
         </p:nvCxnSpPr>
         <p:spPr>
+          <a:xfrm flipV="1">
+            <a:off x="990600" y="3733800"/>
+            <a:ext cx="0" cy="533400"/>
+          </a:xfrm>
+          <a:prstGeom prst="straightConnector1">
+            <a:avLst/>
+          </a:prstGeom>
+          <a:ln>
+            <a:tailEnd type="arrow"/>
+          </a:ln>
+        </p:spPr>
+        <p:style>
+          <a:lnRef idx="1">
+            <a:schemeClr val="accent1"/>
+          </a:lnRef>
+          <a:fillRef idx="0">
+            <a:schemeClr val="accent1"/>
+          </a:fillRef>
+          <a:effectRef idx="0">
+            <a:schemeClr val="accent1"/>
+          </a:effectRef>
+          <a:fontRef idx="minor">
+            <a:schemeClr val="tx1"/>
+          </a:fontRef>
+        </p:style>
+      </p:cxnSp>
+      <p:sp>
+        <p:nvSpPr>
+          <p:cNvPr id="4" name="Rectangle 3"/>
+          <p:cNvSpPr/>
+          <p:nvPr/>
+        </p:nvSpPr>
+        <p:spPr>
+          <a:xfrm>
+            <a:off x="914400" y="2533471"/>
+            <a:ext cx="4572000" cy="1200329"/>
+          </a:xfrm>
+          <a:prstGeom prst="rect">
+            <a:avLst/>
+          </a:prstGeom>
+          <a:ln>
+            <a:solidFill>
+              <a:schemeClr val="accent1"/>
+            </a:solidFill>
+          </a:ln>
+        </p:spPr>
+        <p:txBody>
+          <a:bodyPr>
+            <a:spAutoFit/>
+          </a:bodyPr>
+          <a:lstStyle/>
+          <a:p>
+            <a:r>
+              <a:rPr lang="en-US" dirty="0"/>
+              <a:t> </a:t>
+            </a:r>
+            <a:r>
+              <a:rPr lang="en-US" dirty="0" err="1" smtClean="0"/>
+              <a:t>MTPbin:MapTAtoOB</a:t>
+            </a:r>
+            <a:endParaRPr lang="en-US" dirty="0" smtClean="0"/>
+          </a:p>
+          <a:p>
+            <a:r>
+              <a:rPr lang="en-US" dirty="0" smtClean="0"/>
+              <a:t> For </a:t>
+            </a:r>
+            <a:r>
+              <a:rPr lang="en-US" dirty="0"/>
+              <a:t>j = 1 To 10: </a:t>
+            </a:r>
+            <a:r>
+              <a:rPr lang="en-US" dirty="0" err="1"/>
+              <a:t>ob</a:t>
+            </a:r>
+            <a:r>
+              <a:rPr lang="en-US" dirty="0"/>
+              <a:t>(j) = TA(1, j): Next j</a:t>
+            </a:r>
+          </a:p>
+          <a:p>
+            <a:r>
+              <a:rPr lang="en-US" dirty="0"/>
+              <a:t> </a:t>
+            </a:r>
+            <a:r>
+              <a:rPr lang="en-US" dirty="0" smtClean="0"/>
+              <a:t>For </a:t>
+            </a:r>
+            <a:r>
+              <a:rPr lang="en-US" dirty="0"/>
+              <a:t>j = 1 To 10: </a:t>
+            </a:r>
+            <a:r>
+              <a:rPr lang="en-US" dirty="0" err="1"/>
+              <a:t>ob</a:t>
+            </a:r>
+            <a:r>
+              <a:rPr lang="en-US" dirty="0"/>
+              <a:t>(10 + j) = TA(2, j): Next j</a:t>
+            </a:r>
+          </a:p>
+          <a:p>
+            <a:r>
+              <a:rPr lang="en-US" dirty="0"/>
+              <a:t> </a:t>
+            </a:r>
+            <a:r>
+              <a:rPr lang="en-US" dirty="0" smtClean="0"/>
+              <a:t>For </a:t>
+            </a:r>
+            <a:r>
+              <a:rPr lang="en-US" dirty="0"/>
+              <a:t>j = 1 To 10: </a:t>
+            </a:r>
+            <a:r>
+              <a:rPr lang="en-US" dirty="0" err="1"/>
+              <a:t>ob</a:t>
+            </a:r>
+            <a:r>
+              <a:rPr lang="en-US" dirty="0"/>
+              <a:t>(20 + j) = TA(3, j): Next j</a:t>
+            </a:r>
+          </a:p>
+        </p:txBody>
+      </p:sp>
+      <p:sp>
+        <p:nvSpPr>
+          <p:cNvPr id="8" name="Rectangle 7"/>
+          <p:cNvSpPr/>
+          <p:nvPr/>
+        </p:nvSpPr>
+        <p:spPr>
+          <a:xfrm>
+            <a:off x="932880" y="1295400"/>
+            <a:ext cx="5839932" cy="923330"/>
+          </a:xfrm>
+          <a:prstGeom prst="rect">
+            <a:avLst/>
+          </a:prstGeom>
+          <a:ln>
+            <a:solidFill>
+              <a:schemeClr val="accent1"/>
+            </a:solidFill>
+          </a:ln>
+        </p:spPr>
+        <p:txBody>
+          <a:bodyPr wrap="none">
+            <a:spAutoFit/>
+          </a:bodyPr>
+          <a:lstStyle/>
+          <a:p>
+            <a:r>
+              <a:rPr lang="en-US" dirty="0" err="1" smtClean="0"/>
+              <a:t>MTPbin</a:t>
+            </a:r>
+            <a:r>
+              <a:rPr lang="en-US" dirty="0" smtClean="0"/>
+              <a:t>::</a:t>
+            </a:r>
+            <a:r>
+              <a:rPr lang="en-US" dirty="0" err="1" smtClean="0"/>
+              <a:t>TBcalculation</a:t>
+            </a:r>
+            <a:endParaRPr lang="en-US" dirty="0" smtClean="0"/>
+          </a:p>
+          <a:p>
+            <a:r>
+              <a:rPr lang="en-US" dirty="0" smtClean="0"/>
+              <a:t>TA(</a:t>
+            </a:r>
+            <a:r>
+              <a:rPr lang="en-US" dirty="0" err="1" smtClean="0"/>
+              <a:t>i</a:t>
+            </a:r>
+            <a:r>
+              <a:rPr lang="en-US" dirty="0"/>
+              <a:t>, j) = OAT + (C(</a:t>
+            </a:r>
+            <a:r>
+              <a:rPr lang="en-US" dirty="0" err="1"/>
+              <a:t>i</a:t>
+            </a:r>
+            <a:r>
+              <a:rPr lang="en-US" dirty="0"/>
+              <a:t>, j) - C(</a:t>
+            </a:r>
+            <a:r>
+              <a:rPr lang="en-US" dirty="0" err="1"/>
+              <a:t>i</a:t>
+            </a:r>
+            <a:r>
+              <a:rPr lang="en-US" dirty="0"/>
+              <a:t>, </a:t>
+            </a:r>
+            <a:r>
+              <a:rPr lang="en-US" dirty="0" err="1"/>
+              <a:t>LocHor</a:t>
+            </a:r>
+            <a:r>
+              <a:rPr lang="en-US" dirty="0"/>
+              <a:t>)) / g(</a:t>
+            </a:r>
+            <a:r>
+              <a:rPr lang="en-US" dirty="0" err="1"/>
+              <a:t>i</a:t>
+            </a:r>
+            <a:r>
+              <a:rPr lang="en-US" dirty="0" smtClean="0"/>
+              <a:t>)</a:t>
+            </a:r>
+          </a:p>
+          <a:p>
+            <a:r>
+              <a:rPr lang="en-US" dirty="0"/>
+              <a:t>TA(</a:t>
+            </a:r>
+            <a:r>
+              <a:rPr lang="en-US" dirty="0" err="1"/>
+              <a:t>i</a:t>
+            </a:r>
+            <a:r>
+              <a:rPr lang="en-US" dirty="0"/>
+              <a:t>, j) = TA(</a:t>
+            </a:r>
+            <a:r>
+              <a:rPr lang="en-US" dirty="0" err="1"/>
+              <a:t>i</a:t>
+            </a:r>
+            <a:r>
+              <a:rPr lang="en-US" dirty="0"/>
+              <a:t>, j) + </a:t>
+            </a:r>
+            <a:r>
+              <a:rPr lang="en-US" dirty="0" err="1"/>
+              <a:t>WINcor</a:t>
+            </a:r>
+            <a:r>
+              <a:rPr lang="en-US" dirty="0"/>
+              <a:t>(</a:t>
+            </a:r>
+            <a:r>
+              <a:rPr lang="en-US" dirty="0" err="1"/>
+              <a:t>i</a:t>
+            </a:r>
+            <a:r>
+              <a:rPr lang="en-US" dirty="0"/>
+              <a:t>, j)   'ADD window correction table</a:t>
+            </a:r>
+          </a:p>
+        </p:txBody>
+      </p:sp>
+      <p:cxnSp>
+        <p:nvCxnSpPr>
+          <p:cNvPr id="10" name="Straight Arrow Connector 9"/>
+          <p:cNvCxnSpPr/>
+          <p:nvPr/>
+        </p:nvCxnSpPr>
+        <p:spPr>
           <a:xfrm flipH="1" flipV="1">
-            <a:off x="1219200" y="3850999"/>
-            <a:ext cx="152400" cy="1483001"/>
+            <a:off x="2012914" y="533400"/>
+            <a:ext cx="1" cy="1143000"/>
           </a:xfrm>
           <a:prstGeom prst="straightConnector1">
             <a:avLst/>
@@ -10593,16 +10479,14 @@
       </p:cxnSp>
       <p:cxnSp>
         <p:nvCxnSpPr>
-          <p:cNvPr id="10" name="Straight Arrow Connector 9"/>
-          <p:cNvCxnSpPr>
-            <a:endCxn id="16" idx="2"/>
-          </p:cNvCxnSpPr>
+          <p:cNvPr id="13" name="Straight Arrow Connector 12"/>
+          <p:cNvCxnSpPr/>
           <p:nvPr/>
         </p:nvCxnSpPr>
         <p:spPr>
-          <a:xfrm flipV="1">
-            <a:off x="1981200" y="1629728"/>
-            <a:ext cx="579527" cy="2036606"/>
+          <a:xfrm flipH="1" flipV="1">
+            <a:off x="1219200" y="2286000"/>
+            <a:ext cx="2160069" cy="762000"/>
           </a:xfrm>
           <a:prstGeom prst="straightConnector1">
             <a:avLst/>
@@ -10628,152 +10512,16 @@
       </p:cxnSp>
       <p:cxnSp>
         <p:nvCxnSpPr>
-          <p:cNvPr id="12" name="Straight Arrow Connector 11"/>
+          <p:cNvPr id="15" name="Straight Arrow Connector 14"/>
           <p:cNvCxnSpPr>
-            <a:endCxn id="16" idx="2"/>
+            <a:endCxn id="12" idx="1"/>
           </p:cNvCxnSpPr>
           <p:nvPr/>
         </p:nvCxnSpPr>
         <p:spPr>
           <a:xfrm flipH="1" flipV="1">
-            <a:off x="2560727" y="1629728"/>
-            <a:ext cx="2105056" cy="2036606"/>
-          </a:xfrm>
-          <a:prstGeom prst="straightConnector1">
-            <a:avLst/>
-          </a:prstGeom>
-          <a:ln>
-            <a:tailEnd type="arrow"/>
-          </a:ln>
-        </p:spPr>
-        <p:style>
-          <a:lnRef idx="1">
-            <a:schemeClr val="accent1"/>
-          </a:lnRef>
-          <a:fillRef idx="0">
-            <a:schemeClr val="accent1"/>
-          </a:fillRef>
-          <a:effectRef idx="0">
-            <a:schemeClr val="accent1"/>
-          </a:effectRef>
-          <a:fontRef idx="minor">
-            <a:schemeClr val="tx1"/>
-          </a:fontRef>
-        </p:style>
-      </p:cxnSp>
-      <p:sp>
-        <p:nvSpPr>
-          <p:cNvPr id="16" name="TextBox 15"/>
-          <p:cNvSpPr txBox="1"/>
-          <p:nvPr/>
-        </p:nvSpPr>
-        <p:spPr>
-          <a:xfrm>
-            <a:off x="76200" y="152400"/>
-            <a:ext cx="4969053" cy="1477328"/>
-          </a:xfrm>
-          <a:prstGeom prst="rect">
-            <a:avLst/>
-          </a:prstGeom>
-          <a:noFill/>
-          <a:ln w="25400">
-            <a:solidFill>
-              <a:schemeClr val="tx1"/>
-            </a:solidFill>
-          </a:ln>
-        </p:spPr>
-        <p:txBody>
-          <a:bodyPr wrap="none" rtlCol="0">
-            <a:spAutoFit/>
-          </a:bodyPr>
-          <a:lstStyle/>
-          <a:p>
-            <a:r>
-              <a:rPr lang="en-US" dirty="0" smtClean="0"/>
-              <a:t>From RCF file (</a:t>
-            </a:r>
-            <a:r>
-              <a:rPr lang="en-US" dirty="0" err="1" smtClean="0"/>
-              <a:t>MTPio:Rcread</a:t>
-            </a:r>
-            <a:r>
-              <a:rPr lang="en-US" dirty="0" smtClean="0"/>
-              <a:t>)  $PROJ\RC\*.RCF</a:t>
-            </a:r>
-          </a:p>
-          <a:p>
-            <a:r>
-              <a:rPr lang="en-US" dirty="0" smtClean="0"/>
-              <a:t>– averaged Temp at retrieval level (</a:t>
-            </a:r>
-            <a:r>
-              <a:rPr lang="en-US" dirty="0" err="1" smtClean="0"/>
-              <a:t>sRT</a:t>
-            </a:r>
-            <a:r>
-              <a:rPr lang="en-US" dirty="0" err="1"/>
-              <a:t>a</a:t>
-            </a:r>
-            <a:r>
-              <a:rPr lang="en-US" dirty="0" err="1" smtClean="0"/>
-              <a:t>v</a:t>
-            </a:r>
-            <a:r>
-              <a:rPr lang="en-US" dirty="0" smtClean="0"/>
-              <a:t> see </a:t>
-            </a:r>
-            <a:r>
-              <a:rPr lang="en-US" dirty="0" err="1" smtClean="0"/>
-              <a:t>pg</a:t>
-            </a:r>
-            <a:r>
-              <a:rPr lang="en-US" dirty="0" smtClean="0"/>
-              <a:t> 24)</a:t>
-            </a:r>
-          </a:p>
-          <a:p>
-            <a:r>
-              <a:rPr lang="en-US" dirty="0" smtClean="0"/>
-              <a:t>Index = “matched” Template Index</a:t>
-            </a:r>
-          </a:p>
-          <a:p>
-            <a:r>
-              <a:rPr lang="en-US" dirty="0" err="1" smtClean="0"/>
-              <a:t>iBot</a:t>
-            </a:r>
-            <a:r>
-              <a:rPr lang="en-US" dirty="0" smtClean="0"/>
-              <a:t>/</a:t>
-            </a:r>
-            <a:r>
-              <a:rPr lang="en-US" dirty="0" err="1" smtClean="0"/>
-              <a:t>iTop</a:t>
-            </a:r>
-            <a:r>
-              <a:rPr lang="en-US" dirty="0" smtClean="0"/>
-              <a:t> = Flight level above/below aircraft (13)</a:t>
-            </a:r>
-          </a:p>
-          <a:p>
-            <a:r>
-              <a:rPr lang="en-US" dirty="0" smtClean="0"/>
-              <a:t>L = Retrieval Level (33) </a:t>
-            </a:r>
-            <a:endParaRPr lang="en-US" dirty="0"/>
-          </a:p>
-        </p:txBody>
-      </p:sp>
-      <p:cxnSp>
-        <p:nvCxnSpPr>
-          <p:cNvPr id="17" name="Straight Arrow Connector 16"/>
-          <p:cNvCxnSpPr/>
-          <p:nvPr/>
-        </p:nvCxnSpPr>
-        <p:spPr>
-          <a:xfrm flipH="1" flipV="1">
-            <a:off x="728312" y="5486400"/>
-            <a:ext cx="643288" cy="492402"/>
+            <a:off x="2484189" y="184666"/>
+            <a:ext cx="259013" cy="1482942"/>
           </a:xfrm>
           <a:prstGeom prst="straightConnector1">
             <a:avLst/>
@@ -10799,148 +10547,16 @@
       </p:cxnSp>
       <p:cxnSp>
         <p:nvCxnSpPr>
-          <p:cNvPr id="25" name="Straight Arrow Connector 24"/>
-          <p:cNvCxnSpPr/>
+          <p:cNvPr id="16" name="Straight Arrow Connector 15"/>
+          <p:cNvCxnSpPr>
+            <a:endCxn id="2" idx="1"/>
+          </p:cNvCxnSpPr>
           <p:nvPr/>
         </p:nvCxnSpPr>
         <p:spPr>
-          <a:xfrm flipV="1">
-            <a:off x="3124200" y="1295400"/>
-            <a:ext cx="2819400" cy="2370934"/>
-          </a:xfrm>
-          <a:prstGeom prst="straightConnector1">
-            <a:avLst/>
-          </a:prstGeom>
-          <a:ln>
-            <a:tailEnd type="arrow"/>
-          </a:ln>
-        </p:spPr>
-        <p:style>
-          <a:lnRef idx="1">
-            <a:schemeClr val="accent1"/>
-          </a:lnRef>
-          <a:fillRef idx="0">
-            <a:schemeClr val="accent1"/>
-          </a:fillRef>
-          <a:effectRef idx="0">
-            <a:schemeClr val="accent1"/>
-          </a:effectRef>
-          <a:fontRef idx="minor">
-            <a:schemeClr val="tx1"/>
-          </a:fontRef>
-        </p:style>
-      </p:cxnSp>
-      <p:sp>
-        <p:nvSpPr>
-          <p:cNvPr id="26" name="TextBox 25"/>
-          <p:cNvSpPr txBox="1"/>
-          <p:nvPr/>
-        </p:nvSpPr>
-        <p:spPr>
-          <a:xfrm>
-            <a:off x="5638800" y="301592"/>
-            <a:ext cx="3545522" cy="1754326"/>
-          </a:xfrm>
-          <a:prstGeom prst="rect">
-            <a:avLst/>
-          </a:prstGeom>
-          <a:noFill/>
-          <a:ln w="6350">
-            <a:solidFill>
-              <a:srgbClr val="0070C0"/>
-            </a:solidFill>
-          </a:ln>
-        </p:spPr>
-        <p:txBody>
-          <a:bodyPr wrap="none" rtlCol="0">
-            <a:spAutoFit/>
-          </a:bodyPr>
-          <a:lstStyle/>
-          <a:p>
-            <a:r>
-              <a:rPr lang="en-US" dirty="0" err="1" smtClean="0"/>
-              <a:t>MTPbin:Get_iBot_iTop</a:t>
-            </a:r>
-            <a:r>
-              <a:rPr lang="en-US" dirty="0" smtClean="0"/>
-              <a:t>(</a:t>
-            </a:r>
-            <a:r>
-              <a:rPr lang="en-US" dirty="0" err="1" smtClean="0"/>
-              <a:t>pALT</a:t>
-            </a:r>
-            <a:r>
-              <a:rPr lang="en-US" dirty="0" smtClean="0"/>
-              <a:t>)</a:t>
-            </a:r>
-          </a:p>
-          <a:p>
-            <a:r>
-              <a:rPr lang="en-US" dirty="0"/>
-              <a:t>Based on Pressure </a:t>
-            </a:r>
-            <a:r>
-              <a:rPr lang="en-US" dirty="0" smtClean="0"/>
-              <a:t>Alt of Aircraft</a:t>
-            </a:r>
-          </a:p>
-          <a:p>
-            <a:r>
-              <a:rPr lang="en-US" dirty="0" smtClean="0"/>
-              <a:t>And </a:t>
-            </a:r>
-            <a:r>
-              <a:rPr lang="en-US" dirty="0" err="1" smtClean="0"/>
-              <a:t>PressureAlt</a:t>
-            </a:r>
-            <a:r>
-              <a:rPr lang="en-US" dirty="0" smtClean="0"/>
-              <a:t> of flight levels </a:t>
-            </a:r>
-          </a:p>
-          <a:p>
-            <a:r>
-              <a:rPr lang="en-US" dirty="0"/>
-              <a:t> </a:t>
-            </a:r>
-            <a:r>
-              <a:rPr lang="en-US" dirty="0" smtClean="0"/>
-              <a:t> - get indices of levels around plane</a:t>
-            </a:r>
-          </a:p>
-          <a:p>
-            <a:r>
-              <a:rPr lang="en-US" dirty="0"/>
-              <a:t>  </a:t>
-            </a:r>
-            <a:r>
-              <a:rPr lang="en-US" dirty="0" smtClean="0"/>
-              <a:t>- calculate weights based on</a:t>
-            </a:r>
-          </a:p>
-          <a:p>
-            <a:r>
-              <a:rPr lang="en-US" dirty="0"/>
-              <a:t> </a:t>
-            </a:r>
-            <a:r>
-              <a:rPr lang="en-US" dirty="0" smtClean="0"/>
-              <a:t>    closeness of plane to flight level</a:t>
-            </a:r>
-            <a:endParaRPr lang="en-US" dirty="0"/>
-          </a:p>
-        </p:txBody>
-      </p:sp>
-      <p:cxnSp>
-        <p:nvCxnSpPr>
-          <p:cNvPr id="27" name="Straight Arrow Connector 26"/>
-          <p:cNvCxnSpPr/>
-          <p:nvPr/>
-        </p:nvCxnSpPr>
-        <p:spPr>
-          <a:xfrm flipV="1">
-            <a:off x="5715000" y="1295400"/>
-            <a:ext cx="228600" cy="2294734"/>
+          <a:xfrm flipH="1" flipV="1">
+            <a:off x="2923566" y="603473"/>
+            <a:ext cx="66886" cy="1269262"/>
           </a:xfrm>
           <a:prstGeom prst="straightConnector1">
             <a:avLst/>
@@ -10966,14 +10582,14 @@
       </p:cxnSp>
       <p:cxnSp>
         <p:nvCxnSpPr>
-          <p:cNvPr id="32" name="Straight Arrow Connector 31"/>
+          <p:cNvPr id="18" name="Straight Arrow Connector 17"/>
           <p:cNvCxnSpPr/>
           <p:nvPr/>
         </p:nvCxnSpPr>
         <p:spPr>
           <a:xfrm flipV="1">
-            <a:off x="4038600" y="1629728"/>
-            <a:ext cx="1905000" cy="1919961"/>
+            <a:off x="4601300" y="1104900"/>
+            <a:ext cx="0" cy="713294"/>
           </a:xfrm>
           <a:prstGeom prst="straightConnector1">
             <a:avLst/>
@@ -10997,108 +10613,9 @@
           </a:fontRef>
         </p:style>
       </p:cxnSp>
-      <p:cxnSp>
-        <p:nvCxnSpPr>
-          <p:cNvPr id="34" name="Straight Arrow Connector 33"/>
-          <p:cNvCxnSpPr/>
-          <p:nvPr/>
-        </p:nvCxnSpPr>
-        <p:spPr>
-          <a:xfrm flipH="1" flipV="1">
-            <a:off x="5943600" y="1629728"/>
-            <a:ext cx="609600" cy="1919961"/>
-          </a:xfrm>
-          <a:prstGeom prst="straightConnector1">
-            <a:avLst/>
-          </a:prstGeom>
-          <a:ln>
-            <a:tailEnd type="arrow"/>
-          </a:ln>
-        </p:spPr>
-        <p:style>
-          <a:lnRef idx="1">
-            <a:schemeClr val="accent1"/>
-          </a:lnRef>
-          <a:fillRef idx="0">
-            <a:schemeClr val="accent1"/>
-          </a:fillRef>
-          <a:effectRef idx="0">
-            <a:schemeClr val="accent1"/>
-          </a:effectRef>
-          <a:fontRef idx="minor">
-            <a:schemeClr val="tx1"/>
-          </a:fontRef>
-        </p:style>
-      </p:cxnSp>
-      <p:cxnSp>
-        <p:nvCxnSpPr>
-          <p:cNvPr id="37" name="Straight Arrow Connector 36"/>
-          <p:cNvCxnSpPr/>
-          <p:nvPr/>
-        </p:nvCxnSpPr>
-        <p:spPr>
-          <a:xfrm flipH="1" flipV="1">
-            <a:off x="228599" y="891064"/>
-            <a:ext cx="2362201" cy="2658625"/>
-          </a:xfrm>
-          <a:prstGeom prst="straightConnector1">
-            <a:avLst/>
-          </a:prstGeom>
-          <a:ln>
-            <a:tailEnd type="arrow"/>
-          </a:ln>
-        </p:spPr>
-        <p:style>
-          <a:lnRef idx="1">
-            <a:schemeClr val="accent1"/>
-          </a:lnRef>
-          <a:fillRef idx="0">
-            <a:schemeClr val="accent1"/>
-          </a:fillRef>
-          <a:effectRef idx="0">
-            <a:schemeClr val="accent1"/>
-          </a:effectRef>
-          <a:fontRef idx="minor">
-            <a:schemeClr val="tx1"/>
-          </a:fontRef>
-        </p:style>
-      </p:cxnSp>
-      <p:cxnSp>
-        <p:nvCxnSpPr>
-          <p:cNvPr id="38" name="Straight Arrow Connector 37"/>
-          <p:cNvCxnSpPr/>
-          <p:nvPr/>
-        </p:nvCxnSpPr>
-        <p:spPr>
-          <a:xfrm flipH="1" flipV="1">
-            <a:off x="228599" y="891064"/>
-            <a:ext cx="4876801" cy="2699071"/>
-          </a:xfrm>
-          <a:prstGeom prst="straightConnector1">
-            <a:avLst/>
-          </a:prstGeom>
-          <a:ln>
-            <a:tailEnd type="arrow"/>
-          </a:ln>
-        </p:spPr>
-        <p:style>
-          <a:lnRef idx="1">
-            <a:schemeClr val="accent1"/>
-          </a:lnRef>
-          <a:fillRef idx="0">
-            <a:schemeClr val="accent1"/>
-          </a:fillRef>
-          <a:effectRef idx="0">
-            <a:schemeClr val="accent1"/>
-          </a:effectRef>
-          <a:fontRef idx="minor">
-            <a:schemeClr val="tx1"/>
-          </a:fontRef>
-        </p:style>
-      </p:cxnSp>
-      <p:sp>
-        <p:nvSpPr>
-          <p:cNvPr id="18" name="TextBox 17"/>
+      <p:sp>
+        <p:nvSpPr>
+          <p:cNvPr id="14" name="TextBox 13"/>
           <p:cNvSpPr txBox="1"/>
           <p:nvPr/>
         </p:nvSpPr>
@@ -11120,7 +10637,143 @@
           <a:p>
             <a:r>
               <a:rPr lang="en-US" dirty="0" smtClean="0"/>
-              <a:t>23</a:t>
+              <a:t>22</a:t>
+            </a:r>
+          </a:p>
+        </p:txBody>
+      </p:sp>
+      <p:sp>
+        <p:nvSpPr>
+          <p:cNvPr id="17" name="TextBox 16"/>
+          <p:cNvSpPr txBox="1"/>
+          <p:nvPr/>
+        </p:nvSpPr>
+        <p:spPr>
+          <a:xfrm>
+            <a:off x="1803562" y="184666"/>
+            <a:ext cx="418704" cy="369332"/>
+          </a:xfrm>
+          <a:prstGeom prst="rect">
+            <a:avLst/>
+          </a:prstGeom>
+          <a:noFill/>
+        </p:spPr>
+        <p:txBody>
+          <a:bodyPr wrap="none" rtlCol="0">
+            <a:spAutoFit/>
+          </a:bodyPr>
+          <a:lstStyle/>
+          <a:p>
+            <a:r>
+              <a:rPr lang="en-US" dirty="0" smtClean="0"/>
+              <a:t>21</a:t>
+            </a:r>
+          </a:p>
+        </p:txBody>
+      </p:sp>
+      <p:sp>
+        <p:nvSpPr>
+          <p:cNvPr id="12" name="TextBox 11"/>
+          <p:cNvSpPr txBox="1"/>
+          <p:nvPr/>
+        </p:nvSpPr>
+        <p:spPr>
+          <a:xfrm>
+            <a:off x="2484189" y="0"/>
+            <a:ext cx="2925994" cy="369332"/>
+          </a:xfrm>
+          <a:prstGeom prst="rect">
+            <a:avLst/>
+          </a:prstGeom>
+          <a:noFill/>
+          <a:ln w="6350">
+            <a:solidFill>
+              <a:schemeClr val="tx1"/>
+            </a:solidFill>
+          </a:ln>
+        </p:spPr>
+        <p:txBody>
+          <a:bodyPr wrap="none" rtlCol="0">
+            <a:spAutoFit/>
+          </a:bodyPr>
+          <a:lstStyle/>
+          <a:p>
+            <a:r>
+              <a:rPr lang="en-US" dirty="0" smtClean="0"/>
+              <a:t>Counts in channel (</a:t>
+            </a:r>
+            <a:r>
+              <a:rPr lang="en-US" dirty="0" err="1" smtClean="0"/>
+              <a:t>i</a:t>
+            </a:r>
+            <a:r>
+              <a:rPr lang="en-US" dirty="0" smtClean="0"/>
+              <a:t>) angle (j)</a:t>
+            </a:r>
+            <a:endParaRPr lang="en-US" dirty="0"/>
+          </a:p>
+        </p:txBody>
+      </p:sp>
+      <p:sp>
+        <p:nvSpPr>
+          <p:cNvPr id="2" name="TextBox 1"/>
+          <p:cNvSpPr txBox="1"/>
+          <p:nvPr/>
+        </p:nvSpPr>
+        <p:spPr>
+          <a:xfrm>
+            <a:off x="2923566" y="418807"/>
+            <a:ext cx="5781583" cy="369332"/>
+          </a:xfrm>
+          <a:prstGeom prst="rect">
+            <a:avLst/>
+          </a:prstGeom>
+          <a:noFill/>
+          <a:ln w="6350">
+            <a:solidFill>
+              <a:schemeClr val="tx1"/>
+            </a:solidFill>
+          </a:ln>
+        </p:spPr>
+        <p:txBody>
+          <a:bodyPr wrap="none" rtlCol="0">
+            <a:spAutoFit/>
+          </a:bodyPr>
+          <a:lstStyle/>
+          <a:p>
+            <a:r>
+              <a:rPr lang="en-US" dirty="0" smtClean="0"/>
+              <a:t>From REF: Determined using spreadsheets late in processing</a:t>
+            </a:r>
+            <a:endParaRPr lang="en-US" dirty="0"/>
+          </a:p>
+        </p:txBody>
+      </p:sp>
+      <p:sp>
+        <p:nvSpPr>
+          <p:cNvPr id="20" name="TextBox 19"/>
+          <p:cNvSpPr txBox="1"/>
+          <p:nvPr/>
+        </p:nvSpPr>
+        <p:spPr>
+          <a:xfrm>
+            <a:off x="4391948" y="801648"/>
+            <a:ext cx="418704" cy="369332"/>
+          </a:xfrm>
+          <a:prstGeom prst="rect">
+            <a:avLst/>
+          </a:prstGeom>
+          <a:noFill/>
+        </p:spPr>
+        <p:txBody>
+          <a:bodyPr wrap="none" rtlCol="0">
+            <a:spAutoFit/>
+          </a:bodyPr>
+          <a:lstStyle/>
+          <a:p>
+            <a:r>
+              <a:rPr lang="en-US" dirty="0" smtClean="0"/>
+              <a:t>16</a:t>
             </a:r>
           </a:p>
         </p:txBody>
@@ -11128,7 +10781,7 @@
     </p:spTree>
     <p:extLst>
       <p:ext uri="{BB962C8B-B14F-4D97-AF65-F5344CB8AC3E}">
-        <p14:creationId xmlns:p14="http://schemas.microsoft.com/office/powerpoint/2010/main" val="3545061490"/>
+        <p14:creationId xmlns:p14="http://schemas.microsoft.com/office/powerpoint/2010/main" val="203502933"/>
       </p:ext>
     </p:extLst>
   </p:cSld>
@@ -11170,7 +10823,7 @@
         </p:nvSpPr>
         <p:spPr>
           <a:xfrm>
-            <a:off x="228599" y="4859399"/>
+            <a:off x="228599" y="4724400"/>
             <a:ext cx="8874352" cy="2031325"/>
           </a:xfrm>
           <a:prstGeom prst="rect">
@@ -11234,59 +10887,54 @@
           <a:p>
             <a:r>
               <a:rPr lang="en-US" dirty="0"/>
-              <a:t>    For j = 1 To </a:t>
-            </a:r>
-            <a:r>
-              <a:rPr lang="en-US" dirty="0" smtClean="0"/>
-              <a:t>Nobs     ‘(30)</a:t>
+              <a:t>    For j = 1 To Nobs</a:t>
+            </a:r>
+          </a:p>
+          <a:p>
+            <a:r>
+              <a:rPr lang="en-US" dirty="0"/>
+              <a:t>      RT(L) = RT(L) + </a:t>
+            </a:r>
+            <a:r>
+              <a:rPr lang="en-US" dirty="0" err="1"/>
+              <a:t>RCi</a:t>
+            </a:r>
+            <a:r>
+              <a:rPr lang="en-US" dirty="0"/>
+              <a:t>(L, j) * (</a:t>
+            </a:r>
+            <a:r>
+              <a:rPr lang="en-US" dirty="0" err="1"/>
+              <a:t>ob</a:t>
+            </a:r>
+            <a:r>
+              <a:rPr lang="en-US" dirty="0"/>
+              <a:t>(j) - </a:t>
+            </a:r>
+            <a:r>
+              <a:rPr lang="en-US" dirty="0" err="1"/>
+              <a:t>OBavgWt</a:t>
+            </a:r>
+            <a:r>
+              <a:rPr lang="en-US" dirty="0"/>
+              <a:t>(Index, j))     '</a:t>
+            </a:r>
+            <a:r>
+              <a:rPr lang="en-US" dirty="0" err="1"/>
+              <a:t>OBavgWt</a:t>
+            </a:r>
+            <a:r>
+              <a:rPr lang="en-US" dirty="0"/>
+              <a:t> from </a:t>
+            </a:r>
+            <a:r>
+              <a:rPr lang="en-US" dirty="0" err="1"/>
+              <a:t>DetermineRCregion</a:t>
             </a:r>
             <a:endParaRPr lang="en-US" dirty="0"/>
           </a:p>
           <a:p>
             <a:r>
-              <a:rPr lang="en-US" dirty="0"/>
-              <a:t>      RT(L) = RT(L) + </a:t>
-            </a:r>
-            <a:r>
-              <a:rPr lang="en-US" dirty="0" err="1"/>
-              <a:t>RCi</a:t>
-            </a:r>
-            <a:r>
-              <a:rPr lang="en-US" dirty="0"/>
-              <a:t>(L, j) * (</a:t>
-            </a:r>
-            <a:r>
-              <a:rPr lang="en-US" dirty="0" err="1"/>
-              <a:t>ob</a:t>
-            </a:r>
-            <a:r>
-              <a:rPr lang="en-US" dirty="0"/>
-              <a:t>(j) - </a:t>
-            </a:r>
-            <a:r>
-              <a:rPr lang="en-US" dirty="0" err="1"/>
-              <a:t>OBavgWt</a:t>
-            </a:r>
-            <a:r>
-              <a:rPr lang="en-US" dirty="0"/>
-              <a:t>(Index, j))     '</a:t>
-            </a:r>
-            <a:r>
-              <a:rPr lang="en-US" dirty="0" err="1"/>
-              <a:t>OBavgWt</a:t>
-            </a:r>
-            <a:r>
-              <a:rPr lang="en-US" dirty="0"/>
-              <a:t> from </a:t>
-            </a:r>
-            <a:r>
-              <a:rPr lang="en-US" dirty="0" err="1"/>
-              <a:t>DetermineRCregion</a:t>
-            </a:r>
-            <a:endParaRPr lang="en-US" dirty="0"/>
-          </a:p>
-          <a:p>
-            <a:r>
               <a:rPr lang="en-US" dirty="0" smtClean="0"/>
               <a:t>    Next </a:t>
             </a:r>
@@ -11303,58 +10951,23 @@
           </a:p>
         </p:txBody>
       </p:sp>
-      <p:cxnSp>
-        <p:nvCxnSpPr>
-          <p:cNvPr id="6" name="Straight Arrow Connector 5"/>
-          <p:cNvCxnSpPr>
-            <a:endCxn id="7" idx="1"/>
-          </p:cNvCxnSpPr>
-          <p:nvPr/>
-        </p:nvCxnSpPr>
-        <p:spPr>
-          <a:xfrm flipH="1" flipV="1">
-            <a:off x="422053" y="4205865"/>
-            <a:ext cx="1863949" cy="1796536"/>
-          </a:xfrm>
-          <a:prstGeom prst="straightConnector1">
-            <a:avLst/>
-          </a:prstGeom>
-          <a:ln>
-            <a:tailEnd type="arrow"/>
-          </a:ln>
-        </p:spPr>
-        <p:style>
-          <a:lnRef idx="1">
-            <a:schemeClr val="accent1"/>
-          </a:lnRef>
-          <a:fillRef idx="0">
-            <a:schemeClr val="accent1"/>
-          </a:fillRef>
-          <a:effectRef idx="0">
-            <a:schemeClr val="accent1"/>
-          </a:effectRef>
-          <a:fontRef idx="minor">
-            <a:schemeClr val="tx1"/>
-          </a:fontRef>
-        </p:style>
-      </p:cxnSp>
-      <p:sp>
-        <p:nvSpPr>
-          <p:cNvPr id="7" name="Rectangle 6"/>
+      <p:sp>
+        <p:nvSpPr>
+          <p:cNvPr id="2" name="Rectangle 1"/>
           <p:cNvSpPr/>
           <p:nvPr/>
         </p:nvSpPr>
         <p:spPr>
           <a:xfrm>
-            <a:off x="422053" y="4021199"/>
-            <a:ext cx="8721947" cy="369332"/>
+            <a:off x="838200" y="3481667"/>
+            <a:ext cx="7010400" cy="369332"/>
           </a:xfrm>
           <a:prstGeom prst="rect">
             <a:avLst/>
           </a:prstGeom>
           <a:ln w="6350">
             <a:solidFill>
-              <a:schemeClr val="tx1"/>
+              <a:srgbClr val="0070C0"/>
             </a:solidFill>
           </a:ln>
         </p:spPr>
@@ -11366,15 +10979,15 @@
           <a:p>
             <a:r>
               <a:rPr lang="en-US" dirty="0" err="1"/>
-              <a:t>RCi</a:t>
-            </a:r>
-            <a:r>
-              <a:rPr lang="en-US" dirty="0"/>
-              <a:t>(L, j) = </a:t>
-            </a:r>
-            <a:r>
-              <a:rPr lang="en-US" dirty="0" err="1"/>
-              <a:t>rc</a:t>
+              <a:t>TAAi</a:t>
+            </a:r>
+            <a:r>
+              <a:rPr lang="en-US" dirty="0"/>
+              <a:t>(L) = </a:t>
+            </a:r>
+            <a:r>
+              <a:rPr lang="en-US" dirty="0" err="1"/>
+              <a:t>RTav</a:t>
             </a:r>
             <a:r>
               <a:rPr lang="en-US" dirty="0"/>
@@ -11386,7 +10999,7 @@
             </a:r>
             <a:r>
               <a:rPr lang="en-US" dirty="0"/>
-              <a:t>, L, j) * </a:t>
+              <a:t>, L) * </a:t>
             </a:r>
             <a:r>
               <a:rPr lang="en-US" dirty="0" err="1"/>
@@ -11398,7 +11011,7 @@
             </a:r>
             <a:r>
               <a:rPr lang="en-US" dirty="0" err="1"/>
-              <a:t>rc</a:t>
+              <a:t>RTav</a:t>
             </a:r>
             <a:r>
               <a:rPr lang="en-US" dirty="0"/>
@@ -11410,19 +11023,11 @@
             </a:r>
             <a:r>
               <a:rPr lang="en-US" dirty="0"/>
-              <a:t>, L, j) * </a:t>
-            </a:r>
-            <a:r>
-              <a:rPr lang="en-US" dirty="0" err="1" smtClean="0"/>
+              <a:t>, L) * </a:t>
+            </a:r>
+            <a:r>
+              <a:rPr lang="en-US" dirty="0" err="1"/>
               <a:t>WtT</a:t>
-            </a:r>
-            <a:r>
-              <a:rPr lang="en-US" dirty="0" smtClean="0"/>
-              <a:t> ‘in </a:t>
-            </a:r>
-            <a:r>
-              <a:rPr lang="en-US" dirty="0" err="1" smtClean="0"/>
-              <a:t>RetrievalSubs:RetrieveATP</a:t>
             </a:r>
             <a:endParaRPr lang="en-US" dirty="0"/>
           </a:p>
@@ -11436,451 +11041,8 @@
         </p:nvCxnSpPr>
         <p:spPr>
           <a:xfrm flipH="1" flipV="1">
-            <a:off x="990600" y="3487799"/>
-            <a:ext cx="457200" cy="613542"/>
-          </a:xfrm>
-          <a:prstGeom prst="straightConnector1">
-            <a:avLst/>
-          </a:prstGeom>
-          <a:ln>
-            <a:tailEnd type="arrow"/>
-          </a:ln>
-        </p:spPr>
-        <p:style>
-          <a:lnRef idx="1">
-            <a:schemeClr val="accent1"/>
-          </a:lnRef>
-          <a:fillRef idx="0">
-            <a:schemeClr val="accent1"/>
-          </a:fillRef>
-          <a:effectRef idx="0">
-            <a:schemeClr val="accent1"/>
-          </a:effectRef>
-          <a:fontRef idx="minor">
-            <a:schemeClr val="tx1"/>
-          </a:fontRef>
-        </p:style>
-      </p:cxnSp>
-      <p:sp>
-        <p:nvSpPr>
-          <p:cNvPr id="4" name="Rectangle 3"/>
-          <p:cNvSpPr/>
-          <p:nvPr/>
-        </p:nvSpPr>
-        <p:spPr>
-          <a:xfrm>
-            <a:off x="685800" y="3189219"/>
-            <a:ext cx="8458200" cy="369332"/>
-          </a:xfrm>
-          <a:prstGeom prst="rect">
-            <a:avLst/>
-          </a:prstGeom>
-          <a:ln>
-            <a:solidFill>
-              <a:schemeClr val="tx1"/>
-            </a:solidFill>
-          </a:ln>
-        </p:spPr>
-        <p:txBody>
-          <a:bodyPr wrap="square">
-            <a:spAutoFit/>
-          </a:bodyPr>
-          <a:lstStyle/>
-          <a:p>
-            <a:r>
-              <a:rPr lang="en-US" dirty="0"/>
-              <a:t> </a:t>
-            </a:r>
-            <a:r>
-              <a:rPr lang="en-US" dirty="0" err="1"/>
-              <a:t>rc</a:t>
-            </a:r>
-            <a:r>
-              <a:rPr lang="en-US" dirty="0"/>
-              <a:t>!(</a:t>
-            </a:r>
-            <a:r>
-              <a:rPr lang="en-US" dirty="0" err="1"/>
-              <a:t>iRC</a:t>
-            </a:r>
-            <a:r>
-              <a:rPr lang="en-US" dirty="0"/>
-              <a:t>, n - 1, </a:t>
-            </a:r>
-            <a:r>
-              <a:rPr lang="en-US" dirty="0" err="1"/>
-              <a:t>i</a:t>
-            </a:r>
-            <a:r>
-              <a:rPr lang="en-US" dirty="0"/>
-              <a:t>, j) = </a:t>
-            </a:r>
-            <a:r>
-              <a:rPr lang="en-US" dirty="0" err="1"/>
-              <a:t>b.Src</a:t>
-            </a:r>
-            <a:r>
-              <a:rPr lang="en-US" dirty="0"/>
-              <a:t>(</a:t>
-            </a:r>
-            <a:r>
-              <a:rPr lang="en-US" dirty="0" err="1"/>
-              <a:t>i</a:t>
-            </a:r>
-            <a:r>
-              <a:rPr lang="en-US" dirty="0"/>
-              <a:t>, j)  '33 retrieval </a:t>
-            </a:r>
-            <a:r>
-              <a:rPr lang="en-US" dirty="0" smtClean="0"/>
-              <a:t>levels (</a:t>
-            </a:r>
-            <a:r>
-              <a:rPr lang="en-US" dirty="0" err="1" smtClean="0"/>
-              <a:t>i</a:t>
-            </a:r>
-            <a:r>
-              <a:rPr lang="en-US" dirty="0" smtClean="0"/>
-              <a:t>), </a:t>
-            </a:r>
-            <a:r>
-              <a:rPr lang="en-US" dirty="0"/>
-              <a:t>30 </a:t>
-            </a:r>
-            <a:r>
-              <a:rPr lang="en-US" dirty="0" smtClean="0"/>
-              <a:t>observables (j) : in </a:t>
-            </a:r>
-            <a:r>
-              <a:rPr lang="en-US" dirty="0" err="1" smtClean="0"/>
-              <a:t>MTPIO:RCread</a:t>
-            </a:r>
-            <a:endParaRPr lang="en-US" dirty="0"/>
-          </a:p>
-        </p:txBody>
-      </p:sp>
-      <p:sp>
-        <p:nvSpPr>
-          <p:cNvPr id="15" name="Rectangle 14"/>
-          <p:cNvSpPr/>
-          <p:nvPr/>
-        </p:nvSpPr>
-        <p:spPr>
-          <a:xfrm>
-            <a:off x="4594959" y="298704"/>
-            <a:ext cx="4495800" cy="2677656"/>
-          </a:xfrm>
-          <a:prstGeom prst="rect">
-            <a:avLst/>
-          </a:prstGeom>
-          <a:ln>
-            <a:solidFill>
-              <a:schemeClr val="tx1"/>
-            </a:solidFill>
-          </a:ln>
-        </p:spPr>
-        <p:txBody>
-          <a:bodyPr wrap="square">
-            <a:spAutoFit/>
-          </a:bodyPr>
-          <a:lstStyle/>
-          <a:p>
-            <a:r>
-              <a:rPr lang="en-US" sz="1400" dirty="0"/>
-              <a:t>' RC set for one flight level</a:t>
-            </a:r>
-          </a:p>
-          <a:p>
-            <a:r>
-              <a:rPr lang="en-US" sz="1400" dirty="0" smtClean="0"/>
-              <a:t>Type </a:t>
-            </a:r>
-            <a:r>
-              <a:rPr lang="en-US" sz="1400" dirty="0"/>
-              <a:t>RC_Set_1FL</a:t>
-            </a:r>
-          </a:p>
-          <a:p>
-            <a:r>
-              <a:rPr lang="en-US" sz="1400" dirty="0" smtClean="0"/>
-              <a:t>  </a:t>
-            </a:r>
-            <a:r>
-              <a:rPr lang="en-US" sz="1400" dirty="0" err="1"/>
-              <a:t>sBP</a:t>
-            </a:r>
-            <a:r>
-              <a:rPr lang="en-US" sz="1400" dirty="0"/>
-              <a:t> As Single              'Flight level pressure altitude (</a:t>
-            </a:r>
-            <a:r>
-              <a:rPr lang="en-US" sz="1400" dirty="0" err="1"/>
-              <a:t>hPa</a:t>
-            </a:r>
-            <a:r>
-              <a:rPr lang="en-US" sz="1400" dirty="0"/>
-              <a:t>)</a:t>
-            </a:r>
-          </a:p>
-          <a:p>
-            <a:r>
-              <a:rPr lang="en-US" sz="1400" dirty="0" smtClean="0"/>
-              <a:t>  </a:t>
-            </a:r>
-            <a:r>
-              <a:rPr lang="en-US" sz="1400" dirty="0" err="1"/>
-              <a:t>sOBrms</a:t>
-            </a:r>
-            <a:r>
-              <a:rPr lang="en-US" sz="1400" dirty="0"/>
-              <a:t>!(1 To 30)           '1-sigma </a:t>
-            </a:r>
-            <a:r>
-              <a:rPr lang="en-US" sz="1400" dirty="0" err="1"/>
-              <a:t>apriori</a:t>
-            </a:r>
-            <a:r>
-              <a:rPr lang="en-US" sz="1400" dirty="0"/>
-              <a:t> observable errors</a:t>
-            </a:r>
-          </a:p>
-          <a:p>
-            <a:r>
-              <a:rPr lang="en-US" sz="1400" dirty="0"/>
-              <a:t> </a:t>
-            </a:r>
-            <a:r>
-              <a:rPr lang="en-US" sz="1400" dirty="0" smtClean="0"/>
-              <a:t> </a:t>
-            </a:r>
-            <a:r>
-              <a:rPr lang="en-US" sz="1400" dirty="0" err="1"/>
-              <a:t>sOBav</a:t>
-            </a:r>
-            <a:r>
-              <a:rPr lang="en-US" sz="1400" dirty="0"/>
-              <a:t>!(1 To 30)            'Archive Average observables</a:t>
-            </a:r>
-          </a:p>
-          <a:p>
-            <a:r>
-              <a:rPr lang="en-US" sz="1400" dirty="0"/>
-              <a:t> </a:t>
-            </a:r>
-            <a:r>
-              <a:rPr lang="en-US" sz="1400" dirty="0" smtClean="0"/>
-              <a:t> </a:t>
-            </a:r>
-            <a:r>
-              <a:rPr lang="en-US" sz="1400" dirty="0" err="1"/>
-              <a:t>sBPrl</a:t>
-            </a:r>
-            <a:r>
-              <a:rPr lang="en-US" sz="1400" dirty="0"/>
-              <a:t>!(1 To 33)            'Pressure at retrieval levels</a:t>
-            </a:r>
-          </a:p>
-          <a:p>
-            <a:r>
-              <a:rPr lang="en-US" sz="1400" dirty="0"/>
-              <a:t> </a:t>
-            </a:r>
-            <a:r>
-              <a:rPr lang="en-US" sz="1400" dirty="0" smtClean="0"/>
-              <a:t> </a:t>
-            </a:r>
-            <a:r>
-              <a:rPr lang="en-US" sz="1400" dirty="0" err="1"/>
-              <a:t>sRTav</a:t>
-            </a:r>
-            <a:r>
-              <a:rPr lang="en-US" sz="1400" dirty="0"/>
-              <a:t>!(1 To 33)            'Average T at retrieval levels</a:t>
-            </a:r>
-          </a:p>
-          <a:p>
-            <a:r>
-              <a:rPr lang="en-US" sz="1400" dirty="0"/>
-              <a:t> </a:t>
-            </a:r>
-            <a:r>
-              <a:rPr lang="en-US" sz="1400" dirty="0" smtClean="0"/>
-              <a:t> </a:t>
-            </a:r>
-            <a:r>
-              <a:rPr lang="en-US" sz="1400" dirty="0" err="1"/>
-              <a:t>sRMSa</a:t>
-            </a:r>
-            <a:r>
-              <a:rPr lang="en-US" sz="1400" dirty="0"/>
-              <a:t>!(1 To 33)            'Variance in T at retrieval levels</a:t>
-            </a:r>
-          </a:p>
-          <a:p>
-            <a:r>
-              <a:rPr lang="en-US" sz="1400" dirty="0"/>
-              <a:t> </a:t>
-            </a:r>
-            <a:r>
-              <a:rPr lang="en-US" sz="1400" dirty="0" smtClean="0"/>
-              <a:t> </a:t>
-            </a:r>
-            <a:r>
-              <a:rPr lang="en-US" sz="1400" dirty="0" err="1"/>
-              <a:t>sRMSe</a:t>
-            </a:r>
-            <a:r>
-              <a:rPr lang="en-US" sz="1400" dirty="0"/>
-              <a:t>!(1 To 33)            'Formal error in T at retrieval </a:t>
-            </a:r>
-            <a:r>
-              <a:rPr lang="en-US" sz="1400" dirty="0" smtClean="0"/>
-              <a:t>levels</a:t>
-            </a:r>
-          </a:p>
-          <a:p>
-            <a:r>
-              <a:rPr lang="en-US" sz="1400" dirty="0" smtClean="0"/>
-              <a:t>  </a:t>
-            </a:r>
-            <a:r>
-              <a:rPr lang="en-US" sz="1400" dirty="0" err="1"/>
-              <a:t>Src</a:t>
-            </a:r>
-            <a:r>
-              <a:rPr lang="en-US" sz="1400" dirty="0"/>
-              <a:t>!(1 To 33, 1 To 30)     '33 retrieval levels, 30 observables</a:t>
-            </a:r>
-          </a:p>
-          <a:p>
-            <a:r>
-              <a:rPr lang="en-US" sz="1400" dirty="0" smtClean="0"/>
-              <a:t>  </a:t>
-            </a:r>
-            <a:r>
-              <a:rPr lang="en-US" sz="1400" dirty="0"/>
-              <a:t>Spare!(1 To 67)</a:t>
-            </a:r>
-          </a:p>
-          <a:p>
-            <a:r>
-              <a:rPr lang="en-US" sz="1400" dirty="0" smtClean="0"/>
-              <a:t>End </a:t>
-            </a:r>
-            <a:r>
-              <a:rPr lang="en-US" sz="1400" dirty="0"/>
-              <a:t>Type</a:t>
-            </a:r>
-          </a:p>
-        </p:txBody>
-      </p:sp>
-      <p:sp>
-        <p:nvSpPr>
-          <p:cNvPr id="16" name="TextBox 15"/>
-          <p:cNvSpPr txBox="1"/>
-          <p:nvPr/>
-        </p:nvSpPr>
-        <p:spPr>
-          <a:xfrm>
-            <a:off x="4665775" y="-49816"/>
-            <a:ext cx="2974789" cy="369332"/>
-          </a:xfrm>
-          <a:prstGeom prst="rect">
-            <a:avLst/>
-          </a:prstGeom>
-          <a:noFill/>
-        </p:spPr>
-        <p:txBody>
-          <a:bodyPr wrap="none" rtlCol="0">
-            <a:spAutoFit/>
-          </a:bodyPr>
-          <a:lstStyle/>
-          <a:p>
-            <a:r>
-              <a:rPr lang="en-US" dirty="0" smtClean="0"/>
-              <a:t>Records in RCF File</a:t>
-            </a:r>
-            <a:r>
-              <a:rPr lang="en-US" smtClean="0"/>
-              <a:t>: after first </a:t>
-            </a:r>
-            <a:endParaRPr lang="en-US" dirty="0"/>
-          </a:p>
-        </p:txBody>
-      </p:sp>
-      <p:cxnSp>
-        <p:nvCxnSpPr>
-          <p:cNvPr id="17" name="Straight Arrow Connector 16"/>
-          <p:cNvCxnSpPr/>
-          <p:nvPr/>
-        </p:nvCxnSpPr>
-        <p:spPr>
-          <a:xfrm flipV="1">
-            <a:off x="2895600" y="2362201"/>
-            <a:ext cx="1828800" cy="943800"/>
-          </a:xfrm>
-          <a:prstGeom prst="straightConnector1">
-            <a:avLst/>
-          </a:prstGeom>
-          <a:ln>
-            <a:tailEnd type="arrow"/>
-          </a:ln>
-        </p:spPr>
-        <p:style>
-          <a:lnRef idx="1">
-            <a:schemeClr val="accent1"/>
-          </a:lnRef>
-          <a:fillRef idx="0">
-            <a:schemeClr val="accent1"/>
-          </a:fillRef>
-          <a:effectRef idx="0">
-            <a:schemeClr val="accent1"/>
-          </a:effectRef>
-          <a:fontRef idx="minor">
-            <a:schemeClr val="tx1"/>
-          </a:fontRef>
-        </p:style>
-      </p:cxnSp>
-      <p:sp>
-        <p:nvSpPr>
-          <p:cNvPr id="10" name="TextBox 9"/>
-          <p:cNvSpPr txBox="1"/>
-          <p:nvPr/>
-        </p:nvSpPr>
-        <p:spPr>
-          <a:xfrm>
-            <a:off x="8811927" y="0"/>
-            <a:ext cx="418704" cy="369332"/>
-          </a:xfrm>
-          <a:prstGeom prst="rect">
-            <a:avLst/>
-          </a:prstGeom>
-          <a:noFill/>
-        </p:spPr>
-        <p:txBody>
-          <a:bodyPr wrap="none" rtlCol="0">
-            <a:spAutoFit/>
-          </a:bodyPr>
-          <a:lstStyle/>
-          <a:p>
-            <a:r>
-              <a:rPr lang="en-US" dirty="0" smtClean="0"/>
-              <a:t>24</a:t>
-            </a:r>
-            <a:endParaRPr lang="en-US" dirty="0"/>
-          </a:p>
-        </p:txBody>
-      </p:sp>
-      <p:cxnSp>
-        <p:nvCxnSpPr>
-          <p:cNvPr id="11" name="Straight Arrow Connector 10"/>
-          <p:cNvCxnSpPr/>
-          <p:nvPr/>
-        </p:nvCxnSpPr>
-        <p:spPr>
-          <a:xfrm flipH="1" flipV="1">
-            <a:off x="228599" y="2976360"/>
-            <a:ext cx="1189122" cy="2586240"/>
+            <a:off x="1219200" y="3850999"/>
+            <a:ext cx="152400" cy="1483001"/>
           </a:xfrm>
           <a:prstGeom prst="straightConnector1">
             <a:avLst/>
@@ -11906,14 +11068,16 @@
       </p:cxnSp>
       <p:cxnSp>
         <p:nvCxnSpPr>
-          <p:cNvPr id="14" name="Straight Arrow Connector 13"/>
-          <p:cNvCxnSpPr/>
+          <p:cNvPr id="10" name="Straight Arrow Connector 9"/>
+          <p:cNvCxnSpPr>
+            <a:endCxn id="16" idx="2"/>
+          </p:cNvCxnSpPr>
           <p:nvPr/>
         </p:nvCxnSpPr>
         <p:spPr>
-          <a:xfrm flipH="1" flipV="1">
-            <a:off x="381000" y="3733800"/>
-            <a:ext cx="2789322" cy="2308813"/>
+          <a:xfrm flipV="1">
+            <a:off x="1981200" y="1629728"/>
+            <a:ext cx="579527" cy="2036606"/>
           </a:xfrm>
           <a:prstGeom prst="straightConnector1">
             <a:avLst/>
@@ -11939,14 +11103,16 @@
       </p:cxnSp>
       <p:cxnSp>
         <p:nvCxnSpPr>
-          <p:cNvPr id="18" name="Straight Arrow Connector 17"/>
-          <p:cNvCxnSpPr/>
+          <p:cNvPr id="12" name="Straight Arrow Connector 11"/>
+          <p:cNvCxnSpPr>
+            <a:endCxn id="16" idx="2"/>
+          </p:cNvCxnSpPr>
           <p:nvPr/>
         </p:nvCxnSpPr>
         <p:spPr>
           <a:xfrm flipH="1" flipV="1">
-            <a:off x="381000" y="2133600"/>
-            <a:ext cx="3810000" cy="3935483"/>
+            <a:off x="2560727" y="1629728"/>
+            <a:ext cx="2105056" cy="2036606"/>
           </a:xfrm>
           <a:prstGeom prst="straightConnector1">
             <a:avLst/>
@@ -11972,19 +11138,24 @@
       </p:cxnSp>
       <p:sp>
         <p:nvSpPr>
-          <p:cNvPr id="19" name="TextBox 18"/>
+          <p:cNvPr id="16" name="TextBox 15"/>
           <p:cNvSpPr txBox="1"/>
           <p:nvPr/>
         </p:nvSpPr>
         <p:spPr>
           <a:xfrm>
-            <a:off x="-837" y="2656154"/>
-            <a:ext cx="418704" cy="369332"/>
+            <a:off x="76200" y="152400"/>
+            <a:ext cx="4969053" cy="1477328"/>
           </a:xfrm>
           <a:prstGeom prst="rect">
             <a:avLst/>
           </a:prstGeom>
           <a:noFill/>
+          <a:ln w="25400">
+            <a:solidFill>
+              <a:schemeClr val="tx1"/>
+            </a:solidFill>
+          </a:ln>
         </p:spPr>
         <p:txBody>
           <a:bodyPr wrap="none" rtlCol="0">
@@ -11994,26 +11165,166 @@
           <a:p>
             <a:r>
               <a:rPr lang="en-US" dirty="0" smtClean="0"/>
-              <a:t>23</a:t>
-            </a:r>
-          </a:p>
-        </p:txBody>
-      </p:sp>
-      <p:sp>
-        <p:nvSpPr>
-          <p:cNvPr id="20" name="TextBox 19"/>
+              <a:t>From RCF file (</a:t>
+            </a:r>
+            <a:r>
+              <a:rPr lang="en-US" dirty="0" err="1" smtClean="0"/>
+              <a:t>MTPio:Rcread</a:t>
+            </a:r>
+            <a:r>
+              <a:rPr lang="en-US" dirty="0" smtClean="0"/>
+              <a:t>)  $PROJ\RC\*.RCF</a:t>
+            </a:r>
+          </a:p>
+          <a:p>
+            <a:r>
+              <a:rPr lang="en-US" dirty="0" smtClean="0"/>
+              <a:t>– averaged Temp at retrieval level (</a:t>
+            </a:r>
+            <a:r>
+              <a:rPr lang="en-US" dirty="0" err="1" smtClean="0"/>
+              <a:t>sRT</a:t>
+            </a:r>
+            <a:r>
+              <a:rPr lang="en-US" dirty="0" err="1"/>
+              <a:t>a</a:t>
+            </a:r>
+            <a:r>
+              <a:rPr lang="en-US" dirty="0" err="1" smtClean="0"/>
+              <a:t>v</a:t>
+            </a:r>
+            <a:r>
+              <a:rPr lang="en-US" dirty="0" smtClean="0"/>
+              <a:t> see </a:t>
+            </a:r>
+            <a:r>
+              <a:rPr lang="en-US" dirty="0" err="1" smtClean="0"/>
+              <a:t>pg</a:t>
+            </a:r>
+            <a:r>
+              <a:rPr lang="en-US" dirty="0" smtClean="0"/>
+              <a:t> 24)</a:t>
+            </a:r>
+          </a:p>
+          <a:p>
+            <a:r>
+              <a:rPr lang="en-US" dirty="0" smtClean="0"/>
+              <a:t>Index = “matched” Template Index</a:t>
+            </a:r>
+          </a:p>
+          <a:p>
+            <a:r>
+              <a:rPr lang="en-US" dirty="0" err="1" smtClean="0"/>
+              <a:t>iBot</a:t>
+            </a:r>
+            <a:r>
+              <a:rPr lang="en-US" dirty="0" smtClean="0"/>
+              <a:t>/</a:t>
+            </a:r>
+            <a:r>
+              <a:rPr lang="en-US" dirty="0" err="1" smtClean="0"/>
+              <a:t>iTop</a:t>
+            </a:r>
+            <a:r>
+              <a:rPr lang="en-US" dirty="0" smtClean="0"/>
+              <a:t> = Flight level above/below aircraft (13)</a:t>
+            </a:r>
+          </a:p>
+          <a:p>
+            <a:r>
+              <a:rPr lang="en-US" dirty="0" smtClean="0"/>
+              <a:t>L = Retrieval Level (33) </a:t>
+            </a:r>
+            <a:endParaRPr lang="en-US" dirty="0"/>
+          </a:p>
+        </p:txBody>
+      </p:sp>
+      <p:cxnSp>
+        <p:nvCxnSpPr>
+          <p:cNvPr id="17" name="Straight Arrow Connector 16"/>
+          <p:cNvCxnSpPr/>
+          <p:nvPr/>
+        </p:nvCxnSpPr>
+        <p:spPr>
+          <a:xfrm flipH="1" flipV="1">
+            <a:off x="728312" y="5486400"/>
+            <a:ext cx="643288" cy="492402"/>
+          </a:xfrm>
+          <a:prstGeom prst="straightConnector1">
+            <a:avLst/>
+          </a:prstGeom>
+          <a:ln>
+            <a:tailEnd type="arrow"/>
+          </a:ln>
+        </p:spPr>
+        <p:style>
+          <a:lnRef idx="1">
+            <a:schemeClr val="accent1"/>
+          </a:lnRef>
+          <a:fillRef idx="0">
+            <a:schemeClr val="accent1"/>
+          </a:fillRef>
+          <a:effectRef idx="0">
+            <a:schemeClr val="accent1"/>
+          </a:effectRef>
+          <a:fontRef idx="minor">
+            <a:schemeClr val="tx1"/>
+          </a:fontRef>
+        </p:style>
+      </p:cxnSp>
+      <p:cxnSp>
+        <p:nvCxnSpPr>
+          <p:cNvPr id="25" name="Straight Arrow Connector 24"/>
+          <p:cNvCxnSpPr/>
+          <p:nvPr/>
+        </p:nvCxnSpPr>
+        <p:spPr>
+          <a:xfrm flipV="1">
+            <a:off x="3124200" y="1295400"/>
+            <a:ext cx="2819400" cy="2370934"/>
+          </a:xfrm>
+          <a:prstGeom prst="straightConnector1">
+            <a:avLst/>
+          </a:prstGeom>
+          <a:ln>
+            <a:tailEnd type="arrow"/>
+          </a:ln>
+        </p:spPr>
+        <p:style>
+          <a:lnRef idx="1">
+            <a:schemeClr val="accent1"/>
+          </a:lnRef>
+          <a:fillRef idx="0">
+            <a:schemeClr val="accent1"/>
+          </a:fillRef>
+          <a:effectRef idx="0">
+            <a:schemeClr val="accent1"/>
+          </a:effectRef>
+          <a:fontRef idx="minor">
+            <a:schemeClr val="tx1"/>
+          </a:fontRef>
+        </p:style>
+      </p:cxnSp>
+      <p:sp>
+        <p:nvSpPr>
+          <p:cNvPr id="26" name="TextBox 25"/>
           <p:cNvSpPr txBox="1"/>
           <p:nvPr/>
         </p:nvSpPr>
         <p:spPr>
           <a:xfrm>
-            <a:off x="0" y="3549134"/>
-            <a:ext cx="418704" cy="369332"/>
+            <a:off x="5638800" y="301592"/>
+            <a:ext cx="3545522" cy="1754326"/>
           </a:xfrm>
           <a:prstGeom prst="rect">
             <a:avLst/>
           </a:prstGeom>
           <a:noFill/>
+          <a:ln w="6350">
+            <a:solidFill>
+              <a:srgbClr val="0070C0"/>
+            </a:solidFill>
+          </a:ln>
         </p:spPr>
         <p:txBody>
           <a:bodyPr wrap="none" rtlCol="0">
@@ -12022,21 +11333,253 @@
           <a:lstStyle/>
           <a:p>
             <a:r>
-              <a:rPr lang="en-US" dirty="0" smtClean="0"/>
-              <a:t>22</a:t>
-            </a:r>
-          </a:p>
-        </p:txBody>
-      </p:sp>
-      <p:sp>
-        <p:nvSpPr>
-          <p:cNvPr id="21" name="TextBox 20"/>
+              <a:rPr lang="en-US" dirty="0" err="1" smtClean="0"/>
+              <a:t>MTPbin:Get_iBot_iTop</a:t>
+            </a:r>
+            <a:r>
+              <a:rPr lang="en-US" dirty="0" smtClean="0"/>
+              <a:t>(</a:t>
+            </a:r>
+            <a:r>
+              <a:rPr lang="en-US" dirty="0" err="1" smtClean="0"/>
+              <a:t>pALT</a:t>
+            </a:r>
+            <a:r>
+              <a:rPr lang="en-US" dirty="0" smtClean="0"/>
+              <a:t>)</a:t>
+            </a:r>
+          </a:p>
+          <a:p>
+            <a:r>
+              <a:rPr lang="en-US" dirty="0"/>
+              <a:t>Based on Pressure </a:t>
+            </a:r>
+            <a:r>
+              <a:rPr lang="en-US" dirty="0" smtClean="0"/>
+              <a:t>Alt of Aircraft</a:t>
+            </a:r>
+          </a:p>
+          <a:p>
+            <a:r>
+              <a:rPr lang="en-US" dirty="0" smtClean="0"/>
+              <a:t>And </a:t>
+            </a:r>
+            <a:r>
+              <a:rPr lang="en-US" dirty="0" err="1" smtClean="0"/>
+              <a:t>PressureAlt</a:t>
+            </a:r>
+            <a:r>
+              <a:rPr lang="en-US" dirty="0" smtClean="0"/>
+              <a:t> of flight levels </a:t>
+            </a:r>
+          </a:p>
+          <a:p>
+            <a:r>
+              <a:rPr lang="en-US" dirty="0"/>
+              <a:t> </a:t>
+            </a:r>
+            <a:r>
+              <a:rPr lang="en-US" dirty="0" smtClean="0"/>
+              <a:t> - get indices of levels around plane</a:t>
+            </a:r>
+          </a:p>
+          <a:p>
+            <a:r>
+              <a:rPr lang="en-US" dirty="0"/>
+              <a:t>  </a:t>
+            </a:r>
+            <a:r>
+              <a:rPr lang="en-US" dirty="0" smtClean="0"/>
+              <a:t>- calculate weights based on</a:t>
+            </a:r>
+          </a:p>
+          <a:p>
+            <a:r>
+              <a:rPr lang="en-US" dirty="0"/>
+              <a:t> </a:t>
+            </a:r>
+            <a:r>
+              <a:rPr lang="en-US" dirty="0" smtClean="0"/>
+              <a:t>    closeness of plane to flight level</a:t>
+            </a:r>
+            <a:endParaRPr lang="en-US" dirty="0"/>
+          </a:p>
+        </p:txBody>
+      </p:sp>
+      <p:cxnSp>
+        <p:nvCxnSpPr>
+          <p:cNvPr id="27" name="Straight Arrow Connector 26"/>
+          <p:cNvCxnSpPr/>
+          <p:nvPr/>
+        </p:nvCxnSpPr>
+        <p:spPr>
+          <a:xfrm flipV="1">
+            <a:off x="5715000" y="1295400"/>
+            <a:ext cx="228600" cy="2294734"/>
+          </a:xfrm>
+          <a:prstGeom prst="straightConnector1">
+            <a:avLst/>
+          </a:prstGeom>
+          <a:ln>
+            <a:tailEnd type="arrow"/>
+          </a:ln>
+        </p:spPr>
+        <p:style>
+          <a:lnRef idx="1">
+            <a:schemeClr val="accent1"/>
+          </a:lnRef>
+          <a:fillRef idx="0">
+            <a:schemeClr val="accent1"/>
+          </a:fillRef>
+          <a:effectRef idx="0">
+            <a:schemeClr val="accent1"/>
+          </a:effectRef>
+          <a:fontRef idx="minor">
+            <a:schemeClr val="tx1"/>
+          </a:fontRef>
+        </p:style>
+      </p:cxnSp>
+      <p:cxnSp>
+        <p:nvCxnSpPr>
+          <p:cNvPr id="32" name="Straight Arrow Connector 31"/>
+          <p:cNvCxnSpPr/>
+          <p:nvPr/>
+        </p:nvCxnSpPr>
+        <p:spPr>
+          <a:xfrm flipV="1">
+            <a:off x="4038600" y="1629728"/>
+            <a:ext cx="1905000" cy="1919961"/>
+          </a:xfrm>
+          <a:prstGeom prst="straightConnector1">
+            <a:avLst/>
+          </a:prstGeom>
+          <a:ln>
+            <a:tailEnd type="arrow"/>
+          </a:ln>
+        </p:spPr>
+        <p:style>
+          <a:lnRef idx="1">
+            <a:schemeClr val="accent1"/>
+          </a:lnRef>
+          <a:fillRef idx="0">
+            <a:schemeClr val="accent1"/>
+          </a:fillRef>
+          <a:effectRef idx="0">
+            <a:schemeClr val="accent1"/>
+          </a:effectRef>
+          <a:fontRef idx="minor">
+            <a:schemeClr val="tx1"/>
+          </a:fontRef>
+        </p:style>
+      </p:cxnSp>
+      <p:cxnSp>
+        <p:nvCxnSpPr>
+          <p:cNvPr id="34" name="Straight Arrow Connector 33"/>
+          <p:cNvCxnSpPr/>
+          <p:nvPr/>
+        </p:nvCxnSpPr>
+        <p:spPr>
+          <a:xfrm flipH="1" flipV="1">
+            <a:off x="5943600" y="1629728"/>
+            <a:ext cx="609600" cy="1919961"/>
+          </a:xfrm>
+          <a:prstGeom prst="straightConnector1">
+            <a:avLst/>
+          </a:prstGeom>
+          <a:ln>
+            <a:tailEnd type="arrow"/>
+          </a:ln>
+        </p:spPr>
+        <p:style>
+          <a:lnRef idx="1">
+            <a:schemeClr val="accent1"/>
+          </a:lnRef>
+          <a:fillRef idx="0">
+            <a:schemeClr val="accent1"/>
+          </a:fillRef>
+          <a:effectRef idx="0">
+            <a:schemeClr val="accent1"/>
+          </a:effectRef>
+          <a:fontRef idx="minor">
+            <a:schemeClr val="tx1"/>
+          </a:fontRef>
+        </p:style>
+      </p:cxnSp>
+      <p:cxnSp>
+        <p:nvCxnSpPr>
+          <p:cNvPr id="37" name="Straight Arrow Connector 36"/>
+          <p:cNvCxnSpPr/>
+          <p:nvPr/>
+        </p:nvCxnSpPr>
+        <p:spPr>
+          <a:xfrm flipH="1" flipV="1">
+            <a:off x="228599" y="891064"/>
+            <a:ext cx="2362201" cy="2658625"/>
+          </a:xfrm>
+          <a:prstGeom prst="straightConnector1">
+            <a:avLst/>
+          </a:prstGeom>
+          <a:ln>
+            <a:tailEnd type="arrow"/>
+          </a:ln>
+        </p:spPr>
+        <p:style>
+          <a:lnRef idx="1">
+            <a:schemeClr val="accent1"/>
+          </a:lnRef>
+          <a:fillRef idx="0">
+            <a:schemeClr val="accent1"/>
+          </a:fillRef>
+          <a:effectRef idx="0">
+            <a:schemeClr val="accent1"/>
+          </a:effectRef>
+          <a:fontRef idx="minor">
+            <a:schemeClr val="tx1"/>
+          </a:fontRef>
+        </p:style>
+      </p:cxnSp>
+      <p:cxnSp>
+        <p:nvCxnSpPr>
+          <p:cNvPr id="38" name="Straight Arrow Connector 37"/>
+          <p:cNvCxnSpPr/>
+          <p:nvPr/>
+        </p:nvCxnSpPr>
+        <p:spPr>
+          <a:xfrm flipH="1" flipV="1">
+            <a:off x="228599" y="891064"/>
+            <a:ext cx="4876801" cy="2699071"/>
+          </a:xfrm>
+          <a:prstGeom prst="straightConnector1">
+            <a:avLst/>
+          </a:prstGeom>
+          <a:ln>
+            <a:tailEnd type="arrow"/>
+          </a:ln>
+        </p:spPr>
+        <p:style>
+          <a:lnRef idx="1">
+            <a:schemeClr val="accent1"/>
+          </a:lnRef>
+          <a:fillRef idx="0">
+            <a:schemeClr val="accent1"/>
+          </a:fillRef>
+          <a:effectRef idx="0">
+            <a:schemeClr val="accent1"/>
+          </a:effectRef>
+          <a:fontRef idx="minor">
+            <a:schemeClr val="tx1"/>
+          </a:fontRef>
+        </p:style>
+      </p:cxnSp>
+      <p:sp>
+        <p:nvSpPr>
+          <p:cNvPr id="18" name="TextBox 17"/>
           <p:cNvSpPr txBox="1"/>
           <p:nvPr/>
         </p:nvSpPr>
         <p:spPr>
           <a:xfrm>
-            <a:off x="19247" y="1948934"/>
+            <a:off x="8715529" y="0"/>
             <a:ext cx="418704" cy="369332"/>
           </a:xfrm>
           <a:prstGeom prst="rect">
@@ -12052,7 +11595,7 @@
           <a:p>
             <a:r>
               <a:rPr lang="en-US" dirty="0" smtClean="0"/>
-              <a:t>18</a:t>
+              <a:t>23</a:t>
             </a:r>
           </a:p>
         </p:txBody>
@@ -12060,7 +11603,7 @@
     </p:spTree>
     <p:extLst>
       <p:ext uri="{BB962C8B-B14F-4D97-AF65-F5344CB8AC3E}">
-        <p14:creationId xmlns:p14="http://schemas.microsoft.com/office/powerpoint/2010/main" val="84382367"/>
+        <p14:creationId xmlns:p14="http://schemas.microsoft.com/office/powerpoint/2010/main" val="3545061490"/>
       </p:ext>
     </p:extLst>
   </p:cSld>
@@ -12413,6 +11956,938 @@
 </file>
 
 <file path=ppt/slides/slide20.xml><?xml version="1.0" encoding="utf-8"?>
+<p:sld xmlns:a="http://schemas.openxmlformats.org/drawingml/2006/main" xmlns:r="http://schemas.openxmlformats.org/officeDocument/2006/relationships" xmlns:p="http://schemas.openxmlformats.org/presentationml/2006/main">
+  <p:cSld>
+    <p:spTree>
+      <p:nvGrpSpPr>
+        <p:cNvPr id="1" name=""/>
+        <p:cNvGrpSpPr/>
+        <p:nvPr/>
+      </p:nvGrpSpPr>
+      <p:grpSpPr>
+        <a:xfrm>
+          <a:off x="0" y="0"/>
+          <a:ext cx="0" cy="0"/>
+          <a:chOff x="0" y="0"/>
+          <a:chExt cx="0" cy="0"/>
+        </a:xfrm>
+      </p:grpSpPr>
+      <p:sp>
+        <p:nvSpPr>
+          <p:cNvPr id="3" name="TextBox 2"/>
+          <p:cNvSpPr txBox="1"/>
+          <p:nvPr/>
+        </p:nvSpPr>
+        <p:spPr>
+          <a:xfrm>
+            <a:off x="228599" y="4859399"/>
+            <a:ext cx="8874352" cy="2031325"/>
+          </a:xfrm>
+          <a:prstGeom prst="rect">
+            <a:avLst/>
+          </a:prstGeom>
+          <a:noFill/>
+          <a:ln>
+            <a:solidFill>
+              <a:srgbClr val="0070C0"/>
+            </a:solidFill>
+          </a:ln>
+        </p:spPr>
+        <p:txBody>
+          <a:bodyPr wrap="none" rtlCol="0">
+            <a:spAutoFit/>
+          </a:bodyPr>
+          <a:lstStyle/>
+          <a:p>
+            <a:r>
+              <a:rPr lang="en-US" dirty="0" smtClean="0"/>
+              <a:t>In </a:t>
+            </a:r>
+            <a:r>
+              <a:rPr lang="en-US" dirty="0" err="1" smtClean="0"/>
+              <a:t>RetrieveATP</a:t>
+            </a:r>
+            <a:r>
+              <a:rPr lang="en-US" dirty="0"/>
+              <a:t>:  </a:t>
+            </a:r>
+            <a:r>
+              <a:rPr lang="en-US" dirty="0" smtClean="0"/>
+              <a:t>' </a:t>
+            </a:r>
+            <a:r>
+              <a:rPr lang="en-US" dirty="0"/>
+              <a:t>Do Retrieval using interpolated RCs</a:t>
+            </a:r>
+            <a:endParaRPr lang="en-US" dirty="0" smtClean="0"/>
+          </a:p>
+          <a:p>
+            <a:r>
+              <a:rPr lang="en-US" dirty="0"/>
+              <a:t> For L = 1 To 33</a:t>
+            </a:r>
+          </a:p>
+          <a:p>
+            <a:r>
+              <a:rPr lang="en-US" dirty="0"/>
+              <a:t>    RT(L) = </a:t>
+            </a:r>
+            <a:r>
+              <a:rPr lang="en-US" dirty="0" err="1"/>
+              <a:t>TAAi</a:t>
+            </a:r>
+            <a:r>
+              <a:rPr lang="en-US" dirty="0"/>
+              <a:t>(L)</a:t>
+            </a:r>
+          </a:p>
+          <a:p>
+            <a:r>
+              <a:rPr lang="en-US" dirty="0"/>
+              <a:t>    For j = 1 To </a:t>
+            </a:r>
+            <a:r>
+              <a:rPr lang="en-US" dirty="0" smtClean="0"/>
+              <a:t>Nobs     ‘(30)</a:t>
+            </a:r>
+            <a:endParaRPr lang="en-US" dirty="0"/>
+          </a:p>
+          <a:p>
+            <a:r>
+              <a:rPr lang="en-US" dirty="0"/>
+              <a:t>      RT(L) = RT(L) + </a:t>
+            </a:r>
+            <a:r>
+              <a:rPr lang="en-US" dirty="0" err="1"/>
+              <a:t>RCi</a:t>
+            </a:r>
+            <a:r>
+              <a:rPr lang="en-US" dirty="0"/>
+              <a:t>(L, j) * (</a:t>
+            </a:r>
+            <a:r>
+              <a:rPr lang="en-US" dirty="0" err="1"/>
+              <a:t>ob</a:t>
+            </a:r>
+            <a:r>
+              <a:rPr lang="en-US" dirty="0"/>
+              <a:t>(j) - </a:t>
+            </a:r>
+            <a:r>
+              <a:rPr lang="en-US" dirty="0" err="1"/>
+              <a:t>OBavgWt</a:t>
+            </a:r>
+            <a:r>
+              <a:rPr lang="en-US" dirty="0"/>
+              <a:t>(Index, j))     '</a:t>
+            </a:r>
+            <a:r>
+              <a:rPr lang="en-US" dirty="0" err="1"/>
+              <a:t>OBavgWt</a:t>
+            </a:r>
+            <a:r>
+              <a:rPr lang="en-US" dirty="0"/>
+              <a:t> from </a:t>
+            </a:r>
+            <a:r>
+              <a:rPr lang="en-US" dirty="0" err="1"/>
+              <a:t>DetermineRCregion</a:t>
+            </a:r>
+            <a:endParaRPr lang="en-US" dirty="0"/>
+          </a:p>
+          <a:p>
+            <a:r>
+              <a:rPr lang="en-US" dirty="0" smtClean="0"/>
+              <a:t>    Next </a:t>
+            </a:r>
+            <a:r>
+              <a:rPr lang="en-US" dirty="0"/>
+              <a:t>j</a:t>
+            </a:r>
+          </a:p>
+          <a:p>
+            <a:r>
+              <a:rPr lang="en-US" dirty="0"/>
+              <a:t>  Next L</a:t>
+            </a:r>
+          </a:p>
+        </p:txBody>
+      </p:sp>
+      <p:cxnSp>
+        <p:nvCxnSpPr>
+          <p:cNvPr id="6" name="Straight Arrow Connector 5"/>
+          <p:cNvCxnSpPr>
+            <a:endCxn id="7" idx="1"/>
+          </p:cNvCxnSpPr>
+          <p:nvPr/>
+        </p:nvCxnSpPr>
+        <p:spPr>
+          <a:xfrm flipH="1" flipV="1">
+            <a:off x="422053" y="4205865"/>
+            <a:ext cx="1863949" cy="1796536"/>
+          </a:xfrm>
+          <a:prstGeom prst="straightConnector1">
+            <a:avLst/>
+          </a:prstGeom>
+          <a:ln>
+            <a:tailEnd type="arrow"/>
+          </a:ln>
+        </p:spPr>
+        <p:style>
+          <a:lnRef idx="1">
+            <a:schemeClr val="accent1"/>
+          </a:lnRef>
+          <a:fillRef idx="0">
+            <a:schemeClr val="accent1"/>
+          </a:fillRef>
+          <a:effectRef idx="0">
+            <a:schemeClr val="accent1"/>
+          </a:effectRef>
+          <a:fontRef idx="minor">
+            <a:schemeClr val="tx1"/>
+          </a:fontRef>
+        </p:style>
+      </p:cxnSp>
+      <p:sp>
+        <p:nvSpPr>
+          <p:cNvPr id="7" name="Rectangle 6"/>
+          <p:cNvSpPr/>
+          <p:nvPr/>
+        </p:nvSpPr>
+        <p:spPr>
+          <a:xfrm>
+            <a:off x="422053" y="4021199"/>
+            <a:ext cx="8721947" cy="369332"/>
+          </a:xfrm>
+          <a:prstGeom prst="rect">
+            <a:avLst/>
+          </a:prstGeom>
+          <a:ln w="6350">
+            <a:solidFill>
+              <a:schemeClr val="tx1"/>
+            </a:solidFill>
+          </a:ln>
+        </p:spPr>
+        <p:txBody>
+          <a:bodyPr wrap="square">
+            <a:spAutoFit/>
+          </a:bodyPr>
+          <a:lstStyle/>
+          <a:p>
+            <a:r>
+              <a:rPr lang="en-US" dirty="0" err="1"/>
+              <a:t>RCi</a:t>
+            </a:r>
+            <a:r>
+              <a:rPr lang="en-US" dirty="0"/>
+              <a:t>(L, j) = </a:t>
+            </a:r>
+            <a:r>
+              <a:rPr lang="en-US" dirty="0" err="1"/>
+              <a:t>rc</a:t>
+            </a:r>
+            <a:r>
+              <a:rPr lang="en-US" dirty="0"/>
+              <a:t>(Index, </a:t>
+            </a:r>
+            <a:r>
+              <a:rPr lang="en-US" dirty="0" err="1"/>
+              <a:t>iBot</a:t>
+            </a:r>
+            <a:r>
+              <a:rPr lang="en-US" dirty="0"/>
+              <a:t>, L, j) * </a:t>
+            </a:r>
+            <a:r>
+              <a:rPr lang="en-US" dirty="0" err="1"/>
+              <a:t>WtB</a:t>
+            </a:r>
+            <a:r>
+              <a:rPr lang="en-US" dirty="0"/>
+              <a:t> + </a:t>
+            </a:r>
+            <a:r>
+              <a:rPr lang="en-US" dirty="0" err="1"/>
+              <a:t>rc</a:t>
+            </a:r>
+            <a:r>
+              <a:rPr lang="en-US" dirty="0"/>
+              <a:t>(Index, </a:t>
+            </a:r>
+            <a:r>
+              <a:rPr lang="en-US" dirty="0" err="1"/>
+              <a:t>iTop</a:t>
+            </a:r>
+            <a:r>
+              <a:rPr lang="en-US" dirty="0"/>
+              <a:t>, L, j) * </a:t>
+            </a:r>
+            <a:r>
+              <a:rPr lang="en-US" dirty="0" err="1" smtClean="0"/>
+              <a:t>WtT</a:t>
+            </a:r>
+            <a:r>
+              <a:rPr lang="en-US" dirty="0" smtClean="0"/>
+              <a:t> ‘in </a:t>
+            </a:r>
+            <a:r>
+              <a:rPr lang="en-US" dirty="0" err="1" smtClean="0"/>
+              <a:t>RetrievalSubs:RetrieveATP</a:t>
+            </a:r>
+            <a:endParaRPr lang="en-US" dirty="0"/>
+          </a:p>
+        </p:txBody>
+      </p:sp>
+      <p:cxnSp>
+        <p:nvCxnSpPr>
+          <p:cNvPr id="5" name="Straight Arrow Connector 4"/>
+          <p:cNvCxnSpPr/>
+          <p:nvPr/>
+        </p:nvCxnSpPr>
+        <p:spPr>
+          <a:xfrm flipH="1" flipV="1">
+            <a:off x="990600" y="3487799"/>
+            <a:ext cx="457200" cy="613542"/>
+          </a:xfrm>
+          <a:prstGeom prst="straightConnector1">
+            <a:avLst/>
+          </a:prstGeom>
+          <a:ln>
+            <a:tailEnd type="arrow"/>
+          </a:ln>
+        </p:spPr>
+        <p:style>
+          <a:lnRef idx="1">
+            <a:schemeClr val="accent1"/>
+          </a:lnRef>
+          <a:fillRef idx="0">
+            <a:schemeClr val="accent1"/>
+          </a:fillRef>
+          <a:effectRef idx="0">
+            <a:schemeClr val="accent1"/>
+          </a:effectRef>
+          <a:fontRef idx="minor">
+            <a:schemeClr val="tx1"/>
+          </a:fontRef>
+        </p:style>
+      </p:cxnSp>
+      <p:sp>
+        <p:nvSpPr>
+          <p:cNvPr id="4" name="Rectangle 3"/>
+          <p:cNvSpPr/>
+          <p:nvPr/>
+        </p:nvSpPr>
+        <p:spPr>
+          <a:xfrm>
+            <a:off x="685800" y="3189219"/>
+            <a:ext cx="8458200" cy="369332"/>
+          </a:xfrm>
+          <a:prstGeom prst="rect">
+            <a:avLst/>
+          </a:prstGeom>
+          <a:ln>
+            <a:solidFill>
+              <a:schemeClr val="tx1"/>
+            </a:solidFill>
+          </a:ln>
+        </p:spPr>
+        <p:txBody>
+          <a:bodyPr wrap="square">
+            <a:spAutoFit/>
+          </a:bodyPr>
+          <a:lstStyle/>
+          <a:p>
+            <a:r>
+              <a:rPr lang="en-US" dirty="0"/>
+              <a:t> </a:t>
+            </a:r>
+            <a:r>
+              <a:rPr lang="en-US" dirty="0" err="1"/>
+              <a:t>rc</a:t>
+            </a:r>
+            <a:r>
+              <a:rPr lang="en-US" dirty="0"/>
+              <a:t>!(</a:t>
+            </a:r>
+            <a:r>
+              <a:rPr lang="en-US" dirty="0" err="1"/>
+              <a:t>iRC</a:t>
+            </a:r>
+            <a:r>
+              <a:rPr lang="en-US" dirty="0"/>
+              <a:t>, n - 1, </a:t>
+            </a:r>
+            <a:r>
+              <a:rPr lang="en-US" dirty="0" err="1"/>
+              <a:t>i</a:t>
+            </a:r>
+            <a:r>
+              <a:rPr lang="en-US" dirty="0"/>
+              <a:t>, j) = </a:t>
+            </a:r>
+            <a:r>
+              <a:rPr lang="en-US" dirty="0" err="1"/>
+              <a:t>b.Src</a:t>
+            </a:r>
+            <a:r>
+              <a:rPr lang="en-US" dirty="0"/>
+              <a:t>(</a:t>
+            </a:r>
+            <a:r>
+              <a:rPr lang="en-US" dirty="0" err="1"/>
+              <a:t>i</a:t>
+            </a:r>
+            <a:r>
+              <a:rPr lang="en-US" dirty="0"/>
+              <a:t>, j)  '33 retrieval </a:t>
+            </a:r>
+            <a:r>
+              <a:rPr lang="en-US" dirty="0" smtClean="0"/>
+              <a:t>levels (</a:t>
+            </a:r>
+            <a:r>
+              <a:rPr lang="en-US" dirty="0" err="1" smtClean="0"/>
+              <a:t>i</a:t>
+            </a:r>
+            <a:r>
+              <a:rPr lang="en-US" dirty="0" smtClean="0"/>
+              <a:t>), </a:t>
+            </a:r>
+            <a:r>
+              <a:rPr lang="en-US" dirty="0"/>
+              <a:t>30 </a:t>
+            </a:r>
+            <a:r>
+              <a:rPr lang="en-US" dirty="0" smtClean="0"/>
+              <a:t>observables (j) : in </a:t>
+            </a:r>
+            <a:r>
+              <a:rPr lang="en-US" dirty="0" err="1" smtClean="0"/>
+              <a:t>MTPIO:RCread</a:t>
+            </a:r>
+            <a:endParaRPr lang="en-US" dirty="0"/>
+          </a:p>
+        </p:txBody>
+      </p:sp>
+      <p:sp>
+        <p:nvSpPr>
+          <p:cNvPr id="15" name="Rectangle 14"/>
+          <p:cNvSpPr/>
+          <p:nvPr/>
+        </p:nvSpPr>
+        <p:spPr>
+          <a:xfrm>
+            <a:off x="4594959" y="298704"/>
+            <a:ext cx="4495800" cy="2677656"/>
+          </a:xfrm>
+          <a:prstGeom prst="rect">
+            <a:avLst/>
+          </a:prstGeom>
+          <a:ln>
+            <a:solidFill>
+              <a:schemeClr val="tx1"/>
+            </a:solidFill>
+          </a:ln>
+        </p:spPr>
+        <p:txBody>
+          <a:bodyPr wrap="square">
+            <a:spAutoFit/>
+          </a:bodyPr>
+          <a:lstStyle/>
+          <a:p>
+            <a:r>
+              <a:rPr lang="en-US" sz="1400" dirty="0"/>
+              <a:t>' RC set for one flight level</a:t>
+            </a:r>
+          </a:p>
+          <a:p>
+            <a:r>
+              <a:rPr lang="en-US" sz="1400" dirty="0" smtClean="0"/>
+              <a:t>Type </a:t>
+            </a:r>
+            <a:r>
+              <a:rPr lang="en-US" sz="1400" dirty="0"/>
+              <a:t>RC_Set_1FL</a:t>
+            </a:r>
+          </a:p>
+          <a:p>
+            <a:r>
+              <a:rPr lang="en-US" sz="1400" dirty="0" smtClean="0"/>
+              <a:t>  </a:t>
+            </a:r>
+            <a:r>
+              <a:rPr lang="en-US" sz="1400" dirty="0" err="1"/>
+              <a:t>sBP</a:t>
+            </a:r>
+            <a:r>
+              <a:rPr lang="en-US" sz="1400" dirty="0"/>
+              <a:t> As Single              'Flight level pressure altitude (</a:t>
+            </a:r>
+            <a:r>
+              <a:rPr lang="en-US" sz="1400" dirty="0" err="1"/>
+              <a:t>hPa</a:t>
+            </a:r>
+            <a:r>
+              <a:rPr lang="en-US" sz="1400" dirty="0"/>
+              <a:t>)</a:t>
+            </a:r>
+          </a:p>
+          <a:p>
+            <a:r>
+              <a:rPr lang="en-US" sz="1400" dirty="0" smtClean="0"/>
+              <a:t>  </a:t>
+            </a:r>
+            <a:r>
+              <a:rPr lang="en-US" sz="1400" dirty="0" err="1"/>
+              <a:t>sOBrms</a:t>
+            </a:r>
+            <a:r>
+              <a:rPr lang="en-US" sz="1400" dirty="0"/>
+              <a:t>!(1 To 30)           '1-sigma </a:t>
+            </a:r>
+            <a:r>
+              <a:rPr lang="en-US" sz="1400" dirty="0" err="1"/>
+              <a:t>apriori</a:t>
+            </a:r>
+            <a:r>
+              <a:rPr lang="en-US" sz="1400" dirty="0"/>
+              <a:t> observable errors</a:t>
+            </a:r>
+          </a:p>
+          <a:p>
+            <a:r>
+              <a:rPr lang="en-US" sz="1400" dirty="0"/>
+              <a:t> </a:t>
+            </a:r>
+            <a:r>
+              <a:rPr lang="en-US" sz="1400" dirty="0" smtClean="0"/>
+              <a:t> </a:t>
+            </a:r>
+            <a:r>
+              <a:rPr lang="en-US" sz="1400" dirty="0" err="1"/>
+              <a:t>sOBav</a:t>
+            </a:r>
+            <a:r>
+              <a:rPr lang="en-US" sz="1400" dirty="0"/>
+              <a:t>!(1 To 30)            'Archive Average observables</a:t>
+            </a:r>
+          </a:p>
+          <a:p>
+            <a:r>
+              <a:rPr lang="en-US" sz="1400" dirty="0"/>
+              <a:t> </a:t>
+            </a:r>
+            <a:r>
+              <a:rPr lang="en-US" sz="1400" dirty="0" smtClean="0"/>
+              <a:t> </a:t>
+            </a:r>
+            <a:r>
+              <a:rPr lang="en-US" sz="1400" dirty="0" err="1"/>
+              <a:t>sBPrl</a:t>
+            </a:r>
+            <a:r>
+              <a:rPr lang="en-US" sz="1400" dirty="0"/>
+              <a:t>!(1 To 33)            'Pressure at retrieval levels</a:t>
+            </a:r>
+          </a:p>
+          <a:p>
+            <a:r>
+              <a:rPr lang="en-US" sz="1400" dirty="0"/>
+              <a:t> </a:t>
+            </a:r>
+            <a:r>
+              <a:rPr lang="en-US" sz="1400" dirty="0" smtClean="0"/>
+              <a:t> </a:t>
+            </a:r>
+            <a:r>
+              <a:rPr lang="en-US" sz="1400" dirty="0" err="1"/>
+              <a:t>sRTav</a:t>
+            </a:r>
+            <a:r>
+              <a:rPr lang="en-US" sz="1400" dirty="0"/>
+              <a:t>!(1 To 33)            'Average T at retrieval levels</a:t>
+            </a:r>
+          </a:p>
+          <a:p>
+            <a:r>
+              <a:rPr lang="en-US" sz="1400" dirty="0"/>
+              <a:t> </a:t>
+            </a:r>
+            <a:r>
+              <a:rPr lang="en-US" sz="1400" dirty="0" smtClean="0"/>
+              <a:t> </a:t>
+            </a:r>
+            <a:r>
+              <a:rPr lang="en-US" sz="1400" dirty="0" err="1"/>
+              <a:t>sRMSa</a:t>
+            </a:r>
+            <a:r>
+              <a:rPr lang="en-US" sz="1400" dirty="0"/>
+              <a:t>!(1 To 33)            'Variance in T at retrieval levels</a:t>
+            </a:r>
+          </a:p>
+          <a:p>
+            <a:r>
+              <a:rPr lang="en-US" sz="1400" dirty="0"/>
+              <a:t> </a:t>
+            </a:r>
+            <a:r>
+              <a:rPr lang="en-US" sz="1400" dirty="0" smtClean="0"/>
+              <a:t> </a:t>
+            </a:r>
+            <a:r>
+              <a:rPr lang="en-US" sz="1400" dirty="0" err="1"/>
+              <a:t>sRMSe</a:t>
+            </a:r>
+            <a:r>
+              <a:rPr lang="en-US" sz="1400" dirty="0"/>
+              <a:t>!(1 To 33)            'Formal error in T at retrieval </a:t>
+            </a:r>
+            <a:r>
+              <a:rPr lang="en-US" sz="1400" dirty="0" smtClean="0"/>
+              <a:t>levels</a:t>
+            </a:r>
+          </a:p>
+          <a:p>
+            <a:r>
+              <a:rPr lang="en-US" sz="1400" dirty="0" smtClean="0"/>
+              <a:t>  </a:t>
+            </a:r>
+            <a:r>
+              <a:rPr lang="en-US" sz="1400" dirty="0" err="1"/>
+              <a:t>Src</a:t>
+            </a:r>
+            <a:r>
+              <a:rPr lang="en-US" sz="1400" dirty="0"/>
+              <a:t>!(1 To 33, 1 To 30)     '33 retrieval levels, 30 observables</a:t>
+            </a:r>
+          </a:p>
+          <a:p>
+            <a:r>
+              <a:rPr lang="en-US" sz="1400" dirty="0" smtClean="0"/>
+              <a:t>  </a:t>
+            </a:r>
+            <a:r>
+              <a:rPr lang="en-US" sz="1400" dirty="0"/>
+              <a:t>Spare!(1 To 67)</a:t>
+            </a:r>
+          </a:p>
+          <a:p>
+            <a:r>
+              <a:rPr lang="en-US" sz="1400" dirty="0" smtClean="0"/>
+              <a:t>End </a:t>
+            </a:r>
+            <a:r>
+              <a:rPr lang="en-US" sz="1400" dirty="0"/>
+              <a:t>Type</a:t>
+            </a:r>
+          </a:p>
+        </p:txBody>
+      </p:sp>
+      <p:sp>
+        <p:nvSpPr>
+          <p:cNvPr id="16" name="TextBox 15"/>
+          <p:cNvSpPr txBox="1"/>
+          <p:nvPr/>
+        </p:nvSpPr>
+        <p:spPr>
+          <a:xfrm>
+            <a:off x="4665775" y="-49816"/>
+            <a:ext cx="2974789" cy="369332"/>
+          </a:xfrm>
+          <a:prstGeom prst="rect">
+            <a:avLst/>
+          </a:prstGeom>
+          <a:noFill/>
+        </p:spPr>
+        <p:txBody>
+          <a:bodyPr wrap="none" rtlCol="0">
+            <a:spAutoFit/>
+          </a:bodyPr>
+          <a:lstStyle/>
+          <a:p>
+            <a:r>
+              <a:rPr lang="en-US" dirty="0" smtClean="0"/>
+              <a:t>Records in RCF File</a:t>
+            </a:r>
+            <a:r>
+              <a:rPr lang="en-US" smtClean="0"/>
+              <a:t>: after first </a:t>
+            </a:r>
+            <a:endParaRPr lang="en-US" dirty="0"/>
+          </a:p>
+        </p:txBody>
+      </p:sp>
+      <p:cxnSp>
+        <p:nvCxnSpPr>
+          <p:cNvPr id="17" name="Straight Arrow Connector 16"/>
+          <p:cNvCxnSpPr/>
+          <p:nvPr/>
+        </p:nvCxnSpPr>
+        <p:spPr>
+          <a:xfrm flipV="1">
+            <a:off x="2895600" y="2362201"/>
+            <a:ext cx="1828800" cy="943800"/>
+          </a:xfrm>
+          <a:prstGeom prst="straightConnector1">
+            <a:avLst/>
+          </a:prstGeom>
+          <a:ln>
+            <a:tailEnd type="arrow"/>
+          </a:ln>
+        </p:spPr>
+        <p:style>
+          <a:lnRef idx="1">
+            <a:schemeClr val="accent1"/>
+          </a:lnRef>
+          <a:fillRef idx="0">
+            <a:schemeClr val="accent1"/>
+          </a:fillRef>
+          <a:effectRef idx="0">
+            <a:schemeClr val="accent1"/>
+          </a:effectRef>
+          <a:fontRef idx="minor">
+            <a:schemeClr val="tx1"/>
+          </a:fontRef>
+        </p:style>
+      </p:cxnSp>
+      <p:sp>
+        <p:nvSpPr>
+          <p:cNvPr id="10" name="TextBox 9"/>
+          <p:cNvSpPr txBox="1"/>
+          <p:nvPr/>
+        </p:nvSpPr>
+        <p:spPr>
+          <a:xfrm>
+            <a:off x="8811927" y="0"/>
+            <a:ext cx="418704" cy="369332"/>
+          </a:xfrm>
+          <a:prstGeom prst="rect">
+            <a:avLst/>
+          </a:prstGeom>
+          <a:noFill/>
+        </p:spPr>
+        <p:txBody>
+          <a:bodyPr wrap="none" rtlCol="0">
+            <a:spAutoFit/>
+          </a:bodyPr>
+          <a:lstStyle/>
+          <a:p>
+            <a:r>
+              <a:rPr lang="en-US" dirty="0" smtClean="0"/>
+              <a:t>24</a:t>
+            </a:r>
+            <a:endParaRPr lang="en-US" dirty="0"/>
+          </a:p>
+        </p:txBody>
+      </p:sp>
+      <p:cxnSp>
+        <p:nvCxnSpPr>
+          <p:cNvPr id="11" name="Straight Arrow Connector 10"/>
+          <p:cNvCxnSpPr/>
+          <p:nvPr/>
+        </p:nvCxnSpPr>
+        <p:spPr>
+          <a:xfrm flipH="1" flipV="1">
+            <a:off x="228599" y="2976360"/>
+            <a:ext cx="1189122" cy="2586240"/>
+          </a:xfrm>
+          <a:prstGeom prst="straightConnector1">
+            <a:avLst/>
+          </a:prstGeom>
+          <a:ln>
+            <a:tailEnd type="arrow"/>
+          </a:ln>
+        </p:spPr>
+        <p:style>
+          <a:lnRef idx="1">
+            <a:schemeClr val="accent1"/>
+          </a:lnRef>
+          <a:fillRef idx="0">
+            <a:schemeClr val="accent1"/>
+          </a:fillRef>
+          <a:effectRef idx="0">
+            <a:schemeClr val="accent1"/>
+          </a:effectRef>
+          <a:fontRef idx="minor">
+            <a:schemeClr val="tx1"/>
+          </a:fontRef>
+        </p:style>
+      </p:cxnSp>
+      <p:cxnSp>
+        <p:nvCxnSpPr>
+          <p:cNvPr id="14" name="Straight Arrow Connector 13"/>
+          <p:cNvCxnSpPr/>
+          <p:nvPr/>
+        </p:nvCxnSpPr>
+        <p:spPr>
+          <a:xfrm flipH="1" flipV="1">
+            <a:off x="381000" y="3733800"/>
+            <a:ext cx="2789322" cy="2308813"/>
+          </a:xfrm>
+          <a:prstGeom prst="straightConnector1">
+            <a:avLst/>
+          </a:prstGeom>
+          <a:ln>
+            <a:tailEnd type="arrow"/>
+          </a:ln>
+        </p:spPr>
+        <p:style>
+          <a:lnRef idx="1">
+            <a:schemeClr val="accent1"/>
+          </a:lnRef>
+          <a:fillRef idx="0">
+            <a:schemeClr val="accent1"/>
+          </a:fillRef>
+          <a:effectRef idx="0">
+            <a:schemeClr val="accent1"/>
+          </a:effectRef>
+          <a:fontRef idx="minor">
+            <a:schemeClr val="tx1"/>
+          </a:fontRef>
+        </p:style>
+      </p:cxnSp>
+      <p:cxnSp>
+        <p:nvCxnSpPr>
+          <p:cNvPr id="18" name="Straight Arrow Connector 17"/>
+          <p:cNvCxnSpPr/>
+          <p:nvPr/>
+        </p:nvCxnSpPr>
+        <p:spPr>
+          <a:xfrm flipH="1" flipV="1">
+            <a:off x="381000" y="2133600"/>
+            <a:ext cx="3810000" cy="3935483"/>
+          </a:xfrm>
+          <a:prstGeom prst="straightConnector1">
+            <a:avLst/>
+          </a:prstGeom>
+          <a:ln>
+            <a:tailEnd type="arrow"/>
+          </a:ln>
+        </p:spPr>
+        <p:style>
+          <a:lnRef idx="1">
+            <a:schemeClr val="accent1"/>
+          </a:lnRef>
+          <a:fillRef idx="0">
+            <a:schemeClr val="accent1"/>
+          </a:fillRef>
+          <a:effectRef idx="0">
+            <a:schemeClr val="accent1"/>
+          </a:effectRef>
+          <a:fontRef idx="minor">
+            <a:schemeClr val="tx1"/>
+          </a:fontRef>
+        </p:style>
+      </p:cxnSp>
+      <p:sp>
+        <p:nvSpPr>
+          <p:cNvPr id="19" name="TextBox 18"/>
+          <p:cNvSpPr txBox="1"/>
+          <p:nvPr/>
+        </p:nvSpPr>
+        <p:spPr>
+          <a:xfrm>
+            <a:off x="-837" y="2656154"/>
+            <a:ext cx="418704" cy="369332"/>
+          </a:xfrm>
+          <a:prstGeom prst="rect">
+            <a:avLst/>
+          </a:prstGeom>
+          <a:noFill/>
+        </p:spPr>
+        <p:txBody>
+          <a:bodyPr wrap="none" rtlCol="0">
+            <a:spAutoFit/>
+          </a:bodyPr>
+          <a:lstStyle/>
+          <a:p>
+            <a:r>
+              <a:rPr lang="en-US" dirty="0" smtClean="0"/>
+              <a:t>23</a:t>
+            </a:r>
+          </a:p>
+        </p:txBody>
+      </p:sp>
+      <p:sp>
+        <p:nvSpPr>
+          <p:cNvPr id="20" name="TextBox 19"/>
+          <p:cNvSpPr txBox="1"/>
+          <p:nvPr/>
+        </p:nvSpPr>
+        <p:spPr>
+          <a:xfrm>
+            <a:off x="0" y="3549134"/>
+            <a:ext cx="418704" cy="369332"/>
+          </a:xfrm>
+          <a:prstGeom prst="rect">
+            <a:avLst/>
+          </a:prstGeom>
+          <a:noFill/>
+        </p:spPr>
+        <p:txBody>
+          <a:bodyPr wrap="none" rtlCol="0">
+            <a:spAutoFit/>
+          </a:bodyPr>
+          <a:lstStyle/>
+          <a:p>
+            <a:r>
+              <a:rPr lang="en-US" dirty="0" smtClean="0"/>
+              <a:t>22</a:t>
+            </a:r>
+          </a:p>
+        </p:txBody>
+      </p:sp>
+      <p:sp>
+        <p:nvSpPr>
+          <p:cNvPr id="21" name="TextBox 20"/>
+          <p:cNvSpPr txBox="1"/>
+          <p:nvPr/>
+        </p:nvSpPr>
+        <p:spPr>
+          <a:xfrm>
+            <a:off x="19247" y="1948934"/>
+            <a:ext cx="418704" cy="369332"/>
+          </a:xfrm>
+          <a:prstGeom prst="rect">
+            <a:avLst/>
+          </a:prstGeom>
+          <a:noFill/>
+        </p:spPr>
+        <p:txBody>
+          <a:bodyPr wrap="none" rtlCol="0">
+            <a:spAutoFit/>
+          </a:bodyPr>
+          <a:lstStyle/>
+          <a:p>
+            <a:r>
+              <a:rPr lang="en-US" dirty="0" smtClean="0"/>
+              <a:t>18</a:t>
+            </a:r>
+          </a:p>
+        </p:txBody>
+      </p:sp>
+    </p:spTree>
+    <p:extLst>
+      <p:ext uri="{BB962C8B-B14F-4D97-AF65-F5344CB8AC3E}">
+        <p14:creationId xmlns:p14="http://schemas.microsoft.com/office/powerpoint/2010/main" val="84382367"/>
+      </p:ext>
+    </p:extLst>
+  </p:cSld>
+  <p:clrMapOvr>
+    <a:masterClrMapping/>
+  </p:clrMapOvr>
+  <p:timing>
+    <p:tnLst>
+      <p:par>
+        <p:cTn id="1" dur="indefinite" restart="never" nodeType="tmRoot"/>
+      </p:par>
+    </p:tnLst>
+  </p:timing>
+</p:sld>
+</file>
+
+<file path=ppt/slides/slide21.xml><?xml version="1.0" encoding="utf-8"?>
 <p:sld xmlns:a="http://schemas.openxmlformats.org/drawingml/2006/main" xmlns:r="http://schemas.openxmlformats.org/officeDocument/2006/relationships" xmlns:p="http://schemas.openxmlformats.org/presentationml/2006/main">
   <p:cSld>
     <p:spTree>

--- a/doc/MTP-DFD.pptx
+++ b/doc/MTP-DFD.pptx
@@ -311,7 +311,7 @@
           <a:p>
             <a:fld id="{3A6CA703-A109-4933-88E3-8D2081F29780}" type="datetimeFigureOut">
               <a:rPr lang="en-US" smtClean="0"/>
-              <a:t>12/16/2015</a:t>
+              <a:t>2/1/2016</a:t>
             </a:fld>
             <a:endParaRPr lang="en-US"/>
           </a:p>
@@ -481,7 +481,7 @@
           <a:p>
             <a:fld id="{3A6CA703-A109-4933-88E3-8D2081F29780}" type="datetimeFigureOut">
               <a:rPr lang="en-US" smtClean="0"/>
-              <a:t>12/16/2015</a:t>
+              <a:t>2/1/2016</a:t>
             </a:fld>
             <a:endParaRPr lang="en-US"/>
           </a:p>
@@ -661,7 +661,7 @@
           <a:p>
             <a:fld id="{3A6CA703-A109-4933-88E3-8D2081F29780}" type="datetimeFigureOut">
               <a:rPr lang="en-US" smtClean="0"/>
-              <a:t>12/16/2015</a:t>
+              <a:t>2/1/2016</a:t>
             </a:fld>
             <a:endParaRPr lang="en-US"/>
           </a:p>
@@ -831,7 +831,7 @@
           <a:p>
             <a:fld id="{3A6CA703-A109-4933-88E3-8D2081F29780}" type="datetimeFigureOut">
               <a:rPr lang="en-US" smtClean="0"/>
-              <a:t>12/16/2015</a:t>
+              <a:t>2/1/2016</a:t>
             </a:fld>
             <a:endParaRPr lang="en-US"/>
           </a:p>
@@ -1077,7 +1077,7 @@
           <a:p>
             <a:fld id="{3A6CA703-A109-4933-88E3-8D2081F29780}" type="datetimeFigureOut">
               <a:rPr lang="en-US" smtClean="0"/>
-              <a:t>12/16/2015</a:t>
+              <a:t>2/1/2016</a:t>
             </a:fld>
             <a:endParaRPr lang="en-US"/>
           </a:p>
@@ -1365,7 +1365,7 @@
           <a:p>
             <a:fld id="{3A6CA703-A109-4933-88E3-8D2081F29780}" type="datetimeFigureOut">
               <a:rPr lang="en-US" smtClean="0"/>
-              <a:t>12/16/2015</a:t>
+              <a:t>2/1/2016</a:t>
             </a:fld>
             <a:endParaRPr lang="en-US"/>
           </a:p>
@@ -1787,7 +1787,7 @@
           <a:p>
             <a:fld id="{3A6CA703-A109-4933-88E3-8D2081F29780}" type="datetimeFigureOut">
               <a:rPr lang="en-US" smtClean="0"/>
-              <a:t>12/16/2015</a:t>
+              <a:t>2/1/2016</a:t>
             </a:fld>
             <a:endParaRPr lang="en-US"/>
           </a:p>
@@ -1905,7 +1905,7 @@
           <a:p>
             <a:fld id="{3A6CA703-A109-4933-88E3-8D2081F29780}" type="datetimeFigureOut">
               <a:rPr lang="en-US" smtClean="0"/>
-              <a:t>12/16/2015</a:t>
+              <a:t>2/1/2016</a:t>
             </a:fld>
             <a:endParaRPr lang="en-US"/>
           </a:p>
@@ -2000,7 +2000,7 @@
           <a:p>
             <a:fld id="{3A6CA703-A109-4933-88E3-8D2081F29780}" type="datetimeFigureOut">
               <a:rPr lang="en-US" smtClean="0"/>
-              <a:t>12/16/2015</a:t>
+              <a:t>2/1/2016</a:t>
             </a:fld>
             <a:endParaRPr lang="en-US"/>
           </a:p>
@@ -2277,7 +2277,7 @@
           <a:p>
             <a:fld id="{3A6CA703-A109-4933-88E3-8D2081F29780}" type="datetimeFigureOut">
               <a:rPr lang="en-US" smtClean="0"/>
-              <a:t>12/16/2015</a:t>
+              <a:t>2/1/2016</a:t>
             </a:fld>
             <a:endParaRPr lang="en-US"/>
           </a:p>
@@ -2530,7 +2530,7 @@
           <a:p>
             <a:fld id="{3A6CA703-A109-4933-88E3-8D2081F29780}" type="datetimeFigureOut">
               <a:rPr lang="en-US" smtClean="0"/>
-              <a:t>12/16/2015</a:t>
+              <a:t>2/1/2016</a:t>
             </a:fld>
             <a:endParaRPr lang="en-US"/>
           </a:p>
@@ -2743,7 +2743,7 @@
           <a:p>
             <a:fld id="{3A6CA703-A109-4933-88E3-8D2081F29780}" type="datetimeFigureOut">
               <a:rPr lang="en-US" smtClean="0"/>
-              <a:t>12/16/2015</a:t>
+              <a:t>2/1/2016</a:t>
             </a:fld>
             <a:endParaRPr lang="en-US"/>
           </a:p>
@@ -7751,7 +7751,11 @@
           <a:p>
             <a:r>
               <a:rPr lang="en-US" dirty="0" smtClean="0"/>
-              <a:t>33 element array : </a:t>
+              <a:t>31 </a:t>
+            </a:r>
+            <a:r>
+              <a:rPr lang="en-US" dirty="0" smtClean="0"/>
+              <a:t>element array : </a:t>
             </a:r>
             <a:r>
               <a:rPr lang="en-US" dirty="0" err="1" smtClean="0"/>
@@ -11354,11 +11358,7 @@
             <a:p>
               <a:r>
                 <a:rPr lang="en-US" dirty="0" smtClean="0"/>
-                <a:t>(</a:t>
-              </a:r>
-              <a:r>
-                <a:rPr lang="en-US" dirty="0" smtClean="0"/>
-                <a:t>brightness</a:t>
+                <a:t>(brightness</a:t>
               </a:r>
             </a:p>
             <a:p>
@@ -11729,11 +11729,7 @@
           <a:p>
             <a:r>
               <a:rPr lang="en-US" sz="1400" dirty="0" smtClean="0"/>
-              <a:t>A[15,30,33</a:t>
-            </a:r>
-            <a:r>
-              <a:rPr lang="en-US" sz="1400" dirty="0" smtClean="0"/>
-              <a:t>]</a:t>
+              <a:t>A[15,30,33]</a:t>
             </a:r>
             <a:endParaRPr lang="en-US" sz="1400" dirty="0"/>
           </a:p>

--- a/doc/MTP-DFD.pptx
+++ b/doc/MTP-DFD.pptx
@@ -314,7 +314,7 @@
           <a:p>
             <a:fld id="{3A6CA703-A109-4933-88E3-8D2081F29780}" type="datetimeFigureOut">
               <a:rPr lang="en-US" smtClean="0"/>
-              <a:t>4/18/2016</a:t>
+              <a:t>5/19/2016</a:t>
             </a:fld>
             <a:endParaRPr lang="en-US"/>
           </a:p>
@@ -484,7 +484,7 @@
           <a:p>
             <a:fld id="{3A6CA703-A109-4933-88E3-8D2081F29780}" type="datetimeFigureOut">
               <a:rPr lang="en-US" smtClean="0"/>
-              <a:t>4/18/2016</a:t>
+              <a:t>5/19/2016</a:t>
             </a:fld>
             <a:endParaRPr lang="en-US"/>
           </a:p>
@@ -664,7 +664,7 @@
           <a:p>
             <a:fld id="{3A6CA703-A109-4933-88E3-8D2081F29780}" type="datetimeFigureOut">
               <a:rPr lang="en-US" smtClean="0"/>
-              <a:t>4/18/2016</a:t>
+              <a:t>5/19/2016</a:t>
             </a:fld>
             <a:endParaRPr lang="en-US"/>
           </a:p>
@@ -834,7 +834,7 @@
           <a:p>
             <a:fld id="{3A6CA703-A109-4933-88E3-8D2081F29780}" type="datetimeFigureOut">
               <a:rPr lang="en-US" smtClean="0"/>
-              <a:t>4/18/2016</a:t>
+              <a:t>5/19/2016</a:t>
             </a:fld>
             <a:endParaRPr lang="en-US"/>
           </a:p>
@@ -1080,7 +1080,7 @@
           <a:p>
             <a:fld id="{3A6CA703-A109-4933-88E3-8D2081F29780}" type="datetimeFigureOut">
               <a:rPr lang="en-US" smtClean="0"/>
-              <a:t>4/18/2016</a:t>
+              <a:t>5/19/2016</a:t>
             </a:fld>
             <a:endParaRPr lang="en-US"/>
           </a:p>
@@ -1368,7 +1368,7 @@
           <a:p>
             <a:fld id="{3A6CA703-A109-4933-88E3-8D2081F29780}" type="datetimeFigureOut">
               <a:rPr lang="en-US" smtClean="0"/>
-              <a:t>4/18/2016</a:t>
+              <a:t>5/19/2016</a:t>
             </a:fld>
             <a:endParaRPr lang="en-US"/>
           </a:p>
@@ -1790,7 +1790,7 @@
           <a:p>
             <a:fld id="{3A6CA703-A109-4933-88E3-8D2081F29780}" type="datetimeFigureOut">
               <a:rPr lang="en-US" smtClean="0"/>
-              <a:t>4/18/2016</a:t>
+              <a:t>5/19/2016</a:t>
             </a:fld>
             <a:endParaRPr lang="en-US"/>
           </a:p>
@@ -1908,7 +1908,7 @@
           <a:p>
             <a:fld id="{3A6CA703-A109-4933-88E3-8D2081F29780}" type="datetimeFigureOut">
               <a:rPr lang="en-US" smtClean="0"/>
-              <a:t>4/18/2016</a:t>
+              <a:t>5/19/2016</a:t>
             </a:fld>
             <a:endParaRPr lang="en-US"/>
           </a:p>
@@ -2003,7 +2003,7 @@
           <a:p>
             <a:fld id="{3A6CA703-A109-4933-88E3-8D2081F29780}" type="datetimeFigureOut">
               <a:rPr lang="en-US" smtClean="0"/>
-              <a:t>4/18/2016</a:t>
+              <a:t>5/19/2016</a:t>
             </a:fld>
             <a:endParaRPr lang="en-US"/>
           </a:p>
@@ -2280,7 +2280,7 @@
           <a:p>
             <a:fld id="{3A6CA703-A109-4933-88E3-8D2081F29780}" type="datetimeFigureOut">
               <a:rPr lang="en-US" smtClean="0"/>
-              <a:t>4/18/2016</a:t>
+              <a:t>5/19/2016</a:t>
             </a:fld>
             <a:endParaRPr lang="en-US"/>
           </a:p>
@@ -2533,7 +2533,7 @@
           <a:p>
             <a:fld id="{3A6CA703-A109-4933-88E3-8D2081F29780}" type="datetimeFigureOut">
               <a:rPr lang="en-US" smtClean="0"/>
-              <a:t>4/18/2016</a:t>
+              <a:t>5/19/2016</a:t>
             </a:fld>
             <a:endParaRPr lang="en-US"/>
           </a:p>
@@ -2746,7 +2746,7 @@
           <a:p>
             <a:fld id="{3A6CA703-A109-4933-88E3-8D2081F29780}" type="datetimeFigureOut">
               <a:rPr lang="en-US" smtClean="0"/>
-              <a:t>4/18/2016</a:t>
+              <a:t>5/19/2016</a:t>
             </a:fld>
             <a:endParaRPr lang="en-US"/>
           </a:p>
@@ -6240,7 +6240,6 @@
               <a:rPr lang="en-US" dirty="0" smtClean="0"/>
               <a:t>19.2</a:t>
             </a:r>
-            <a:endParaRPr lang="en-US" dirty="0" smtClean="0"/>
           </a:p>
         </p:txBody>
       </p:sp>
@@ -6594,7 +6593,6 @@
               <a:rPr lang="en-US" dirty="0" smtClean="0"/>
               <a:t>19.4</a:t>
             </a:r>
-            <a:endParaRPr lang="en-US" dirty="0" smtClean="0"/>
           </a:p>
         </p:txBody>
       </p:sp>
@@ -6985,6 +6983,36 @@
           </a:fontRef>
         </p:style>
       </p:cxnSp>
+      <p:sp>
+        <p:nvSpPr>
+          <p:cNvPr id="3" name="TextBox 2"/>
+          <p:cNvSpPr txBox="1"/>
+          <p:nvPr/>
+        </p:nvSpPr>
+        <p:spPr>
+          <a:xfrm>
+            <a:off x="5638800" y="685800"/>
+            <a:ext cx="2532745" cy="369332"/>
+          </a:xfrm>
+          <a:prstGeom prst="rect">
+            <a:avLst/>
+          </a:prstGeom>
+          <a:noFill/>
+        </p:spPr>
+        <p:txBody>
+          <a:bodyPr wrap="none" rtlCol="0">
+            <a:spAutoFit/>
+          </a:bodyPr>
+          <a:lstStyle/>
+          <a:p>
+            <a:r>
+              <a:rPr lang="en-US" dirty="0" smtClean="0"/>
+              <a:t>Spherical Law of Cosines </a:t>
+            </a:r>
+            <a:endParaRPr lang="en-US" dirty="0"/>
+          </a:p>
+        </p:txBody>
+      </p:sp>
     </p:spTree>
     <p:extLst>
       <p:ext uri="{BB962C8B-B14F-4D97-AF65-F5344CB8AC3E}">
@@ -7670,7 +7698,6 @@
               <a:rPr lang="en-US" dirty="0" smtClean="0"/>
               <a:t>19.4</a:t>
             </a:r>
-            <a:endParaRPr lang="en-US" dirty="0" smtClean="0"/>
           </a:p>
         </p:txBody>
       </p:sp>
@@ -8080,11 +8107,7 @@
             </a:r>
             <a:r>
               <a:rPr lang="en-US" dirty="0" smtClean="0"/>
-              <a:t> </a:t>
-            </a:r>
-            <a:r>
-              <a:rPr lang="en-US" dirty="0" smtClean="0"/>
-              <a:t>values:  Winner is IlnP1 </a:t>
+              <a:t> values:  Winner is IlnP1 </a:t>
             </a:r>
             <a:endParaRPr lang="en-US" dirty="0"/>
           </a:p>
@@ -8273,7 +8296,6 @@
               <a:rPr lang="en-US" dirty="0" smtClean="0"/>
               <a:t>19.6</a:t>
             </a:r>
-            <a:endParaRPr lang="en-US" dirty="0" smtClean="0"/>
           </a:p>
         </p:txBody>
       </p:sp>
@@ -17002,8 +17024,8 @@
         </p:nvSpPr>
         <p:spPr>
           <a:xfrm>
-            <a:off x="1553723" y="1910862"/>
-            <a:ext cx="4572000" cy="1200329"/>
+            <a:off x="1431297" y="1910862"/>
+            <a:ext cx="3116083" cy="1200329"/>
           </a:xfrm>
           <a:prstGeom prst="rect">
             <a:avLst/>
@@ -17015,14 +17037,14 @@
           </a:ln>
         </p:spPr>
         <p:txBody>
-          <a:bodyPr>
+          <a:bodyPr wrap="square">
             <a:spAutoFit/>
           </a:bodyPr>
           <a:lstStyle/>
           <a:p>
             <a:r>
               <a:rPr lang="en-US" dirty="0" smtClean="0"/>
-              <a:t>In REF2readCALFILE: (.BIN file)</a:t>
+              <a:t>In REF2readCALFILE: (.REF file)</a:t>
             </a:r>
           </a:p>
           <a:p>
@@ -17192,6 +17214,114 @@
           </a:fontRef>
         </p:style>
       </p:cxnSp>
+      <p:sp>
+        <p:nvSpPr>
+          <p:cNvPr id="7" name="TextBox 6"/>
+          <p:cNvSpPr txBox="1"/>
+          <p:nvPr/>
+        </p:nvSpPr>
+        <p:spPr>
+          <a:xfrm>
+            <a:off x="1436909" y="685800"/>
+            <a:ext cx="4805739" cy="646331"/>
+          </a:xfrm>
+          <a:prstGeom prst="rect">
+            <a:avLst/>
+          </a:prstGeom>
+          <a:noFill/>
+        </p:spPr>
+        <p:txBody>
+          <a:bodyPr wrap="none" rtlCol="0">
+            <a:spAutoFit/>
+          </a:bodyPr>
+          <a:lstStyle/>
+          <a:p>
+            <a:r>
+              <a:rPr lang="en-US" dirty="0" smtClean="0"/>
+              <a:t>Here begins how the Gain is calculated: </a:t>
+            </a:r>
+          </a:p>
+          <a:p>
+            <a:r>
+              <a:rPr lang="en-US" dirty="0"/>
+              <a:t>	</a:t>
+            </a:r>
+            <a:r>
+              <a:rPr lang="en-US" dirty="0" smtClean="0"/>
+              <a:t>Best to start on 16 and work backwards</a:t>
+            </a:r>
+            <a:endParaRPr lang="en-US" dirty="0"/>
+          </a:p>
+        </p:txBody>
+      </p:sp>
+      <p:sp>
+        <p:nvSpPr>
+          <p:cNvPr id="13" name="Right Brace 12"/>
+          <p:cNvSpPr/>
+          <p:nvPr/>
+        </p:nvSpPr>
+        <p:spPr>
+          <a:xfrm>
+            <a:off x="4200216" y="2511026"/>
+            <a:ext cx="374894" cy="536974"/>
+          </a:xfrm>
+          <a:prstGeom prst="rightBrace">
+            <a:avLst/>
+          </a:prstGeom>
+        </p:spPr>
+        <p:style>
+          <a:lnRef idx="1">
+            <a:schemeClr val="accent1"/>
+          </a:lnRef>
+          <a:fillRef idx="0">
+            <a:schemeClr val="accent1"/>
+          </a:fillRef>
+          <a:effectRef idx="0">
+            <a:schemeClr val="accent1"/>
+          </a:effectRef>
+          <a:fontRef idx="minor">
+            <a:schemeClr val="tx1"/>
+          </a:fontRef>
+        </p:style>
+        <p:txBody>
+          <a:bodyPr rtlCol="0" anchor="ctr"/>
+          <a:lstStyle/>
+          <a:p>
+            <a:pPr algn="ctr"/>
+            <a:endParaRPr lang="en-US"/>
+          </a:p>
+        </p:txBody>
+      </p:sp>
+      <p:sp>
+        <p:nvSpPr>
+          <p:cNvPr id="14" name="TextBox 13"/>
+          <p:cNvSpPr txBox="1"/>
+          <p:nvPr/>
+        </p:nvSpPr>
+        <p:spPr>
+          <a:xfrm>
+            <a:off x="4575110" y="2594847"/>
+            <a:ext cx="4438972" cy="369332"/>
+          </a:xfrm>
+          <a:prstGeom prst="rect">
+            <a:avLst/>
+          </a:prstGeom>
+          <a:noFill/>
+        </p:spPr>
+        <p:txBody>
+          <a:bodyPr wrap="none" rtlCol="0">
+            <a:spAutoFit/>
+          </a:bodyPr>
+          <a:lstStyle/>
+          <a:p>
+            <a:r>
+              <a:rPr lang="en-US" dirty="0" smtClean="0"/>
+              <a:t>Cnd1 and Cnd2 are consistently all zero value</a:t>
+            </a:r>
+            <a:endParaRPr lang="en-US" dirty="0"/>
+          </a:p>
+        </p:txBody>
+      </p:sp>
     </p:spTree>
     <p:extLst>
       <p:ext uri="{BB962C8B-B14F-4D97-AF65-F5344CB8AC3E}">
@@ -18755,7 +18885,7 @@
         <p:spPr>
           <a:xfrm>
             <a:off x="5420707" y="3138643"/>
-            <a:ext cx="2077364" cy="646331"/>
+            <a:ext cx="2315634" cy="646331"/>
           </a:xfrm>
           <a:prstGeom prst="rect">
             <a:avLst/>
@@ -18775,8 +18905,13 @@
           <a:p>
             <a:r>
               <a:rPr lang="en-US" dirty="0" smtClean="0"/>
-              <a:t>From the BIN file</a:t>
-            </a:r>
+              <a:t>From the </a:t>
+            </a:r>
+            <a:r>
+              <a:rPr lang="en-US" dirty="0" smtClean="0"/>
+              <a:t>flight REF file</a:t>
+            </a:r>
+            <a:endParaRPr lang="en-US" dirty="0" smtClean="0"/>
           </a:p>
           <a:p>
             <a:r>
